--- a/scrum slide ppt.pptx
+++ b/scrum slide ppt.pptx
@@ -5,7 +5,7 @@
     <p:sldMasterId id="2147483681" r:id="rId1"/>
   </p:sldMasterIdLst>
   <p:notesMasterIdLst>
-    <p:notesMasterId r:id="rId13"/>
+    <p:notesMasterId r:id="rId15"/>
   </p:notesMasterIdLst>
   <p:sldIdLst>
     <p:sldId id="256" r:id="rId2"/>
@@ -15,31 +15,33 @@
     <p:sldId id="262" r:id="rId6"/>
     <p:sldId id="261" r:id="rId7"/>
     <p:sldId id="311" r:id="rId8"/>
-    <p:sldId id="312" r:id="rId9"/>
-    <p:sldId id="313" r:id="rId10"/>
-    <p:sldId id="314" r:id="rId11"/>
-    <p:sldId id="277" r:id="rId12"/>
+    <p:sldId id="315" r:id="rId9"/>
+    <p:sldId id="316" r:id="rId10"/>
+    <p:sldId id="277" r:id="rId11"/>
+    <p:sldId id="312" r:id="rId12"/>
+    <p:sldId id="313" r:id="rId13"/>
+    <p:sldId id="314" r:id="rId14"/>
   </p:sldIdLst>
   <p:sldSz cx="9144000" cy="5143500" type="screen16x9"/>
   <p:notesSz cx="6858000" cy="9144000"/>
   <p:embeddedFontLst>
     <p:embeddedFont>
       <p:font typeface="Merriweather Light" panose="00000400000000000000" pitchFamily="2" charset="0"/>
-      <p:regular r:id="rId14"/>
-      <p:bold r:id="rId15"/>
-      <p:italic r:id="rId16"/>
-      <p:boldItalic r:id="rId17"/>
+      <p:regular r:id="rId16"/>
+      <p:bold r:id="rId17"/>
+      <p:italic r:id="rId18"/>
+      <p:boldItalic r:id="rId19"/>
     </p:embeddedFont>
     <p:embeddedFont>
       <p:font typeface="Montserrat" panose="00000500000000000000" pitchFamily="2" charset="0"/>
-      <p:regular r:id="rId18"/>
-      <p:bold r:id="rId19"/>
-      <p:italic r:id="rId20"/>
-      <p:boldItalic r:id="rId21"/>
+      <p:regular r:id="rId20"/>
+      <p:bold r:id="rId21"/>
+      <p:italic r:id="rId22"/>
+      <p:boldItalic r:id="rId23"/>
     </p:embeddedFont>
     <p:embeddedFont>
       <p:font typeface="Vidaloka" panose="020B0604020202020204" charset="0"/>
-      <p:regular r:id="rId22"/>
+      <p:regular r:id="rId24"/>
     </p:embeddedFont>
   </p:embeddedFontLst>
   <p:defaultTextStyle>
@@ -271,6 +273,11 @@
       </a:defRPr>
     </a:lvl9pPr>
   </p:defaultTextStyle>
+  <p:extLst>
+    <p:ext uri="{EFAFB233-063F-42B5-8137-9DF3F51BA10A}">
+      <p15:sldGuideLst xmlns:p15="http://schemas.microsoft.com/office/powerpoint/2012/main"/>
+    </p:ext>
+  </p:extLst>
 </p:presentation>
 </file>
 
@@ -824,6 +831,110 @@
   <p:cSld>
     <p:spTree>
       <p:nvGrpSpPr>
+        <p:cNvPr id="1" name="Shape 608"/>
+        <p:cNvGrpSpPr/>
+        <p:nvPr/>
+      </p:nvGrpSpPr>
+      <p:grpSpPr>
+        <a:xfrm>
+          <a:off x="0" y="0"/>
+          <a:ext cx="0" cy="0"/>
+          <a:chOff x="0" y="0"/>
+          <a:chExt cx="0" cy="0"/>
+        </a:xfrm>
+      </p:grpSpPr>
+      <p:sp>
+        <p:nvSpPr>
+          <p:cNvPr id="609" name="Google Shape;609;gcc7554a049_0_799:notes"/>
+          <p:cNvSpPr>
+            <a:spLocks noGrp="1" noRot="1" noChangeAspect="1"/>
+          </p:cNvSpPr>
+          <p:nvPr>
+            <p:ph type="sldImg" idx="2"/>
+          </p:nvPr>
+        </p:nvSpPr>
+        <p:spPr>
+          <a:xfrm>
+            <a:off x="381000" y="685800"/>
+            <a:ext cx="6096000" cy="3429000"/>
+          </a:xfrm>
+          <a:custGeom>
+            <a:avLst/>
+            <a:gdLst/>
+            <a:ahLst/>
+            <a:cxnLst/>
+            <a:rect l="l" t="t" r="r" b="b"/>
+            <a:pathLst>
+              <a:path w="120000" h="120000" extrusionOk="0">
+                <a:moveTo>
+                  <a:pt x="0" y="0"/>
+                </a:moveTo>
+                <a:lnTo>
+                  <a:pt x="120000" y="0"/>
+                </a:lnTo>
+                <a:lnTo>
+                  <a:pt x="120000" y="120000"/>
+                </a:lnTo>
+                <a:lnTo>
+                  <a:pt x="0" y="120000"/>
+                </a:lnTo>
+                <a:close/>
+              </a:path>
+            </a:pathLst>
+          </a:custGeom>
+        </p:spPr>
+      </p:sp>
+      <p:sp>
+        <p:nvSpPr>
+          <p:cNvPr id="610" name="Google Shape;610;gcc7554a049_0_799:notes"/>
+          <p:cNvSpPr txBox="1">
+            <a:spLocks noGrp="1"/>
+          </p:cNvSpPr>
+          <p:nvPr>
+            <p:ph type="body" idx="1"/>
+          </p:nvPr>
+        </p:nvSpPr>
+        <p:spPr>
+          <a:xfrm>
+            <a:off x="685800" y="4343400"/>
+            <a:ext cx="5486400" cy="4114800"/>
+          </a:xfrm>
+          <a:prstGeom prst="rect">
+            <a:avLst/>
+          </a:prstGeom>
+        </p:spPr>
+        <p:txBody>
+          <a:bodyPr spcFirstLastPara="1" wrap="square" lIns="91425" tIns="91425" rIns="91425" bIns="91425" anchor="t" anchorCtr="0">
+            <a:noAutofit/>
+          </a:bodyPr>
+          <a:lstStyle/>
+          <a:p>
+            <a:pPr marL="0" lvl="0" indent="0" algn="l" rtl="0">
+              <a:spcBef>
+                <a:spcPts val="0"/>
+              </a:spcBef>
+              <a:spcAft>
+                <a:spcPts val="0"/>
+              </a:spcAft>
+              <a:buNone/>
+            </a:pPr>
+            <a:endParaRPr/>
+          </a:p>
+        </p:txBody>
+      </p:sp>
+    </p:spTree>
+  </p:cSld>
+  <p:clrMapOvr>
+    <a:masterClrMapping/>
+  </p:clrMapOvr>
+</p:notes>
+</file>
+
+<file path=ppt/notesSlides/notesSlide11.xml><?xml version="1.0" encoding="utf-8"?>
+<p:notes xmlns:a="http://schemas.openxmlformats.org/drawingml/2006/main" xmlns:r="http://schemas.openxmlformats.org/officeDocument/2006/relationships" xmlns:p="http://schemas.openxmlformats.org/presentationml/2006/main" showMasterSp="0" showMasterPhAnim="0">
+  <p:cSld>
+    <p:spTree>
+      <p:nvGrpSpPr>
         <p:cNvPr id="1" name="Shape 287"/>
         <p:cNvGrpSpPr/>
         <p:nvPr/>
@@ -918,7 +1029,7 @@
     </p:spTree>
     <p:extLst>
       <p:ext uri="{BB962C8B-B14F-4D97-AF65-F5344CB8AC3E}">
-        <p14:creationId xmlns:p14="http://schemas.microsoft.com/office/powerpoint/2010/main" val="2980679882"/>
+        <p14:creationId xmlns:p14="http://schemas.microsoft.com/office/powerpoint/2010/main" val="2039750482"/>
       </p:ext>
     </p:extLst>
   </p:cSld>
@@ -928,12 +1039,12 @@
 </p:notes>
 </file>
 
-<file path=ppt/notesSlides/notesSlide11.xml><?xml version="1.0" encoding="utf-8"?>
+<file path=ppt/notesSlides/notesSlide12.xml><?xml version="1.0" encoding="utf-8"?>
 <p:notes xmlns:a="http://schemas.openxmlformats.org/drawingml/2006/main" xmlns:r="http://schemas.openxmlformats.org/officeDocument/2006/relationships" xmlns:p="http://schemas.openxmlformats.org/presentationml/2006/main" showMasterSp="0" showMasterPhAnim="0">
   <p:cSld>
     <p:spTree>
       <p:nvGrpSpPr>
-        <p:cNvPr id="1" name="Shape 608"/>
+        <p:cNvPr id="1" name="Shape 287"/>
         <p:cNvGrpSpPr/>
         <p:nvPr/>
       </p:nvGrpSpPr>
@@ -947,7 +1058,7 @@
       </p:grpSpPr>
       <p:sp>
         <p:nvSpPr>
-          <p:cNvPr id="609" name="Google Shape;609;gcc7554a049_0_799:notes"/>
+          <p:cNvPr id="288" name="Google Shape;288;gcc7554a049_0_363:notes"/>
           <p:cNvSpPr>
             <a:spLocks noGrp="1" noRot="1" noChangeAspect="1"/>
           </p:cNvSpPr>
@@ -988,7 +1099,7 @@
       </p:sp>
       <p:sp>
         <p:nvSpPr>
-          <p:cNvPr id="610" name="Google Shape;610;gcc7554a049_0_799:notes"/>
+          <p:cNvPr id="289" name="Google Shape;289;gcc7554a049_0_363:notes"/>
           <p:cNvSpPr txBox="1">
             <a:spLocks noGrp="1"/>
           </p:cNvSpPr>
@@ -1025,6 +1136,120 @@
         </p:txBody>
       </p:sp>
     </p:spTree>
+    <p:extLst>
+      <p:ext uri="{BB962C8B-B14F-4D97-AF65-F5344CB8AC3E}">
+        <p14:creationId xmlns:p14="http://schemas.microsoft.com/office/powerpoint/2010/main" val="92855228"/>
+      </p:ext>
+    </p:extLst>
+  </p:cSld>
+  <p:clrMapOvr>
+    <a:masterClrMapping/>
+  </p:clrMapOvr>
+</p:notes>
+</file>
+
+<file path=ppt/notesSlides/notesSlide13.xml><?xml version="1.0" encoding="utf-8"?>
+<p:notes xmlns:a="http://schemas.openxmlformats.org/drawingml/2006/main" xmlns:r="http://schemas.openxmlformats.org/officeDocument/2006/relationships" xmlns:p="http://schemas.openxmlformats.org/presentationml/2006/main" showMasterSp="0" showMasterPhAnim="0">
+  <p:cSld>
+    <p:spTree>
+      <p:nvGrpSpPr>
+        <p:cNvPr id="1" name="Shape 287"/>
+        <p:cNvGrpSpPr/>
+        <p:nvPr/>
+      </p:nvGrpSpPr>
+      <p:grpSpPr>
+        <a:xfrm>
+          <a:off x="0" y="0"/>
+          <a:ext cx="0" cy="0"/>
+          <a:chOff x="0" y="0"/>
+          <a:chExt cx="0" cy="0"/>
+        </a:xfrm>
+      </p:grpSpPr>
+      <p:sp>
+        <p:nvSpPr>
+          <p:cNvPr id="288" name="Google Shape;288;gcc7554a049_0_363:notes"/>
+          <p:cNvSpPr>
+            <a:spLocks noGrp="1" noRot="1" noChangeAspect="1"/>
+          </p:cNvSpPr>
+          <p:nvPr>
+            <p:ph type="sldImg" idx="2"/>
+          </p:nvPr>
+        </p:nvSpPr>
+        <p:spPr>
+          <a:xfrm>
+            <a:off x="381000" y="685800"/>
+            <a:ext cx="6096000" cy="3429000"/>
+          </a:xfrm>
+          <a:custGeom>
+            <a:avLst/>
+            <a:gdLst/>
+            <a:ahLst/>
+            <a:cxnLst/>
+            <a:rect l="l" t="t" r="r" b="b"/>
+            <a:pathLst>
+              <a:path w="120000" h="120000" extrusionOk="0">
+                <a:moveTo>
+                  <a:pt x="0" y="0"/>
+                </a:moveTo>
+                <a:lnTo>
+                  <a:pt x="120000" y="0"/>
+                </a:lnTo>
+                <a:lnTo>
+                  <a:pt x="120000" y="120000"/>
+                </a:lnTo>
+                <a:lnTo>
+                  <a:pt x="0" y="120000"/>
+                </a:lnTo>
+                <a:close/>
+              </a:path>
+            </a:pathLst>
+          </a:custGeom>
+        </p:spPr>
+      </p:sp>
+      <p:sp>
+        <p:nvSpPr>
+          <p:cNvPr id="289" name="Google Shape;289;gcc7554a049_0_363:notes"/>
+          <p:cNvSpPr txBox="1">
+            <a:spLocks noGrp="1"/>
+          </p:cNvSpPr>
+          <p:nvPr>
+            <p:ph type="body" idx="1"/>
+          </p:nvPr>
+        </p:nvSpPr>
+        <p:spPr>
+          <a:xfrm>
+            <a:off x="685800" y="4343400"/>
+            <a:ext cx="5486400" cy="4114800"/>
+          </a:xfrm>
+          <a:prstGeom prst="rect">
+            <a:avLst/>
+          </a:prstGeom>
+        </p:spPr>
+        <p:txBody>
+          <a:bodyPr spcFirstLastPara="1" wrap="square" lIns="91425" tIns="91425" rIns="91425" bIns="91425" anchor="t" anchorCtr="0">
+            <a:noAutofit/>
+          </a:bodyPr>
+          <a:lstStyle/>
+          <a:p>
+            <a:pPr marL="0" lvl="0" indent="0" algn="l" rtl="0">
+              <a:spcBef>
+                <a:spcPts val="0"/>
+              </a:spcBef>
+              <a:spcAft>
+                <a:spcPts val="0"/>
+              </a:spcAft>
+              <a:buNone/>
+            </a:pPr>
+            <a:endParaRPr/>
+          </a:p>
+        </p:txBody>
+      </p:sp>
+    </p:spTree>
+    <p:extLst>
+      <p:ext uri="{BB962C8B-B14F-4D97-AF65-F5344CB8AC3E}">
+        <p14:creationId xmlns:p14="http://schemas.microsoft.com/office/powerpoint/2010/main" val="2980679882"/>
+      </p:ext>
+    </p:extLst>
   </p:cSld>
   <p:clrMapOvr>
     <a:masterClrMapping/>
@@ -1760,7 +1985,7 @@
     </p:spTree>
     <p:extLst>
       <p:ext uri="{BB962C8B-B14F-4D97-AF65-F5344CB8AC3E}">
-        <p14:creationId xmlns:p14="http://schemas.microsoft.com/office/powerpoint/2010/main" val="2039750482"/>
+        <p14:creationId xmlns:p14="http://schemas.microsoft.com/office/powerpoint/2010/main" val="360879145"/>
       </p:ext>
     </p:extLst>
   </p:cSld>
@@ -1869,7 +2094,7 @@
     </p:spTree>
     <p:extLst>
       <p:ext uri="{BB962C8B-B14F-4D97-AF65-F5344CB8AC3E}">
-        <p14:creationId xmlns:p14="http://schemas.microsoft.com/office/powerpoint/2010/main" val="92855228"/>
+        <p14:creationId xmlns:p14="http://schemas.microsoft.com/office/powerpoint/2010/main" val="4245307179"/>
       </p:ext>
     </p:extLst>
   </p:cSld>
@@ -8804,6 +9029,3306 @@
   <p:cSld>
     <p:spTree>
       <p:nvGrpSpPr>
+        <p:cNvPr id="1" name="Shape 611"/>
+        <p:cNvGrpSpPr/>
+        <p:nvPr/>
+      </p:nvGrpSpPr>
+      <p:grpSpPr>
+        <a:xfrm>
+          <a:off x="0" y="0"/>
+          <a:ext cx="0" cy="0"/>
+          <a:chOff x="0" y="0"/>
+          <a:chExt cx="0" cy="0"/>
+        </a:xfrm>
+      </p:grpSpPr>
+      <p:sp>
+        <p:nvSpPr>
+          <p:cNvPr id="612" name="Google Shape;612;p57"/>
+          <p:cNvSpPr txBox="1">
+            <a:spLocks noGrp="1"/>
+          </p:cNvSpPr>
+          <p:nvPr>
+            <p:ph type="title"/>
+          </p:nvPr>
+        </p:nvSpPr>
+        <p:spPr>
+          <a:xfrm>
+            <a:off x="1122500" y="1225400"/>
+            <a:ext cx="6899100" cy="2692800"/>
+          </a:xfrm>
+          <a:prstGeom prst="rect">
+            <a:avLst/>
+          </a:prstGeom>
+        </p:spPr>
+        <p:txBody>
+          <a:bodyPr spcFirstLastPara="1" wrap="square" lIns="91425" tIns="91425" rIns="91425" bIns="91425" anchor="ctr" anchorCtr="0">
+            <a:noAutofit/>
+          </a:bodyPr>
+          <a:lstStyle/>
+          <a:p>
+            <a:pPr marL="0" lvl="0" indent="0" algn="ctr" rtl="0">
+              <a:spcBef>
+                <a:spcPts val="0"/>
+              </a:spcBef>
+              <a:spcAft>
+                <a:spcPts val="0"/>
+              </a:spcAft>
+              <a:buNone/>
+            </a:pPr>
+            <a:r>
+              <a:rPr lang="en" dirty="0"/>
+              <a:t>Thanks</a:t>
+            </a:r>
+            <a:endParaRPr dirty="0"/>
+          </a:p>
+        </p:txBody>
+      </p:sp>
+      <p:sp>
+        <p:nvSpPr>
+          <p:cNvPr id="3" name="TextBox 2">
+            <a:extLst>
+              <a:ext uri="{FF2B5EF4-FFF2-40B4-BE49-F238E27FC236}">
+                <a16:creationId xmlns:a16="http://schemas.microsoft.com/office/drawing/2014/main" id="{FC497820-31B6-451B-9942-FFC48A7A6EF2}"/>
+              </a:ext>
+            </a:extLst>
+          </p:cNvPr>
+          <p:cNvSpPr txBox="1"/>
+          <p:nvPr/>
+        </p:nvSpPr>
+        <p:spPr>
+          <a:xfrm>
+            <a:off x="8752114" y="4601029"/>
+            <a:ext cx="391886" cy="307777"/>
+          </a:xfrm>
+          <a:prstGeom prst="rect">
+            <a:avLst/>
+          </a:prstGeom>
+          <a:noFill/>
+        </p:spPr>
+        <p:txBody>
+          <a:bodyPr wrap="square" rtlCol="0">
+            <a:spAutoFit/>
+          </a:bodyPr>
+          <a:lstStyle/>
+          <a:p>
+            <a:r>
+              <a:rPr lang="en-US" dirty="0"/>
+              <a:t>13</a:t>
+            </a:r>
+          </a:p>
+        </p:txBody>
+      </p:sp>
+    </p:spTree>
+  </p:cSld>
+  <p:clrMapOvr>
+    <a:masterClrMapping/>
+  </p:clrMapOvr>
+</p:sld>
+</file>
+
+<file path=ppt/slides/slide11.xml><?xml version="1.0" encoding="utf-8"?>
+<p:sld xmlns:a="http://schemas.openxmlformats.org/drawingml/2006/main" xmlns:r="http://schemas.openxmlformats.org/officeDocument/2006/relationships" xmlns:p="http://schemas.openxmlformats.org/presentationml/2006/main">
+  <p:cSld>
+    <p:spTree>
+      <p:nvGrpSpPr>
+        <p:cNvPr id="1" name="Shape 290"/>
+        <p:cNvGrpSpPr/>
+        <p:nvPr/>
+      </p:nvGrpSpPr>
+      <p:grpSpPr>
+        <a:xfrm>
+          <a:off x="0" y="0"/>
+          <a:ext cx="0" cy="0"/>
+          <a:chOff x="0" y="0"/>
+          <a:chExt cx="0" cy="0"/>
+        </a:xfrm>
+      </p:grpSpPr>
+      <p:sp>
+        <p:nvSpPr>
+          <p:cNvPr id="291" name="Google Shape;291;p41"/>
+          <p:cNvSpPr txBox="1">
+            <a:spLocks noGrp="1"/>
+          </p:cNvSpPr>
+          <p:nvPr>
+            <p:ph type="title"/>
+          </p:nvPr>
+        </p:nvSpPr>
+        <p:spPr>
+          <a:xfrm>
+            <a:off x="-706683" y="125950"/>
+            <a:ext cx="5154300" cy="1125000"/>
+          </a:xfrm>
+          <a:prstGeom prst="rect">
+            <a:avLst/>
+          </a:prstGeom>
+        </p:spPr>
+        <p:txBody>
+          <a:bodyPr spcFirstLastPara="1" wrap="square" lIns="91425" tIns="91425" rIns="91425" bIns="91425" anchor="ctr" anchorCtr="0">
+            <a:noAutofit/>
+          </a:bodyPr>
+          <a:lstStyle/>
+          <a:p>
+            <a:pPr indent="-330200">
+              <a:buSzPts val="1600"/>
+            </a:pPr>
+            <a:r>
+              <a:rPr lang="en-US" sz="2400" dirty="0">
+                <a:solidFill>
+                  <a:schemeClr val="hlink"/>
+                </a:solidFill>
+                <a:uFill>
+                  <a:noFill/>
+                </a:uFill>
+              </a:rPr>
+              <a:t>Advanced search filters</a:t>
+            </a:r>
+            <a:endParaRPr lang="en-US" dirty="0">
+              <a:solidFill>
+                <a:schemeClr val="hlink"/>
+              </a:solidFill>
+              <a:uFill>
+                <a:noFill/>
+              </a:uFill>
+            </a:endParaRPr>
+          </a:p>
+        </p:txBody>
+      </p:sp>
+      <p:sp>
+        <p:nvSpPr>
+          <p:cNvPr id="292" name="Google Shape;292;p41"/>
+          <p:cNvSpPr txBox="1">
+            <a:spLocks noGrp="1"/>
+          </p:cNvSpPr>
+          <p:nvPr>
+            <p:ph type="subTitle" idx="1"/>
+          </p:nvPr>
+        </p:nvSpPr>
+        <p:spPr>
+          <a:xfrm>
+            <a:off x="113223" y="973750"/>
+            <a:ext cx="5431233" cy="554400"/>
+          </a:xfrm>
+          <a:prstGeom prst="rect">
+            <a:avLst/>
+          </a:prstGeom>
+        </p:spPr>
+        <p:txBody>
+          <a:bodyPr spcFirstLastPara="1" wrap="square" lIns="91425" tIns="91425" rIns="91425" bIns="91425" anchor="t" anchorCtr="0">
+            <a:noAutofit/>
+          </a:bodyPr>
+          <a:lstStyle/>
+          <a:p>
+            <a:pPr marL="0" lvl="0" indent="0" algn="ctr" rtl="0">
+              <a:spcBef>
+                <a:spcPts val="0"/>
+              </a:spcBef>
+              <a:spcAft>
+                <a:spcPts val="0"/>
+              </a:spcAft>
+              <a:buNone/>
+            </a:pPr>
+            <a:r>
+              <a:rPr lang="en" dirty="0"/>
+              <a:t>As a user </a:t>
+            </a:r>
+            <a:r>
+              <a:rPr lang="en-US" dirty="0"/>
+              <a:t>I</a:t>
+            </a:r>
+            <a:r>
+              <a:rPr lang="en" dirty="0"/>
+              <a:t> need  advanced filters so </a:t>
+            </a:r>
+            <a:r>
+              <a:rPr lang="en-US" dirty="0"/>
+              <a:t>I</a:t>
+            </a:r>
+            <a:r>
+              <a:rPr lang="en" dirty="0"/>
+              <a:t> can  filter the results.</a:t>
+            </a:r>
+            <a:endParaRPr dirty="0"/>
+          </a:p>
+        </p:txBody>
+      </p:sp>
+      <p:sp>
+        <p:nvSpPr>
+          <p:cNvPr id="7" name="Google Shape;850;p72">
+            <a:extLst>
+              <a:ext uri="{FF2B5EF4-FFF2-40B4-BE49-F238E27FC236}">
+                <a16:creationId xmlns:a16="http://schemas.microsoft.com/office/drawing/2014/main" id="{0C31F0BB-D86E-4273-9726-E88B21379F3C}"/>
+              </a:ext>
+            </a:extLst>
+          </p:cNvPr>
+          <p:cNvSpPr txBox="1">
+            <a:spLocks/>
+          </p:cNvSpPr>
+          <p:nvPr/>
+        </p:nvSpPr>
+        <p:spPr>
+          <a:xfrm>
+            <a:off x="248689" y="1363813"/>
+            <a:ext cx="5160300" cy="2402100"/>
+          </a:xfrm>
+          <a:prstGeom prst="rect">
+            <a:avLst/>
+          </a:prstGeom>
+        </p:spPr>
+        <p:txBody>
+          <a:bodyPr spcFirstLastPara="1" wrap="square" lIns="91425" tIns="91425" rIns="91425" bIns="91425" anchor="t" anchorCtr="0">
+            <a:noAutofit/>
+          </a:bodyPr>
+          <a:lstStyle>
+            <a:defPPr marR="0" lvl="0" algn="l" rtl="0">
+              <a:lnSpc>
+                <a:spcPct val="100000"/>
+              </a:lnSpc>
+              <a:spcBef>
+                <a:spcPts val="0"/>
+              </a:spcBef>
+              <a:spcAft>
+                <a:spcPts val="0"/>
+              </a:spcAft>
+            </a:defPPr>
+            <a:lvl1pPr marR="0" lvl="0" algn="l" rtl="0">
+              <a:lnSpc>
+                <a:spcPct val="100000"/>
+              </a:lnSpc>
+              <a:spcBef>
+                <a:spcPts val="0"/>
+              </a:spcBef>
+              <a:spcAft>
+                <a:spcPts val="0"/>
+              </a:spcAft>
+              <a:buClr>
+                <a:srgbClr val="000000"/>
+              </a:buClr>
+              <a:buFont typeface="Arial"/>
+              <a:defRPr sz="1400" b="0" i="0" u="none" strike="noStrike" cap="none">
+                <a:solidFill>
+                  <a:srgbClr val="000000"/>
+                </a:solidFill>
+                <a:latin typeface="Arial"/>
+                <a:ea typeface="Arial"/>
+                <a:cs typeface="Arial"/>
+                <a:sym typeface="Arial"/>
+              </a:defRPr>
+            </a:lvl1pPr>
+            <a:lvl2pPr marR="0" lvl="1" algn="l" rtl="0">
+              <a:lnSpc>
+                <a:spcPct val="100000"/>
+              </a:lnSpc>
+              <a:spcBef>
+                <a:spcPts val="0"/>
+              </a:spcBef>
+              <a:spcAft>
+                <a:spcPts val="0"/>
+              </a:spcAft>
+              <a:buClr>
+                <a:srgbClr val="000000"/>
+              </a:buClr>
+              <a:buFont typeface="Arial"/>
+              <a:defRPr sz="1400" b="0" i="0" u="none" strike="noStrike" cap="none">
+                <a:solidFill>
+                  <a:srgbClr val="000000"/>
+                </a:solidFill>
+                <a:latin typeface="Arial"/>
+                <a:ea typeface="Arial"/>
+                <a:cs typeface="Arial"/>
+                <a:sym typeface="Arial"/>
+              </a:defRPr>
+            </a:lvl2pPr>
+            <a:lvl3pPr marR="0" lvl="2" algn="l" rtl="0">
+              <a:lnSpc>
+                <a:spcPct val="100000"/>
+              </a:lnSpc>
+              <a:spcBef>
+                <a:spcPts val="0"/>
+              </a:spcBef>
+              <a:spcAft>
+                <a:spcPts val="0"/>
+              </a:spcAft>
+              <a:buClr>
+                <a:srgbClr val="000000"/>
+              </a:buClr>
+              <a:buFont typeface="Arial"/>
+              <a:defRPr sz="1400" b="0" i="0" u="none" strike="noStrike" cap="none">
+                <a:solidFill>
+                  <a:srgbClr val="000000"/>
+                </a:solidFill>
+                <a:latin typeface="Arial"/>
+                <a:ea typeface="Arial"/>
+                <a:cs typeface="Arial"/>
+                <a:sym typeface="Arial"/>
+              </a:defRPr>
+            </a:lvl3pPr>
+            <a:lvl4pPr marR="0" lvl="3" algn="l" rtl="0">
+              <a:lnSpc>
+                <a:spcPct val="100000"/>
+              </a:lnSpc>
+              <a:spcBef>
+                <a:spcPts val="0"/>
+              </a:spcBef>
+              <a:spcAft>
+                <a:spcPts val="0"/>
+              </a:spcAft>
+              <a:buClr>
+                <a:srgbClr val="000000"/>
+              </a:buClr>
+              <a:buFont typeface="Arial"/>
+              <a:defRPr sz="1400" b="0" i="0" u="none" strike="noStrike" cap="none">
+                <a:solidFill>
+                  <a:srgbClr val="000000"/>
+                </a:solidFill>
+                <a:latin typeface="Arial"/>
+                <a:ea typeface="Arial"/>
+                <a:cs typeface="Arial"/>
+                <a:sym typeface="Arial"/>
+              </a:defRPr>
+            </a:lvl4pPr>
+            <a:lvl5pPr marR="0" lvl="4" algn="l" rtl="0">
+              <a:lnSpc>
+                <a:spcPct val="100000"/>
+              </a:lnSpc>
+              <a:spcBef>
+                <a:spcPts val="0"/>
+              </a:spcBef>
+              <a:spcAft>
+                <a:spcPts val="0"/>
+              </a:spcAft>
+              <a:buClr>
+                <a:srgbClr val="000000"/>
+              </a:buClr>
+              <a:buFont typeface="Arial"/>
+              <a:defRPr sz="1400" b="0" i="0" u="none" strike="noStrike" cap="none">
+                <a:solidFill>
+                  <a:srgbClr val="000000"/>
+                </a:solidFill>
+                <a:latin typeface="Arial"/>
+                <a:ea typeface="Arial"/>
+                <a:cs typeface="Arial"/>
+                <a:sym typeface="Arial"/>
+              </a:defRPr>
+            </a:lvl5pPr>
+            <a:lvl6pPr marR="0" lvl="5" algn="l" rtl="0">
+              <a:lnSpc>
+                <a:spcPct val="100000"/>
+              </a:lnSpc>
+              <a:spcBef>
+                <a:spcPts val="0"/>
+              </a:spcBef>
+              <a:spcAft>
+                <a:spcPts val="0"/>
+              </a:spcAft>
+              <a:buClr>
+                <a:srgbClr val="000000"/>
+              </a:buClr>
+              <a:buFont typeface="Arial"/>
+              <a:defRPr sz="1400" b="0" i="0" u="none" strike="noStrike" cap="none">
+                <a:solidFill>
+                  <a:srgbClr val="000000"/>
+                </a:solidFill>
+                <a:latin typeface="Arial"/>
+                <a:ea typeface="Arial"/>
+                <a:cs typeface="Arial"/>
+                <a:sym typeface="Arial"/>
+              </a:defRPr>
+            </a:lvl6pPr>
+            <a:lvl7pPr marR="0" lvl="6" algn="l" rtl="0">
+              <a:lnSpc>
+                <a:spcPct val="100000"/>
+              </a:lnSpc>
+              <a:spcBef>
+                <a:spcPts val="0"/>
+              </a:spcBef>
+              <a:spcAft>
+                <a:spcPts val="0"/>
+              </a:spcAft>
+              <a:buClr>
+                <a:srgbClr val="000000"/>
+              </a:buClr>
+              <a:buFont typeface="Arial"/>
+              <a:defRPr sz="1400" b="0" i="0" u="none" strike="noStrike" cap="none">
+                <a:solidFill>
+                  <a:srgbClr val="000000"/>
+                </a:solidFill>
+                <a:latin typeface="Arial"/>
+                <a:ea typeface="Arial"/>
+                <a:cs typeface="Arial"/>
+                <a:sym typeface="Arial"/>
+              </a:defRPr>
+            </a:lvl7pPr>
+            <a:lvl8pPr marR="0" lvl="7" algn="l" rtl="0">
+              <a:lnSpc>
+                <a:spcPct val="100000"/>
+              </a:lnSpc>
+              <a:spcBef>
+                <a:spcPts val="0"/>
+              </a:spcBef>
+              <a:spcAft>
+                <a:spcPts val="0"/>
+              </a:spcAft>
+              <a:buClr>
+                <a:srgbClr val="000000"/>
+              </a:buClr>
+              <a:buFont typeface="Arial"/>
+              <a:defRPr sz="1400" b="0" i="0" u="none" strike="noStrike" cap="none">
+                <a:solidFill>
+                  <a:srgbClr val="000000"/>
+                </a:solidFill>
+                <a:latin typeface="Arial"/>
+                <a:ea typeface="Arial"/>
+                <a:cs typeface="Arial"/>
+                <a:sym typeface="Arial"/>
+              </a:defRPr>
+            </a:lvl8pPr>
+            <a:lvl9pPr marR="0" lvl="8" algn="l" rtl="0">
+              <a:lnSpc>
+                <a:spcPct val="100000"/>
+              </a:lnSpc>
+              <a:spcBef>
+                <a:spcPts val="0"/>
+              </a:spcBef>
+              <a:spcAft>
+                <a:spcPts val="0"/>
+              </a:spcAft>
+              <a:buClr>
+                <a:srgbClr val="000000"/>
+              </a:buClr>
+              <a:buFont typeface="Arial"/>
+              <a:defRPr sz="1400" b="0" i="0" u="none" strike="noStrike" cap="none">
+                <a:solidFill>
+                  <a:srgbClr val="000000"/>
+                </a:solidFill>
+                <a:latin typeface="Arial"/>
+                <a:ea typeface="Arial"/>
+                <a:cs typeface="Arial"/>
+                <a:sym typeface="Arial"/>
+              </a:defRPr>
+            </a:lvl9pPr>
+          </a:lstStyle>
+          <a:p>
+            <a:pPr indent="-330200">
+              <a:buSzPts val="1600"/>
+            </a:pPr>
+            <a:endParaRPr lang="en-US" dirty="0">
+              <a:solidFill>
+                <a:schemeClr val="hlink"/>
+              </a:solidFill>
+              <a:uFill>
+                <a:noFill/>
+              </a:uFill>
+            </a:endParaRPr>
+          </a:p>
+          <a:p>
+            <a:pPr indent="-330200">
+              <a:buSzPts val="1600"/>
+            </a:pPr>
+            <a:endParaRPr lang="en-US" dirty="0">
+              <a:solidFill>
+                <a:schemeClr val="hlink"/>
+              </a:solidFill>
+              <a:uFill>
+                <a:noFill/>
+              </a:uFill>
+            </a:endParaRPr>
+          </a:p>
+          <a:p>
+            <a:pPr indent="-330200">
+              <a:buSzPts val="1600"/>
+            </a:pPr>
+            <a:endParaRPr lang="en-US" dirty="0">
+              <a:solidFill>
+                <a:schemeClr val="hlink"/>
+              </a:solidFill>
+              <a:uFill>
+                <a:noFill/>
+              </a:uFill>
+            </a:endParaRPr>
+          </a:p>
+          <a:p>
+            <a:pPr indent="-330200">
+              <a:buSzPts val="1600"/>
+            </a:pPr>
+            <a:endParaRPr lang="en-US" dirty="0">
+              <a:solidFill>
+                <a:schemeClr val="hlink"/>
+              </a:solidFill>
+              <a:uFill>
+                <a:noFill/>
+              </a:uFill>
+            </a:endParaRPr>
+          </a:p>
+          <a:p>
+            <a:pPr marL="457200" indent="-330200">
+              <a:buSzPts val="1600"/>
+              <a:buFont typeface="Arial"/>
+              <a:buChar char="●"/>
+            </a:pPr>
+            <a:r>
+              <a:rPr lang="en-US" dirty="0">
+                <a:solidFill>
+                  <a:schemeClr val="hlink"/>
+                </a:solidFill>
+                <a:uFill>
+                  <a:noFill/>
+                </a:uFill>
+              </a:rPr>
+              <a:t>Choose file format(PDF, Word, Excel).</a:t>
+            </a:r>
+          </a:p>
+          <a:p>
+            <a:pPr marL="457200" indent="-330200">
+              <a:buSzPts val="1600"/>
+              <a:buFont typeface="Arial"/>
+              <a:buChar char="●"/>
+            </a:pPr>
+            <a:r>
+              <a:rPr lang="en-US" dirty="0">
+                <a:solidFill>
+                  <a:schemeClr val="hlink"/>
+                </a:solidFill>
+                <a:uFill>
+                  <a:noFill/>
+                </a:uFill>
+              </a:rPr>
+              <a:t>Chose the type of norms ( </a:t>
+            </a:r>
+            <a:r>
+              <a:rPr lang="en-US" dirty="0" err="1">
+                <a:solidFill>
+                  <a:schemeClr val="hlink"/>
+                </a:solidFill>
+                <a:uFill>
+                  <a:noFill/>
+                </a:uFill>
+              </a:rPr>
+              <a:t>ISOxx</a:t>
+            </a:r>
+            <a:r>
+              <a:rPr lang="en-US" dirty="0">
+                <a:solidFill>
+                  <a:schemeClr val="hlink"/>
+                </a:solidFill>
+                <a:uFill>
+                  <a:noFill/>
+                </a:uFill>
+              </a:rPr>
+              <a:t>).</a:t>
+            </a:r>
+          </a:p>
+          <a:p>
+            <a:pPr marL="139700">
+              <a:buSzPts val="1400"/>
+            </a:pPr>
+            <a:endParaRPr lang="en-US" dirty="0"/>
+          </a:p>
+        </p:txBody>
+      </p:sp>
+      <p:sp>
+        <p:nvSpPr>
+          <p:cNvPr id="8" name="Google Shape;291;p41">
+            <a:extLst>
+              <a:ext uri="{FF2B5EF4-FFF2-40B4-BE49-F238E27FC236}">
+                <a16:creationId xmlns:a16="http://schemas.microsoft.com/office/drawing/2014/main" id="{D264A355-A468-45DD-BE14-8A2DFB94153C}"/>
+              </a:ext>
+            </a:extLst>
+          </p:cNvPr>
+          <p:cNvSpPr txBox="1">
+            <a:spLocks/>
+          </p:cNvSpPr>
+          <p:nvPr/>
+        </p:nvSpPr>
+        <p:spPr>
+          <a:xfrm>
+            <a:off x="-1292636" y="1363813"/>
+            <a:ext cx="5154300" cy="1125000"/>
+          </a:xfrm>
+          <a:prstGeom prst="rect">
+            <a:avLst/>
+          </a:prstGeom>
+          <a:noFill/>
+          <a:ln>
+            <a:noFill/>
+          </a:ln>
+        </p:spPr>
+        <p:txBody>
+          <a:bodyPr spcFirstLastPara="1" wrap="square" lIns="91425" tIns="91425" rIns="91425" bIns="91425" anchor="ctr" anchorCtr="0">
+            <a:noAutofit/>
+          </a:bodyPr>
+          <a:lstStyle>
+            <a:defPPr marR="0" lvl="0" algn="l" rtl="0">
+              <a:lnSpc>
+                <a:spcPct val="100000"/>
+              </a:lnSpc>
+              <a:spcBef>
+                <a:spcPts val="0"/>
+              </a:spcBef>
+              <a:spcAft>
+                <a:spcPts val="0"/>
+              </a:spcAft>
+            </a:defPPr>
+            <a:lvl1pPr marR="0" lvl="0" algn="ctr" rtl="0">
+              <a:lnSpc>
+                <a:spcPct val="100000"/>
+              </a:lnSpc>
+              <a:spcBef>
+                <a:spcPts val="0"/>
+              </a:spcBef>
+              <a:spcAft>
+                <a:spcPts val="0"/>
+              </a:spcAft>
+              <a:buClr>
+                <a:schemeClr val="dk1"/>
+              </a:buClr>
+              <a:buSzPts val="9000"/>
+              <a:buFont typeface="Vidaloka"/>
+              <a:buNone/>
+              <a:defRPr sz="9000" b="0" i="0" u="none" strike="noStrike" cap="none">
+                <a:solidFill>
+                  <a:schemeClr val="dk1"/>
+                </a:solidFill>
+                <a:latin typeface="Vidaloka"/>
+                <a:ea typeface="Vidaloka"/>
+                <a:cs typeface="Vidaloka"/>
+                <a:sym typeface="Vidaloka"/>
+              </a:defRPr>
+            </a:lvl1pPr>
+            <a:lvl2pPr marR="0" lvl="1" algn="ctr" rtl="0">
+              <a:lnSpc>
+                <a:spcPct val="100000"/>
+              </a:lnSpc>
+              <a:spcBef>
+                <a:spcPts val="0"/>
+              </a:spcBef>
+              <a:spcAft>
+                <a:spcPts val="0"/>
+              </a:spcAft>
+              <a:buClr>
+                <a:schemeClr val="dk1"/>
+              </a:buClr>
+              <a:buSzPts val="9000"/>
+              <a:buFont typeface="Arial"/>
+              <a:buNone/>
+              <a:defRPr sz="9000" b="0" i="1" u="none" strike="noStrike" cap="none">
+                <a:solidFill>
+                  <a:schemeClr val="dk1"/>
+                </a:solidFill>
+                <a:latin typeface="Arial"/>
+                <a:ea typeface="Arial"/>
+                <a:cs typeface="Arial"/>
+                <a:sym typeface="Arial"/>
+              </a:defRPr>
+            </a:lvl2pPr>
+            <a:lvl3pPr marR="0" lvl="2" algn="ctr" rtl="0">
+              <a:lnSpc>
+                <a:spcPct val="100000"/>
+              </a:lnSpc>
+              <a:spcBef>
+                <a:spcPts val="0"/>
+              </a:spcBef>
+              <a:spcAft>
+                <a:spcPts val="0"/>
+              </a:spcAft>
+              <a:buClr>
+                <a:schemeClr val="dk1"/>
+              </a:buClr>
+              <a:buSzPts val="9000"/>
+              <a:buFont typeface="Arial"/>
+              <a:buNone/>
+              <a:defRPr sz="9000" b="0" i="1" u="none" strike="noStrike" cap="none">
+                <a:solidFill>
+                  <a:schemeClr val="dk1"/>
+                </a:solidFill>
+                <a:latin typeface="Arial"/>
+                <a:ea typeface="Arial"/>
+                <a:cs typeface="Arial"/>
+                <a:sym typeface="Arial"/>
+              </a:defRPr>
+            </a:lvl3pPr>
+            <a:lvl4pPr marR="0" lvl="3" algn="ctr" rtl="0">
+              <a:lnSpc>
+                <a:spcPct val="100000"/>
+              </a:lnSpc>
+              <a:spcBef>
+                <a:spcPts val="0"/>
+              </a:spcBef>
+              <a:spcAft>
+                <a:spcPts val="0"/>
+              </a:spcAft>
+              <a:buClr>
+                <a:schemeClr val="dk1"/>
+              </a:buClr>
+              <a:buSzPts val="9000"/>
+              <a:buFont typeface="Arial"/>
+              <a:buNone/>
+              <a:defRPr sz="9000" b="0" i="1" u="none" strike="noStrike" cap="none">
+                <a:solidFill>
+                  <a:schemeClr val="dk1"/>
+                </a:solidFill>
+                <a:latin typeface="Arial"/>
+                <a:ea typeface="Arial"/>
+                <a:cs typeface="Arial"/>
+                <a:sym typeface="Arial"/>
+              </a:defRPr>
+            </a:lvl4pPr>
+            <a:lvl5pPr marR="0" lvl="4" algn="ctr" rtl="0">
+              <a:lnSpc>
+                <a:spcPct val="100000"/>
+              </a:lnSpc>
+              <a:spcBef>
+                <a:spcPts val="0"/>
+              </a:spcBef>
+              <a:spcAft>
+                <a:spcPts val="0"/>
+              </a:spcAft>
+              <a:buClr>
+                <a:schemeClr val="dk1"/>
+              </a:buClr>
+              <a:buSzPts val="9000"/>
+              <a:buFont typeface="Arial"/>
+              <a:buNone/>
+              <a:defRPr sz="9000" b="0" i="1" u="none" strike="noStrike" cap="none">
+                <a:solidFill>
+                  <a:schemeClr val="dk1"/>
+                </a:solidFill>
+                <a:latin typeface="Arial"/>
+                <a:ea typeface="Arial"/>
+                <a:cs typeface="Arial"/>
+                <a:sym typeface="Arial"/>
+              </a:defRPr>
+            </a:lvl5pPr>
+            <a:lvl6pPr marR="0" lvl="5" algn="ctr" rtl="0">
+              <a:lnSpc>
+                <a:spcPct val="100000"/>
+              </a:lnSpc>
+              <a:spcBef>
+                <a:spcPts val="0"/>
+              </a:spcBef>
+              <a:spcAft>
+                <a:spcPts val="0"/>
+              </a:spcAft>
+              <a:buClr>
+                <a:schemeClr val="dk1"/>
+              </a:buClr>
+              <a:buSzPts val="9000"/>
+              <a:buFont typeface="Arial"/>
+              <a:buNone/>
+              <a:defRPr sz="9000" b="0" i="1" u="none" strike="noStrike" cap="none">
+                <a:solidFill>
+                  <a:schemeClr val="dk1"/>
+                </a:solidFill>
+                <a:latin typeface="Arial"/>
+                <a:ea typeface="Arial"/>
+                <a:cs typeface="Arial"/>
+                <a:sym typeface="Arial"/>
+              </a:defRPr>
+            </a:lvl6pPr>
+            <a:lvl7pPr marR="0" lvl="6" algn="ctr" rtl="0">
+              <a:lnSpc>
+                <a:spcPct val="100000"/>
+              </a:lnSpc>
+              <a:spcBef>
+                <a:spcPts val="0"/>
+              </a:spcBef>
+              <a:spcAft>
+                <a:spcPts val="0"/>
+              </a:spcAft>
+              <a:buClr>
+                <a:schemeClr val="dk1"/>
+              </a:buClr>
+              <a:buSzPts val="9000"/>
+              <a:buFont typeface="Arial"/>
+              <a:buNone/>
+              <a:defRPr sz="9000" b="0" i="1" u="none" strike="noStrike" cap="none">
+                <a:solidFill>
+                  <a:schemeClr val="dk1"/>
+                </a:solidFill>
+                <a:latin typeface="Arial"/>
+                <a:ea typeface="Arial"/>
+                <a:cs typeface="Arial"/>
+                <a:sym typeface="Arial"/>
+              </a:defRPr>
+            </a:lvl7pPr>
+            <a:lvl8pPr marR="0" lvl="7" algn="ctr" rtl="0">
+              <a:lnSpc>
+                <a:spcPct val="100000"/>
+              </a:lnSpc>
+              <a:spcBef>
+                <a:spcPts val="0"/>
+              </a:spcBef>
+              <a:spcAft>
+                <a:spcPts val="0"/>
+              </a:spcAft>
+              <a:buClr>
+                <a:schemeClr val="dk1"/>
+              </a:buClr>
+              <a:buSzPts val="9000"/>
+              <a:buFont typeface="Arial"/>
+              <a:buNone/>
+              <a:defRPr sz="9000" b="0" i="1" u="none" strike="noStrike" cap="none">
+                <a:solidFill>
+                  <a:schemeClr val="dk1"/>
+                </a:solidFill>
+                <a:latin typeface="Arial"/>
+                <a:ea typeface="Arial"/>
+                <a:cs typeface="Arial"/>
+                <a:sym typeface="Arial"/>
+              </a:defRPr>
+            </a:lvl8pPr>
+            <a:lvl9pPr marR="0" lvl="8" algn="ctr" rtl="0">
+              <a:lnSpc>
+                <a:spcPct val="100000"/>
+              </a:lnSpc>
+              <a:spcBef>
+                <a:spcPts val="0"/>
+              </a:spcBef>
+              <a:spcAft>
+                <a:spcPts val="0"/>
+              </a:spcAft>
+              <a:buClr>
+                <a:schemeClr val="dk1"/>
+              </a:buClr>
+              <a:buSzPts val="9000"/>
+              <a:buFont typeface="Arial"/>
+              <a:buNone/>
+              <a:defRPr sz="9000" b="0" i="1" u="none" strike="noStrike" cap="none">
+                <a:solidFill>
+                  <a:schemeClr val="dk1"/>
+                </a:solidFill>
+                <a:latin typeface="Arial"/>
+                <a:ea typeface="Arial"/>
+                <a:cs typeface="Arial"/>
+                <a:sym typeface="Arial"/>
+              </a:defRPr>
+            </a:lvl9pPr>
+          </a:lstStyle>
+          <a:p>
+            <a:pPr indent="-330200">
+              <a:buSzPts val="1600"/>
+            </a:pPr>
+            <a:r>
+              <a:rPr lang="en-US" sz="2400" dirty="0">
+                <a:solidFill>
+                  <a:schemeClr val="hlink"/>
+                </a:solidFill>
+                <a:uFill>
+                  <a:noFill/>
+                </a:uFill>
+              </a:rPr>
+              <a:t>Sprint backlog</a:t>
+            </a:r>
+            <a:endParaRPr lang="en-US" dirty="0">
+              <a:solidFill>
+                <a:schemeClr val="hlink"/>
+              </a:solidFill>
+              <a:uFill>
+                <a:noFill/>
+              </a:uFill>
+            </a:endParaRPr>
+          </a:p>
+        </p:txBody>
+      </p:sp>
+      <p:sp>
+        <p:nvSpPr>
+          <p:cNvPr id="6" name="Google Shape;352;p47">
+            <a:extLst>
+              <a:ext uri="{FF2B5EF4-FFF2-40B4-BE49-F238E27FC236}">
+                <a16:creationId xmlns:a16="http://schemas.microsoft.com/office/drawing/2014/main" id="{2EE53912-15F2-412E-B784-EC516C3C2E8D}"/>
+              </a:ext>
+            </a:extLst>
+          </p:cNvPr>
+          <p:cNvSpPr txBox="1"/>
+          <p:nvPr/>
+        </p:nvSpPr>
+        <p:spPr>
+          <a:xfrm>
+            <a:off x="3091570" y="3226963"/>
+            <a:ext cx="1212207" cy="268800"/>
+          </a:xfrm>
+          <a:prstGeom prst="rect">
+            <a:avLst/>
+          </a:prstGeom>
+          <a:noFill/>
+          <a:ln>
+            <a:noFill/>
+          </a:ln>
+        </p:spPr>
+        <p:txBody>
+          <a:bodyPr spcFirstLastPara="1" wrap="square" lIns="91425" tIns="91425" rIns="91425" bIns="91425" anchor="ctr" anchorCtr="0">
+            <a:noAutofit/>
+          </a:bodyPr>
+          <a:lstStyle/>
+          <a:p>
+            <a:pPr marL="0" lvl="0" indent="0" algn="l" rtl="0">
+              <a:spcBef>
+                <a:spcPts val="0"/>
+              </a:spcBef>
+              <a:spcAft>
+                <a:spcPts val="0"/>
+              </a:spcAft>
+              <a:buNone/>
+            </a:pPr>
+            <a:endParaRPr sz="2400" dirty="0">
+              <a:solidFill>
+                <a:schemeClr val="dk1"/>
+              </a:solidFill>
+              <a:latin typeface="Vidaloka"/>
+              <a:ea typeface="Vidaloka"/>
+              <a:cs typeface="Vidaloka"/>
+              <a:sym typeface="Vidaloka"/>
+            </a:endParaRPr>
+          </a:p>
+        </p:txBody>
+      </p:sp>
+      <p:sp>
+        <p:nvSpPr>
+          <p:cNvPr id="9" name="Google Shape;356;p47">
+            <a:extLst>
+              <a:ext uri="{FF2B5EF4-FFF2-40B4-BE49-F238E27FC236}">
+                <a16:creationId xmlns:a16="http://schemas.microsoft.com/office/drawing/2014/main" id="{F0B58DC6-1E6D-43F1-947D-5206CB794B91}"/>
+              </a:ext>
+            </a:extLst>
+          </p:cNvPr>
+          <p:cNvSpPr txBox="1"/>
+          <p:nvPr/>
+        </p:nvSpPr>
+        <p:spPr>
+          <a:xfrm>
+            <a:off x="4723670" y="3348625"/>
+            <a:ext cx="900148" cy="268800"/>
+          </a:xfrm>
+          <a:prstGeom prst="rect">
+            <a:avLst/>
+          </a:prstGeom>
+          <a:noFill/>
+          <a:ln>
+            <a:noFill/>
+          </a:ln>
+        </p:spPr>
+        <p:txBody>
+          <a:bodyPr spcFirstLastPara="1" wrap="square" lIns="91425" tIns="91425" rIns="91425" bIns="91425" anchor="ctr" anchorCtr="0">
+            <a:noAutofit/>
+          </a:bodyPr>
+          <a:lstStyle/>
+          <a:p>
+            <a:pPr marL="0" lvl="0" indent="0" algn="ctr" rtl="0">
+              <a:spcBef>
+                <a:spcPts val="0"/>
+              </a:spcBef>
+              <a:spcAft>
+                <a:spcPts val="0"/>
+              </a:spcAft>
+              <a:buNone/>
+            </a:pPr>
+            <a:r>
+              <a:rPr lang="en" sz="2000" dirty="0">
+                <a:solidFill>
+                  <a:schemeClr val="accent2"/>
+                </a:solidFill>
+                <a:latin typeface="Vidaloka"/>
+                <a:ea typeface="Vidaloka"/>
+                <a:cs typeface="Vidaloka"/>
+                <a:sym typeface="Vidaloka"/>
+              </a:rPr>
+              <a:t>Start</a:t>
+            </a:r>
+            <a:endParaRPr sz="2000" dirty="0">
+              <a:solidFill>
+                <a:schemeClr val="accent2"/>
+              </a:solidFill>
+              <a:latin typeface="Vidaloka"/>
+              <a:ea typeface="Vidaloka"/>
+              <a:cs typeface="Vidaloka"/>
+              <a:sym typeface="Vidaloka"/>
+            </a:endParaRPr>
+          </a:p>
+        </p:txBody>
+      </p:sp>
+      <p:cxnSp>
+        <p:nvCxnSpPr>
+          <p:cNvPr id="10" name="Google Shape;360;p47">
+            <a:extLst>
+              <a:ext uri="{FF2B5EF4-FFF2-40B4-BE49-F238E27FC236}">
+                <a16:creationId xmlns:a16="http://schemas.microsoft.com/office/drawing/2014/main" id="{A1CEB36A-6026-415F-AF4C-F3F0EB197F60}"/>
+              </a:ext>
+            </a:extLst>
+          </p:cNvPr>
+          <p:cNvCxnSpPr>
+            <a:cxnSpLocks/>
+          </p:cNvCxnSpPr>
+          <p:nvPr/>
+        </p:nvCxnSpPr>
+        <p:spPr>
+          <a:xfrm>
+            <a:off x="4563517" y="3909713"/>
+            <a:ext cx="3489227" cy="0"/>
+          </a:xfrm>
+          <a:prstGeom prst="straightConnector1">
+            <a:avLst/>
+          </a:prstGeom>
+          <a:noFill/>
+          <a:ln w="28575" cap="flat" cmpd="sng">
+            <a:solidFill>
+              <a:schemeClr val="accent1"/>
+            </a:solidFill>
+            <a:prstDash val="solid"/>
+            <a:round/>
+            <a:headEnd type="none" w="med" len="med"/>
+            <a:tailEnd type="none" w="med" len="med"/>
+          </a:ln>
+        </p:spPr>
+      </p:cxnSp>
+      <p:sp>
+        <p:nvSpPr>
+          <p:cNvPr id="11" name="Google Shape;364;p47">
+            <a:extLst>
+              <a:ext uri="{FF2B5EF4-FFF2-40B4-BE49-F238E27FC236}">
+                <a16:creationId xmlns:a16="http://schemas.microsoft.com/office/drawing/2014/main" id="{0747946D-34C0-45E4-B081-E2B266E3CF68}"/>
+              </a:ext>
+            </a:extLst>
+          </p:cNvPr>
+          <p:cNvSpPr/>
+          <p:nvPr/>
+        </p:nvSpPr>
+        <p:spPr>
+          <a:xfrm>
+            <a:off x="4414076" y="3726062"/>
+            <a:ext cx="1519333" cy="359399"/>
+          </a:xfrm>
+          <a:prstGeom prst="rect">
+            <a:avLst/>
+          </a:prstGeom>
+          <a:solidFill>
+            <a:schemeClr val="accent2"/>
+          </a:solidFill>
+          <a:ln>
+            <a:noFill/>
+          </a:ln>
+        </p:spPr>
+        <p:txBody>
+          <a:bodyPr spcFirstLastPara="1" wrap="square" lIns="91425" tIns="91425" rIns="91425" bIns="91425" anchor="ctr" anchorCtr="0">
+            <a:noAutofit/>
+          </a:bodyPr>
+          <a:lstStyle/>
+          <a:p>
+            <a:pPr marL="0" lvl="0" indent="0" algn="l" rtl="0">
+              <a:spcBef>
+                <a:spcPts val="0"/>
+              </a:spcBef>
+              <a:spcAft>
+                <a:spcPts val="0"/>
+              </a:spcAft>
+              <a:buNone/>
+            </a:pPr>
+            <a:endParaRPr/>
+          </a:p>
+        </p:txBody>
+      </p:sp>
+      <p:sp>
+        <p:nvSpPr>
+          <p:cNvPr id="12" name="Google Shape;365;p47">
+            <a:extLst>
+              <a:ext uri="{FF2B5EF4-FFF2-40B4-BE49-F238E27FC236}">
+                <a16:creationId xmlns:a16="http://schemas.microsoft.com/office/drawing/2014/main" id="{5507421B-5540-4D85-9BA9-FBB2D1E9DCB1}"/>
+              </a:ext>
+            </a:extLst>
+          </p:cNvPr>
+          <p:cNvSpPr/>
+          <p:nvPr/>
+        </p:nvSpPr>
+        <p:spPr>
+          <a:xfrm>
+            <a:off x="7100798" y="3733565"/>
+            <a:ext cx="1519332" cy="351896"/>
+          </a:xfrm>
+          <a:prstGeom prst="rect">
+            <a:avLst/>
+          </a:prstGeom>
+          <a:solidFill>
+            <a:schemeClr val="accent2"/>
+          </a:solidFill>
+          <a:ln>
+            <a:noFill/>
+          </a:ln>
+        </p:spPr>
+        <p:txBody>
+          <a:bodyPr spcFirstLastPara="1" wrap="square" lIns="91425" tIns="91425" rIns="91425" bIns="91425" anchor="ctr" anchorCtr="0">
+            <a:noAutofit/>
+          </a:bodyPr>
+          <a:lstStyle/>
+          <a:p>
+            <a:pPr marL="0" lvl="0" indent="0" algn="ctr" rtl="0">
+              <a:spcBef>
+                <a:spcPts val="0"/>
+              </a:spcBef>
+              <a:spcAft>
+                <a:spcPts val="0"/>
+              </a:spcAft>
+              <a:buNone/>
+            </a:pPr>
+            <a:r>
+              <a:rPr lang="en" dirty="0">
+                <a:solidFill>
+                  <a:schemeClr val="bg1"/>
+                </a:solidFill>
+                <a:latin typeface="Montserrat"/>
+                <a:ea typeface="Montserrat"/>
+                <a:cs typeface="Montserrat"/>
+                <a:sym typeface="Montserrat"/>
+              </a:rPr>
+              <a:t>21/06/2022</a:t>
+            </a:r>
+          </a:p>
+        </p:txBody>
+      </p:sp>
+      <p:sp>
+        <p:nvSpPr>
+          <p:cNvPr id="13" name="Google Shape;349;p47">
+            <a:extLst>
+              <a:ext uri="{FF2B5EF4-FFF2-40B4-BE49-F238E27FC236}">
+                <a16:creationId xmlns:a16="http://schemas.microsoft.com/office/drawing/2014/main" id="{9EC1FAED-FD65-411E-8742-F9EABD853942}"/>
+              </a:ext>
+            </a:extLst>
+          </p:cNvPr>
+          <p:cNvSpPr txBox="1">
+            <a:spLocks/>
+          </p:cNvSpPr>
+          <p:nvPr/>
+        </p:nvSpPr>
+        <p:spPr>
+          <a:xfrm>
+            <a:off x="1787597" y="3614638"/>
+            <a:ext cx="6772290" cy="572700"/>
+          </a:xfrm>
+          <a:prstGeom prst="rect">
+            <a:avLst/>
+          </a:prstGeom>
+          <a:noFill/>
+          <a:ln>
+            <a:noFill/>
+          </a:ln>
+        </p:spPr>
+        <p:txBody>
+          <a:bodyPr spcFirstLastPara="1" wrap="square" lIns="91425" tIns="91425" rIns="91425" bIns="91425" anchor="t" anchorCtr="0">
+            <a:noAutofit/>
+          </a:bodyPr>
+          <a:lstStyle>
+            <a:defPPr marR="0" lvl="0" algn="l" rtl="0">
+              <a:lnSpc>
+                <a:spcPct val="100000"/>
+              </a:lnSpc>
+              <a:spcBef>
+                <a:spcPts val="0"/>
+              </a:spcBef>
+              <a:spcAft>
+                <a:spcPts val="0"/>
+              </a:spcAft>
+            </a:defPPr>
+            <a:lvl1pPr marR="0" lvl="0" algn="ctr" rtl="0">
+              <a:lnSpc>
+                <a:spcPct val="100000"/>
+              </a:lnSpc>
+              <a:spcBef>
+                <a:spcPts val="0"/>
+              </a:spcBef>
+              <a:spcAft>
+                <a:spcPts val="0"/>
+              </a:spcAft>
+              <a:buClr>
+                <a:schemeClr val="dk1"/>
+              </a:buClr>
+              <a:buSzPts val="9000"/>
+              <a:buFont typeface="Vidaloka"/>
+              <a:buNone/>
+              <a:defRPr sz="9000" b="0" i="0" u="none" strike="noStrike" cap="none">
+                <a:solidFill>
+                  <a:schemeClr val="dk1"/>
+                </a:solidFill>
+                <a:latin typeface="Vidaloka"/>
+                <a:ea typeface="Vidaloka"/>
+                <a:cs typeface="Vidaloka"/>
+                <a:sym typeface="Vidaloka"/>
+              </a:defRPr>
+            </a:lvl1pPr>
+            <a:lvl2pPr marR="0" lvl="1" algn="ctr" rtl="0">
+              <a:lnSpc>
+                <a:spcPct val="100000"/>
+              </a:lnSpc>
+              <a:spcBef>
+                <a:spcPts val="0"/>
+              </a:spcBef>
+              <a:spcAft>
+                <a:spcPts val="0"/>
+              </a:spcAft>
+              <a:buClr>
+                <a:schemeClr val="dk1"/>
+              </a:buClr>
+              <a:buSzPts val="9000"/>
+              <a:buFont typeface="Arial"/>
+              <a:buNone/>
+              <a:defRPr sz="9000" b="0" i="1" u="none" strike="noStrike" cap="none">
+                <a:solidFill>
+                  <a:schemeClr val="dk1"/>
+                </a:solidFill>
+                <a:latin typeface="Arial"/>
+                <a:ea typeface="Arial"/>
+                <a:cs typeface="Arial"/>
+                <a:sym typeface="Arial"/>
+              </a:defRPr>
+            </a:lvl2pPr>
+            <a:lvl3pPr marR="0" lvl="2" algn="ctr" rtl="0">
+              <a:lnSpc>
+                <a:spcPct val="100000"/>
+              </a:lnSpc>
+              <a:spcBef>
+                <a:spcPts val="0"/>
+              </a:spcBef>
+              <a:spcAft>
+                <a:spcPts val="0"/>
+              </a:spcAft>
+              <a:buClr>
+                <a:schemeClr val="dk1"/>
+              </a:buClr>
+              <a:buSzPts val="9000"/>
+              <a:buFont typeface="Arial"/>
+              <a:buNone/>
+              <a:defRPr sz="9000" b="0" i="1" u="none" strike="noStrike" cap="none">
+                <a:solidFill>
+                  <a:schemeClr val="dk1"/>
+                </a:solidFill>
+                <a:latin typeface="Arial"/>
+                <a:ea typeface="Arial"/>
+                <a:cs typeface="Arial"/>
+                <a:sym typeface="Arial"/>
+              </a:defRPr>
+            </a:lvl3pPr>
+            <a:lvl4pPr marR="0" lvl="3" algn="ctr" rtl="0">
+              <a:lnSpc>
+                <a:spcPct val="100000"/>
+              </a:lnSpc>
+              <a:spcBef>
+                <a:spcPts val="0"/>
+              </a:spcBef>
+              <a:spcAft>
+                <a:spcPts val="0"/>
+              </a:spcAft>
+              <a:buClr>
+                <a:schemeClr val="dk1"/>
+              </a:buClr>
+              <a:buSzPts val="9000"/>
+              <a:buFont typeface="Arial"/>
+              <a:buNone/>
+              <a:defRPr sz="9000" b="0" i="1" u="none" strike="noStrike" cap="none">
+                <a:solidFill>
+                  <a:schemeClr val="dk1"/>
+                </a:solidFill>
+                <a:latin typeface="Arial"/>
+                <a:ea typeface="Arial"/>
+                <a:cs typeface="Arial"/>
+                <a:sym typeface="Arial"/>
+              </a:defRPr>
+            </a:lvl4pPr>
+            <a:lvl5pPr marR="0" lvl="4" algn="ctr" rtl="0">
+              <a:lnSpc>
+                <a:spcPct val="100000"/>
+              </a:lnSpc>
+              <a:spcBef>
+                <a:spcPts val="0"/>
+              </a:spcBef>
+              <a:spcAft>
+                <a:spcPts val="0"/>
+              </a:spcAft>
+              <a:buClr>
+                <a:schemeClr val="dk1"/>
+              </a:buClr>
+              <a:buSzPts val="9000"/>
+              <a:buFont typeface="Arial"/>
+              <a:buNone/>
+              <a:defRPr sz="9000" b="0" i="1" u="none" strike="noStrike" cap="none">
+                <a:solidFill>
+                  <a:schemeClr val="dk1"/>
+                </a:solidFill>
+                <a:latin typeface="Arial"/>
+                <a:ea typeface="Arial"/>
+                <a:cs typeface="Arial"/>
+                <a:sym typeface="Arial"/>
+              </a:defRPr>
+            </a:lvl5pPr>
+            <a:lvl6pPr marR="0" lvl="5" algn="ctr" rtl="0">
+              <a:lnSpc>
+                <a:spcPct val="100000"/>
+              </a:lnSpc>
+              <a:spcBef>
+                <a:spcPts val="0"/>
+              </a:spcBef>
+              <a:spcAft>
+                <a:spcPts val="0"/>
+              </a:spcAft>
+              <a:buClr>
+                <a:schemeClr val="dk1"/>
+              </a:buClr>
+              <a:buSzPts val="9000"/>
+              <a:buFont typeface="Arial"/>
+              <a:buNone/>
+              <a:defRPr sz="9000" b="0" i="1" u="none" strike="noStrike" cap="none">
+                <a:solidFill>
+                  <a:schemeClr val="dk1"/>
+                </a:solidFill>
+                <a:latin typeface="Arial"/>
+                <a:ea typeface="Arial"/>
+                <a:cs typeface="Arial"/>
+                <a:sym typeface="Arial"/>
+              </a:defRPr>
+            </a:lvl6pPr>
+            <a:lvl7pPr marR="0" lvl="6" algn="ctr" rtl="0">
+              <a:lnSpc>
+                <a:spcPct val="100000"/>
+              </a:lnSpc>
+              <a:spcBef>
+                <a:spcPts val="0"/>
+              </a:spcBef>
+              <a:spcAft>
+                <a:spcPts val="0"/>
+              </a:spcAft>
+              <a:buClr>
+                <a:schemeClr val="dk1"/>
+              </a:buClr>
+              <a:buSzPts val="9000"/>
+              <a:buFont typeface="Arial"/>
+              <a:buNone/>
+              <a:defRPr sz="9000" b="0" i="1" u="none" strike="noStrike" cap="none">
+                <a:solidFill>
+                  <a:schemeClr val="dk1"/>
+                </a:solidFill>
+                <a:latin typeface="Arial"/>
+                <a:ea typeface="Arial"/>
+                <a:cs typeface="Arial"/>
+                <a:sym typeface="Arial"/>
+              </a:defRPr>
+            </a:lvl7pPr>
+            <a:lvl8pPr marR="0" lvl="7" algn="ctr" rtl="0">
+              <a:lnSpc>
+                <a:spcPct val="100000"/>
+              </a:lnSpc>
+              <a:spcBef>
+                <a:spcPts val="0"/>
+              </a:spcBef>
+              <a:spcAft>
+                <a:spcPts val="0"/>
+              </a:spcAft>
+              <a:buClr>
+                <a:schemeClr val="dk1"/>
+              </a:buClr>
+              <a:buSzPts val="9000"/>
+              <a:buFont typeface="Arial"/>
+              <a:buNone/>
+              <a:defRPr sz="9000" b="0" i="1" u="none" strike="noStrike" cap="none">
+                <a:solidFill>
+                  <a:schemeClr val="dk1"/>
+                </a:solidFill>
+                <a:latin typeface="Arial"/>
+                <a:ea typeface="Arial"/>
+                <a:cs typeface="Arial"/>
+                <a:sym typeface="Arial"/>
+              </a:defRPr>
+            </a:lvl8pPr>
+            <a:lvl9pPr marR="0" lvl="8" algn="ctr" rtl="0">
+              <a:lnSpc>
+                <a:spcPct val="100000"/>
+              </a:lnSpc>
+              <a:spcBef>
+                <a:spcPts val="0"/>
+              </a:spcBef>
+              <a:spcAft>
+                <a:spcPts val="0"/>
+              </a:spcAft>
+              <a:buClr>
+                <a:schemeClr val="dk1"/>
+              </a:buClr>
+              <a:buSzPts val="9000"/>
+              <a:buFont typeface="Arial"/>
+              <a:buNone/>
+              <a:defRPr sz="9000" b="0" i="1" u="none" strike="noStrike" cap="none">
+                <a:solidFill>
+                  <a:schemeClr val="dk1"/>
+                </a:solidFill>
+                <a:latin typeface="Arial"/>
+                <a:ea typeface="Arial"/>
+                <a:cs typeface="Arial"/>
+                <a:sym typeface="Arial"/>
+              </a:defRPr>
+            </a:lvl9pPr>
+          </a:lstStyle>
+          <a:p>
+            <a:pPr algn="l"/>
+            <a:r>
+              <a:rPr lang="en-US" sz="2800" dirty="0"/>
+              <a:t>Schedule</a:t>
+            </a:r>
+          </a:p>
+        </p:txBody>
+      </p:sp>
+      <p:sp>
+        <p:nvSpPr>
+          <p:cNvPr id="14" name="Google Shape;356;p47">
+            <a:extLst>
+              <a:ext uri="{FF2B5EF4-FFF2-40B4-BE49-F238E27FC236}">
+                <a16:creationId xmlns:a16="http://schemas.microsoft.com/office/drawing/2014/main" id="{89BC3A6B-44C8-4C46-9C5B-243F0B2666B8}"/>
+              </a:ext>
+            </a:extLst>
+          </p:cNvPr>
+          <p:cNvSpPr txBox="1"/>
+          <p:nvPr/>
+        </p:nvSpPr>
+        <p:spPr>
+          <a:xfrm>
+            <a:off x="6893261" y="3361363"/>
+            <a:ext cx="1934406" cy="268800"/>
+          </a:xfrm>
+          <a:prstGeom prst="rect">
+            <a:avLst/>
+          </a:prstGeom>
+          <a:noFill/>
+          <a:ln>
+            <a:noFill/>
+          </a:ln>
+        </p:spPr>
+        <p:txBody>
+          <a:bodyPr spcFirstLastPara="1" wrap="square" lIns="91425" tIns="91425" rIns="91425" bIns="91425" anchor="ctr" anchorCtr="0">
+            <a:noAutofit/>
+          </a:bodyPr>
+          <a:lstStyle/>
+          <a:p>
+            <a:pPr marL="0" lvl="0" indent="0" algn="ctr" rtl="0">
+              <a:spcBef>
+                <a:spcPts val="0"/>
+              </a:spcBef>
+              <a:spcAft>
+                <a:spcPts val="0"/>
+              </a:spcAft>
+              <a:buNone/>
+            </a:pPr>
+            <a:r>
+              <a:rPr lang="en-US" sz="2000" dirty="0">
+                <a:solidFill>
+                  <a:schemeClr val="accent2"/>
+                </a:solidFill>
+                <a:latin typeface="Vidaloka"/>
+                <a:ea typeface="Vidaloka"/>
+                <a:cs typeface="Vidaloka"/>
+                <a:sym typeface="Vidaloka"/>
+              </a:rPr>
+              <a:t>End</a:t>
+            </a:r>
+            <a:endParaRPr sz="2000" dirty="0">
+              <a:solidFill>
+                <a:schemeClr val="accent2"/>
+              </a:solidFill>
+              <a:latin typeface="Vidaloka"/>
+              <a:ea typeface="Vidaloka"/>
+              <a:cs typeface="Vidaloka"/>
+              <a:sym typeface="Vidaloka"/>
+            </a:endParaRPr>
+          </a:p>
+        </p:txBody>
+      </p:sp>
+      <p:sp>
+        <p:nvSpPr>
+          <p:cNvPr id="15" name="Google Shape;350;p47">
+            <a:extLst>
+              <a:ext uri="{FF2B5EF4-FFF2-40B4-BE49-F238E27FC236}">
+                <a16:creationId xmlns:a16="http://schemas.microsoft.com/office/drawing/2014/main" id="{D7C95A0F-819F-436B-B058-7743BF2191BE}"/>
+              </a:ext>
+            </a:extLst>
+          </p:cNvPr>
+          <p:cNvSpPr/>
+          <p:nvPr/>
+        </p:nvSpPr>
+        <p:spPr>
+          <a:xfrm>
+            <a:off x="2904050" y="3509848"/>
+            <a:ext cx="1206362" cy="359400"/>
+          </a:xfrm>
+          <a:prstGeom prst="rect">
+            <a:avLst/>
+          </a:prstGeom>
+          <a:noFill/>
+          <a:ln>
+            <a:noFill/>
+          </a:ln>
+        </p:spPr>
+        <p:txBody>
+          <a:bodyPr spcFirstLastPara="1" wrap="square" lIns="91425" tIns="91425" rIns="91425" bIns="91425" anchor="ctr" anchorCtr="0">
+            <a:noAutofit/>
+          </a:bodyPr>
+          <a:lstStyle/>
+          <a:p>
+            <a:pPr marL="0" lvl="0" indent="0" algn="ctr" rtl="0">
+              <a:spcBef>
+                <a:spcPts val="0"/>
+              </a:spcBef>
+              <a:spcAft>
+                <a:spcPts val="0"/>
+              </a:spcAft>
+              <a:buNone/>
+            </a:pPr>
+            <a:r>
+              <a:rPr lang="en" dirty="0">
+                <a:solidFill>
+                  <a:schemeClr val="bg1"/>
+                </a:solidFill>
+                <a:latin typeface="Montserrat"/>
+                <a:ea typeface="Montserrat"/>
+                <a:cs typeface="Montserrat"/>
+                <a:sym typeface="Montserrat"/>
+              </a:rPr>
+              <a:t>06/04/2022</a:t>
+            </a:r>
+            <a:endParaRPr dirty="0">
+              <a:solidFill>
+                <a:schemeClr val="bg1"/>
+              </a:solidFill>
+              <a:latin typeface="Montserrat"/>
+              <a:ea typeface="Montserrat"/>
+              <a:cs typeface="Montserrat"/>
+              <a:sym typeface="Montserrat"/>
+            </a:endParaRPr>
+          </a:p>
+        </p:txBody>
+      </p:sp>
+      <p:sp>
+        <p:nvSpPr>
+          <p:cNvPr id="16" name="Google Shape;350;p47">
+            <a:extLst>
+              <a:ext uri="{FF2B5EF4-FFF2-40B4-BE49-F238E27FC236}">
+                <a16:creationId xmlns:a16="http://schemas.microsoft.com/office/drawing/2014/main" id="{6F36C7D1-AFED-4BC7-9A6A-CF8996842DFA}"/>
+              </a:ext>
+            </a:extLst>
+          </p:cNvPr>
+          <p:cNvSpPr/>
+          <p:nvPr/>
+        </p:nvSpPr>
+        <p:spPr>
+          <a:xfrm>
+            <a:off x="4570562" y="3751739"/>
+            <a:ext cx="1206362" cy="359400"/>
+          </a:xfrm>
+          <a:prstGeom prst="rect">
+            <a:avLst/>
+          </a:prstGeom>
+          <a:noFill/>
+          <a:ln>
+            <a:noFill/>
+          </a:ln>
+        </p:spPr>
+        <p:txBody>
+          <a:bodyPr spcFirstLastPara="1" wrap="square" lIns="91425" tIns="91425" rIns="91425" bIns="91425" anchor="ctr" anchorCtr="0">
+            <a:noAutofit/>
+          </a:bodyPr>
+          <a:lstStyle/>
+          <a:p>
+            <a:pPr marL="0" lvl="0" indent="0" algn="ctr" rtl="0">
+              <a:spcBef>
+                <a:spcPts val="0"/>
+              </a:spcBef>
+              <a:spcAft>
+                <a:spcPts val="0"/>
+              </a:spcAft>
+              <a:buNone/>
+            </a:pPr>
+            <a:r>
+              <a:rPr lang="en" dirty="0">
+                <a:solidFill>
+                  <a:schemeClr val="bg1"/>
+                </a:solidFill>
+                <a:latin typeface="Montserrat"/>
+                <a:ea typeface="Montserrat"/>
+                <a:cs typeface="Montserrat"/>
+                <a:sym typeface="Montserrat"/>
+              </a:rPr>
+              <a:t>03/06/2022</a:t>
+            </a:r>
+            <a:endParaRPr dirty="0">
+              <a:solidFill>
+                <a:schemeClr val="bg1"/>
+              </a:solidFill>
+              <a:latin typeface="Montserrat"/>
+              <a:ea typeface="Montserrat"/>
+              <a:cs typeface="Montserrat"/>
+              <a:sym typeface="Montserrat"/>
+            </a:endParaRPr>
+          </a:p>
+        </p:txBody>
+      </p:sp>
+      <p:sp>
+        <p:nvSpPr>
+          <p:cNvPr id="17" name="TextBox 16">
+            <a:extLst>
+              <a:ext uri="{FF2B5EF4-FFF2-40B4-BE49-F238E27FC236}">
+                <a16:creationId xmlns:a16="http://schemas.microsoft.com/office/drawing/2014/main" id="{D9566D30-0456-4D05-B455-52EE68833EBE}"/>
+              </a:ext>
+            </a:extLst>
+          </p:cNvPr>
+          <p:cNvSpPr txBox="1"/>
+          <p:nvPr/>
+        </p:nvSpPr>
+        <p:spPr>
+          <a:xfrm>
+            <a:off x="8752114" y="4601029"/>
+            <a:ext cx="391886" cy="307777"/>
+          </a:xfrm>
+          <a:prstGeom prst="rect">
+            <a:avLst/>
+          </a:prstGeom>
+          <a:noFill/>
+        </p:spPr>
+        <p:txBody>
+          <a:bodyPr wrap="square" rtlCol="0">
+            <a:spAutoFit/>
+          </a:bodyPr>
+          <a:lstStyle/>
+          <a:p>
+            <a:r>
+              <a:rPr lang="en-US" dirty="0"/>
+              <a:t>10</a:t>
+            </a:r>
+          </a:p>
+        </p:txBody>
+      </p:sp>
+    </p:spTree>
+    <p:extLst>
+      <p:ext uri="{BB962C8B-B14F-4D97-AF65-F5344CB8AC3E}">
+        <p14:creationId xmlns:p14="http://schemas.microsoft.com/office/powerpoint/2010/main" val="1711423419"/>
+      </p:ext>
+    </p:extLst>
+  </p:cSld>
+  <p:clrMapOvr>
+    <a:masterClrMapping/>
+  </p:clrMapOvr>
+</p:sld>
+</file>
+
+<file path=ppt/slides/slide12.xml><?xml version="1.0" encoding="utf-8"?>
+<p:sld xmlns:a="http://schemas.openxmlformats.org/drawingml/2006/main" xmlns:r="http://schemas.openxmlformats.org/officeDocument/2006/relationships" xmlns:p="http://schemas.openxmlformats.org/presentationml/2006/main">
+  <p:cSld>
+    <p:spTree>
+      <p:nvGrpSpPr>
+        <p:cNvPr id="1" name="Shape 290"/>
+        <p:cNvGrpSpPr/>
+        <p:nvPr/>
+      </p:nvGrpSpPr>
+      <p:grpSpPr>
+        <a:xfrm>
+          <a:off x="0" y="0"/>
+          <a:ext cx="0" cy="0"/>
+          <a:chOff x="0" y="0"/>
+          <a:chExt cx="0" cy="0"/>
+        </a:xfrm>
+      </p:grpSpPr>
+      <p:sp>
+        <p:nvSpPr>
+          <p:cNvPr id="291" name="Google Shape;291;p41"/>
+          <p:cNvSpPr txBox="1">
+            <a:spLocks noGrp="1"/>
+          </p:cNvSpPr>
+          <p:nvPr>
+            <p:ph type="title"/>
+          </p:nvPr>
+        </p:nvSpPr>
+        <p:spPr>
+          <a:xfrm>
+            <a:off x="-706683" y="125950"/>
+            <a:ext cx="5154300" cy="1125000"/>
+          </a:xfrm>
+          <a:prstGeom prst="rect">
+            <a:avLst/>
+          </a:prstGeom>
+        </p:spPr>
+        <p:txBody>
+          <a:bodyPr spcFirstLastPara="1" wrap="square" lIns="91425" tIns="91425" rIns="91425" bIns="91425" anchor="ctr" anchorCtr="0">
+            <a:noAutofit/>
+          </a:bodyPr>
+          <a:lstStyle/>
+          <a:p>
+            <a:pPr indent="-330200">
+              <a:buSzPts val="1600"/>
+            </a:pPr>
+            <a:r>
+              <a:rPr lang="en-US" sz="2400" dirty="0">
+                <a:solidFill>
+                  <a:schemeClr val="hlink"/>
+                </a:solidFill>
+                <a:uFill>
+                  <a:noFill/>
+                </a:uFill>
+              </a:rPr>
+              <a:t>User access management</a:t>
+            </a:r>
+            <a:endParaRPr lang="en-US" dirty="0">
+              <a:solidFill>
+                <a:schemeClr val="hlink"/>
+              </a:solidFill>
+              <a:uFill>
+                <a:noFill/>
+              </a:uFill>
+            </a:endParaRPr>
+          </a:p>
+        </p:txBody>
+      </p:sp>
+      <p:sp>
+        <p:nvSpPr>
+          <p:cNvPr id="292" name="Google Shape;292;p41"/>
+          <p:cNvSpPr txBox="1">
+            <a:spLocks noGrp="1"/>
+          </p:cNvSpPr>
+          <p:nvPr>
+            <p:ph type="subTitle" idx="1"/>
+          </p:nvPr>
+        </p:nvSpPr>
+        <p:spPr>
+          <a:xfrm>
+            <a:off x="113223" y="973750"/>
+            <a:ext cx="8496730" cy="554400"/>
+          </a:xfrm>
+          <a:prstGeom prst="rect">
+            <a:avLst/>
+          </a:prstGeom>
+        </p:spPr>
+        <p:txBody>
+          <a:bodyPr spcFirstLastPara="1" wrap="square" lIns="91425" tIns="91425" rIns="91425" bIns="91425" anchor="t" anchorCtr="0">
+            <a:noAutofit/>
+          </a:bodyPr>
+          <a:lstStyle/>
+          <a:p>
+            <a:pPr marL="0" lvl="0" indent="0" algn="l" rtl="0">
+              <a:spcBef>
+                <a:spcPts val="0"/>
+              </a:spcBef>
+              <a:spcAft>
+                <a:spcPts val="0"/>
+              </a:spcAft>
+              <a:buNone/>
+            </a:pPr>
+            <a:r>
+              <a:rPr lang="en" dirty="0"/>
+              <a:t>As a user </a:t>
+            </a:r>
+            <a:r>
+              <a:rPr lang="en-US" dirty="0"/>
+              <a:t>I</a:t>
+            </a:r>
+            <a:r>
+              <a:rPr lang="en" dirty="0"/>
+              <a:t> need  to login or Sign-up so </a:t>
+            </a:r>
+            <a:r>
+              <a:rPr lang="en-US" dirty="0"/>
+              <a:t>I</a:t>
+            </a:r>
+            <a:r>
+              <a:rPr lang="en" dirty="0"/>
+              <a:t> access the application</a:t>
+            </a:r>
+            <a:endParaRPr dirty="0"/>
+          </a:p>
+        </p:txBody>
+      </p:sp>
+      <p:sp>
+        <p:nvSpPr>
+          <p:cNvPr id="7" name="Google Shape;850;p72">
+            <a:extLst>
+              <a:ext uri="{FF2B5EF4-FFF2-40B4-BE49-F238E27FC236}">
+                <a16:creationId xmlns:a16="http://schemas.microsoft.com/office/drawing/2014/main" id="{0C31F0BB-D86E-4273-9726-E88B21379F3C}"/>
+              </a:ext>
+            </a:extLst>
+          </p:cNvPr>
+          <p:cNvSpPr txBox="1">
+            <a:spLocks/>
+          </p:cNvSpPr>
+          <p:nvPr/>
+        </p:nvSpPr>
+        <p:spPr>
+          <a:xfrm>
+            <a:off x="509649" y="1198726"/>
+            <a:ext cx="7325381" cy="2402100"/>
+          </a:xfrm>
+          <a:prstGeom prst="rect">
+            <a:avLst/>
+          </a:prstGeom>
+        </p:spPr>
+        <p:txBody>
+          <a:bodyPr spcFirstLastPara="1" wrap="square" lIns="91425" tIns="91425" rIns="91425" bIns="91425" anchor="t" anchorCtr="0">
+            <a:noAutofit/>
+          </a:bodyPr>
+          <a:lstStyle>
+            <a:defPPr marR="0" lvl="0" algn="l" rtl="0">
+              <a:lnSpc>
+                <a:spcPct val="100000"/>
+              </a:lnSpc>
+              <a:spcBef>
+                <a:spcPts val="0"/>
+              </a:spcBef>
+              <a:spcAft>
+                <a:spcPts val="0"/>
+              </a:spcAft>
+            </a:defPPr>
+            <a:lvl1pPr marR="0" lvl="0" algn="l" rtl="0">
+              <a:lnSpc>
+                <a:spcPct val="100000"/>
+              </a:lnSpc>
+              <a:spcBef>
+                <a:spcPts val="0"/>
+              </a:spcBef>
+              <a:spcAft>
+                <a:spcPts val="0"/>
+              </a:spcAft>
+              <a:buClr>
+                <a:srgbClr val="000000"/>
+              </a:buClr>
+              <a:buFont typeface="Arial"/>
+              <a:defRPr sz="1400" b="0" i="0" u="none" strike="noStrike" cap="none">
+                <a:solidFill>
+                  <a:srgbClr val="000000"/>
+                </a:solidFill>
+                <a:latin typeface="Arial"/>
+                <a:ea typeface="Arial"/>
+                <a:cs typeface="Arial"/>
+                <a:sym typeface="Arial"/>
+              </a:defRPr>
+            </a:lvl1pPr>
+            <a:lvl2pPr marR="0" lvl="1" algn="l" rtl="0">
+              <a:lnSpc>
+                <a:spcPct val="100000"/>
+              </a:lnSpc>
+              <a:spcBef>
+                <a:spcPts val="0"/>
+              </a:spcBef>
+              <a:spcAft>
+                <a:spcPts val="0"/>
+              </a:spcAft>
+              <a:buClr>
+                <a:srgbClr val="000000"/>
+              </a:buClr>
+              <a:buFont typeface="Arial"/>
+              <a:defRPr sz="1400" b="0" i="0" u="none" strike="noStrike" cap="none">
+                <a:solidFill>
+                  <a:srgbClr val="000000"/>
+                </a:solidFill>
+                <a:latin typeface="Arial"/>
+                <a:ea typeface="Arial"/>
+                <a:cs typeface="Arial"/>
+                <a:sym typeface="Arial"/>
+              </a:defRPr>
+            </a:lvl2pPr>
+            <a:lvl3pPr marR="0" lvl="2" algn="l" rtl="0">
+              <a:lnSpc>
+                <a:spcPct val="100000"/>
+              </a:lnSpc>
+              <a:spcBef>
+                <a:spcPts val="0"/>
+              </a:spcBef>
+              <a:spcAft>
+                <a:spcPts val="0"/>
+              </a:spcAft>
+              <a:buClr>
+                <a:srgbClr val="000000"/>
+              </a:buClr>
+              <a:buFont typeface="Arial"/>
+              <a:defRPr sz="1400" b="0" i="0" u="none" strike="noStrike" cap="none">
+                <a:solidFill>
+                  <a:srgbClr val="000000"/>
+                </a:solidFill>
+                <a:latin typeface="Arial"/>
+                <a:ea typeface="Arial"/>
+                <a:cs typeface="Arial"/>
+                <a:sym typeface="Arial"/>
+              </a:defRPr>
+            </a:lvl3pPr>
+            <a:lvl4pPr marR="0" lvl="3" algn="l" rtl="0">
+              <a:lnSpc>
+                <a:spcPct val="100000"/>
+              </a:lnSpc>
+              <a:spcBef>
+                <a:spcPts val="0"/>
+              </a:spcBef>
+              <a:spcAft>
+                <a:spcPts val="0"/>
+              </a:spcAft>
+              <a:buClr>
+                <a:srgbClr val="000000"/>
+              </a:buClr>
+              <a:buFont typeface="Arial"/>
+              <a:defRPr sz="1400" b="0" i="0" u="none" strike="noStrike" cap="none">
+                <a:solidFill>
+                  <a:srgbClr val="000000"/>
+                </a:solidFill>
+                <a:latin typeface="Arial"/>
+                <a:ea typeface="Arial"/>
+                <a:cs typeface="Arial"/>
+                <a:sym typeface="Arial"/>
+              </a:defRPr>
+            </a:lvl4pPr>
+            <a:lvl5pPr marR="0" lvl="4" algn="l" rtl="0">
+              <a:lnSpc>
+                <a:spcPct val="100000"/>
+              </a:lnSpc>
+              <a:spcBef>
+                <a:spcPts val="0"/>
+              </a:spcBef>
+              <a:spcAft>
+                <a:spcPts val="0"/>
+              </a:spcAft>
+              <a:buClr>
+                <a:srgbClr val="000000"/>
+              </a:buClr>
+              <a:buFont typeface="Arial"/>
+              <a:defRPr sz="1400" b="0" i="0" u="none" strike="noStrike" cap="none">
+                <a:solidFill>
+                  <a:srgbClr val="000000"/>
+                </a:solidFill>
+                <a:latin typeface="Arial"/>
+                <a:ea typeface="Arial"/>
+                <a:cs typeface="Arial"/>
+                <a:sym typeface="Arial"/>
+              </a:defRPr>
+            </a:lvl5pPr>
+            <a:lvl6pPr marR="0" lvl="5" algn="l" rtl="0">
+              <a:lnSpc>
+                <a:spcPct val="100000"/>
+              </a:lnSpc>
+              <a:spcBef>
+                <a:spcPts val="0"/>
+              </a:spcBef>
+              <a:spcAft>
+                <a:spcPts val="0"/>
+              </a:spcAft>
+              <a:buClr>
+                <a:srgbClr val="000000"/>
+              </a:buClr>
+              <a:buFont typeface="Arial"/>
+              <a:defRPr sz="1400" b="0" i="0" u="none" strike="noStrike" cap="none">
+                <a:solidFill>
+                  <a:srgbClr val="000000"/>
+                </a:solidFill>
+                <a:latin typeface="Arial"/>
+                <a:ea typeface="Arial"/>
+                <a:cs typeface="Arial"/>
+                <a:sym typeface="Arial"/>
+              </a:defRPr>
+            </a:lvl6pPr>
+            <a:lvl7pPr marR="0" lvl="6" algn="l" rtl="0">
+              <a:lnSpc>
+                <a:spcPct val="100000"/>
+              </a:lnSpc>
+              <a:spcBef>
+                <a:spcPts val="0"/>
+              </a:spcBef>
+              <a:spcAft>
+                <a:spcPts val="0"/>
+              </a:spcAft>
+              <a:buClr>
+                <a:srgbClr val="000000"/>
+              </a:buClr>
+              <a:buFont typeface="Arial"/>
+              <a:defRPr sz="1400" b="0" i="0" u="none" strike="noStrike" cap="none">
+                <a:solidFill>
+                  <a:srgbClr val="000000"/>
+                </a:solidFill>
+                <a:latin typeface="Arial"/>
+                <a:ea typeface="Arial"/>
+                <a:cs typeface="Arial"/>
+                <a:sym typeface="Arial"/>
+              </a:defRPr>
+            </a:lvl7pPr>
+            <a:lvl8pPr marR="0" lvl="7" algn="l" rtl="0">
+              <a:lnSpc>
+                <a:spcPct val="100000"/>
+              </a:lnSpc>
+              <a:spcBef>
+                <a:spcPts val="0"/>
+              </a:spcBef>
+              <a:spcAft>
+                <a:spcPts val="0"/>
+              </a:spcAft>
+              <a:buClr>
+                <a:srgbClr val="000000"/>
+              </a:buClr>
+              <a:buFont typeface="Arial"/>
+              <a:defRPr sz="1400" b="0" i="0" u="none" strike="noStrike" cap="none">
+                <a:solidFill>
+                  <a:srgbClr val="000000"/>
+                </a:solidFill>
+                <a:latin typeface="Arial"/>
+                <a:ea typeface="Arial"/>
+                <a:cs typeface="Arial"/>
+                <a:sym typeface="Arial"/>
+              </a:defRPr>
+            </a:lvl8pPr>
+            <a:lvl9pPr marR="0" lvl="8" algn="l" rtl="0">
+              <a:lnSpc>
+                <a:spcPct val="100000"/>
+              </a:lnSpc>
+              <a:spcBef>
+                <a:spcPts val="0"/>
+              </a:spcBef>
+              <a:spcAft>
+                <a:spcPts val="0"/>
+              </a:spcAft>
+              <a:buClr>
+                <a:srgbClr val="000000"/>
+              </a:buClr>
+              <a:buFont typeface="Arial"/>
+              <a:defRPr sz="1400" b="0" i="0" u="none" strike="noStrike" cap="none">
+                <a:solidFill>
+                  <a:srgbClr val="000000"/>
+                </a:solidFill>
+                <a:latin typeface="Arial"/>
+                <a:ea typeface="Arial"/>
+                <a:cs typeface="Arial"/>
+                <a:sym typeface="Arial"/>
+              </a:defRPr>
+            </a:lvl9pPr>
+          </a:lstStyle>
+          <a:p>
+            <a:pPr indent="-330200">
+              <a:buSzPts val="1600"/>
+            </a:pPr>
+            <a:endParaRPr lang="en-US" dirty="0">
+              <a:solidFill>
+                <a:schemeClr val="hlink"/>
+              </a:solidFill>
+              <a:uFill>
+                <a:noFill/>
+              </a:uFill>
+            </a:endParaRPr>
+          </a:p>
+          <a:p>
+            <a:pPr indent="-330200">
+              <a:buSzPts val="1600"/>
+            </a:pPr>
+            <a:endParaRPr lang="en-US" dirty="0">
+              <a:solidFill>
+                <a:schemeClr val="hlink"/>
+              </a:solidFill>
+              <a:uFill>
+                <a:noFill/>
+              </a:uFill>
+            </a:endParaRPr>
+          </a:p>
+          <a:p>
+            <a:pPr indent="-330200">
+              <a:buSzPts val="1600"/>
+            </a:pPr>
+            <a:endParaRPr lang="en-US" dirty="0">
+              <a:solidFill>
+                <a:schemeClr val="hlink"/>
+              </a:solidFill>
+              <a:uFill>
+                <a:noFill/>
+              </a:uFill>
+            </a:endParaRPr>
+          </a:p>
+          <a:p>
+            <a:pPr indent="-330200">
+              <a:buSzPts val="1600"/>
+            </a:pPr>
+            <a:endParaRPr lang="en-US" dirty="0">
+              <a:solidFill>
+                <a:schemeClr val="hlink"/>
+              </a:solidFill>
+              <a:uFill>
+                <a:noFill/>
+              </a:uFill>
+            </a:endParaRPr>
+          </a:p>
+          <a:p>
+            <a:pPr marL="457200" indent="-330200">
+              <a:buSzPts val="1600"/>
+              <a:buFont typeface="Arial"/>
+              <a:buChar char="●"/>
+            </a:pPr>
+            <a:r>
+              <a:rPr lang="en-US" dirty="0">
+                <a:solidFill>
+                  <a:schemeClr val="hlink"/>
+                </a:solidFill>
+                <a:uFill>
+                  <a:noFill/>
+                </a:uFill>
+              </a:rPr>
+              <a:t>Create a sign in GUI.</a:t>
+            </a:r>
+          </a:p>
+          <a:p>
+            <a:pPr marL="457200" indent="-330200">
+              <a:buSzPts val="1600"/>
+              <a:buFont typeface="Arial"/>
+              <a:buChar char="●"/>
+            </a:pPr>
+            <a:r>
+              <a:rPr lang="en-US" dirty="0">
+                <a:solidFill>
+                  <a:schemeClr val="hlink"/>
+                </a:solidFill>
+                <a:uFill>
+                  <a:noFill/>
+                </a:uFill>
+              </a:rPr>
+              <a:t>Create a sign-up GUI.</a:t>
+            </a:r>
+          </a:p>
+          <a:p>
+            <a:pPr marL="457200" indent="-330200">
+              <a:buSzPts val="1600"/>
+              <a:buFont typeface="Arial"/>
+              <a:buChar char="●"/>
+            </a:pPr>
+            <a:r>
+              <a:rPr lang="en-US" dirty="0">
+                <a:solidFill>
+                  <a:schemeClr val="hlink"/>
+                </a:solidFill>
+                <a:uFill>
+                  <a:noFill/>
+                </a:uFill>
+              </a:rPr>
+              <a:t>Create a reset password GUI.</a:t>
+            </a:r>
+          </a:p>
+          <a:p>
+            <a:pPr marL="457200" indent="-330200">
+              <a:buSzPts val="1600"/>
+              <a:buFont typeface="Arial"/>
+              <a:buChar char="●"/>
+            </a:pPr>
+            <a:r>
+              <a:rPr lang="en-US" dirty="0">
+                <a:solidFill>
+                  <a:schemeClr val="hlink"/>
+                </a:solidFill>
+                <a:uFill>
+                  <a:noFill/>
+                </a:uFill>
+              </a:rPr>
+              <a:t>Create an approval system managed by the administrator for the signed-up users.</a:t>
+            </a:r>
+          </a:p>
+          <a:p>
+            <a:pPr marL="457200" indent="-330200">
+              <a:buSzPts val="1600"/>
+              <a:buFont typeface="Arial"/>
+              <a:buChar char="●"/>
+            </a:pPr>
+            <a:r>
+              <a:rPr lang="en-US" dirty="0">
+                <a:solidFill>
+                  <a:schemeClr val="hlink"/>
+                </a:solidFill>
+                <a:uFill>
+                  <a:noFill/>
+                </a:uFill>
+              </a:rPr>
+              <a:t>Create the rest of the GUI and link it to the program.</a:t>
+            </a:r>
+          </a:p>
+          <a:p>
+            <a:pPr marL="139700">
+              <a:buSzPts val="1400"/>
+            </a:pPr>
+            <a:endParaRPr lang="en-US" dirty="0"/>
+          </a:p>
+        </p:txBody>
+      </p:sp>
+      <p:sp>
+        <p:nvSpPr>
+          <p:cNvPr id="8" name="Google Shape;291;p41">
+            <a:extLst>
+              <a:ext uri="{FF2B5EF4-FFF2-40B4-BE49-F238E27FC236}">
+                <a16:creationId xmlns:a16="http://schemas.microsoft.com/office/drawing/2014/main" id="{D264A355-A468-45DD-BE14-8A2DFB94153C}"/>
+              </a:ext>
+            </a:extLst>
+          </p:cNvPr>
+          <p:cNvSpPr txBox="1">
+            <a:spLocks/>
+          </p:cNvSpPr>
+          <p:nvPr/>
+        </p:nvSpPr>
+        <p:spPr>
+          <a:xfrm>
+            <a:off x="-1153493" y="1250950"/>
+            <a:ext cx="5154300" cy="1125000"/>
+          </a:xfrm>
+          <a:prstGeom prst="rect">
+            <a:avLst/>
+          </a:prstGeom>
+          <a:noFill/>
+          <a:ln>
+            <a:noFill/>
+          </a:ln>
+        </p:spPr>
+        <p:txBody>
+          <a:bodyPr spcFirstLastPara="1" wrap="square" lIns="91425" tIns="91425" rIns="91425" bIns="91425" anchor="ctr" anchorCtr="0">
+            <a:noAutofit/>
+          </a:bodyPr>
+          <a:lstStyle>
+            <a:defPPr marR="0" lvl="0" algn="l" rtl="0">
+              <a:lnSpc>
+                <a:spcPct val="100000"/>
+              </a:lnSpc>
+              <a:spcBef>
+                <a:spcPts val="0"/>
+              </a:spcBef>
+              <a:spcAft>
+                <a:spcPts val="0"/>
+              </a:spcAft>
+            </a:defPPr>
+            <a:lvl1pPr marR="0" lvl="0" algn="ctr" rtl="0">
+              <a:lnSpc>
+                <a:spcPct val="100000"/>
+              </a:lnSpc>
+              <a:spcBef>
+                <a:spcPts val="0"/>
+              </a:spcBef>
+              <a:spcAft>
+                <a:spcPts val="0"/>
+              </a:spcAft>
+              <a:buClr>
+                <a:schemeClr val="dk1"/>
+              </a:buClr>
+              <a:buSzPts val="9000"/>
+              <a:buFont typeface="Vidaloka"/>
+              <a:buNone/>
+              <a:defRPr sz="9000" b="0" i="0" u="none" strike="noStrike" cap="none">
+                <a:solidFill>
+                  <a:schemeClr val="dk1"/>
+                </a:solidFill>
+                <a:latin typeface="Vidaloka"/>
+                <a:ea typeface="Vidaloka"/>
+                <a:cs typeface="Vidaloka"/>
+                <a:sym typeface="Vidaloka"/>
+              </a:defRPr>
+            </a:lvl1pPr>
+            <a:lvl2pPr marR="0" lvl="1" algn="ctr" rtl="0">
+              <a:lnSpc>
+                <a:spcPct val="100000"/>
+              </a:lnSpc>
+              <a:spcBef>
+                <a:spcPts val="0"/>
+              </a:spcBef>
+              <a:spcAft>
+                <a:spcPts val="0"/>
+              </a:spcAft>
+              <a:buClr>
+                <a:schemeClr val="dk1"/>
+              </a:buClr>
+              <a:buSzPts val="9000"/>
+              <a:buFont typeface="Arial"/>
+              <a:buNone/>
+              <a:defRPr sz="9000" b="0" i="1" u="none" strike="noStrike" cap="none">
+                <a:solidFill>
+                  <a:schemeClr val="dk1"/>
+                </a:solidFill>
+                <a:latin typeface="Arial"/>
+                <a:ea typeface="Arial"/>
+                <a:cs typeface="Arial"/>
+                <a:sym typeface="Arial"/>
+              </a:defRPr>
+            </a:lvl2pPr>
+            <a:lvl3pPr marR="0" lvl="2" algn="ctr" rtl="0">
+              <a:lnSpc>
+                <a:spcPct val="100000"/>
+              </a:lnSpc>
+              <a:spcBef>
+                <a:spcPts val="0"/>
+              </a:spcBef>
+              <a:spcAft>
+                <a:spcPts val="0"/>
+              </a:spcAft>
+              <a:buClr>
+                <a:schemeClr val="dk1"/>
+              </a:buClr>
+              <a:buSzPts val="9000"/>
+              <a:buFont typeface="Arial"/>
+              <a:buNone/>
+              <a:defRPr sz="9000" b="0" i="1" u="none" strike="noStrike" cap="none">
+                <a:solidFill>
+                  <a:schemeClr val="dk1"/>
+                </a:solidFill>
+                <a:latin typeface="Arial"/>
+                <a:ea typeface="Arial"/>
+                <a:cs typeface="Arial"/>
+                <a:sym typeface="Arial"/>
+              </a:defRPr>
+            </a:lvl3pPr>
+            <a:lvl4pPr marR="0" lvl="3" algn="ctr" rtl="0">
+              <a:lnSpc>
+                <a:spcPct val="100000"/>
+              </a:lnSpc>
+              <a:spcBef>
+                <a:spcPts val="0"/>
+              </a:spcBef>
+              <a:spcAft>
+                <a:spcPts val="0"/>
+              </a:spcAft>
+              <a:buClr>
+                <a:schemeClr val="dk1"/>
+              </a:buClr>
+              <a:buSzPts val="9000"/>
+              <a:buFont typeface="Arial"/>
+              <a:buNone/>
+              <a:defRPr sz="9000" b="0" i="1" u="none" strike="noStrike" cap="none">
+                <a:solidFill>
+                  <a:schemeClr val="dk1"/>
+                </a:solidFill>
+                <a:latin typeface="Arial"/>
+                <a:ea typeface="Arial"/>
+                <a:cs typeface="Arial"/>
+                <a:sym typeface="Arial"/>
+              </a:defRPr>
+            </a:lvl4pPr>
+            <a:lvl5pPr marR="0" lvl="4" algn="ctr" rtl="0">
+              <a:lnSpc>
+                <a:spcPct val="100000"/>
+              </a:lnSpc>
+              <a:spcBef>
+                <a:spcPts val="0"/>
+              </a:spcBef>
+              <a:spcAft>
+                <a:spcPts val="0"/>
+              </a:spcAft>
+              <a:buClr>
+                <a:schemeClr val="dk1"/>
+              </a:buClr>
+              <a:buSzPts val="9000"/>
+              <a:buFont typeface="Arial"/>
+              <a:buNone/>
+              <a:defRPr sz="9000" b="0" i="1" u="none" strike="noStrike" cap="none">
+                <a:solidFill>
+                  <a:schemeClr val="dk1"/>
+                </a:solidFill>
+                <a:latin typeface="Arial"/>
+                <a:ea typeface="Arial"/>
+                <a:cs typeface="Arial"/>
+                <a:sym typeface="Arial"/>
+              </a:defRPr>
+            </a:lvl5pPr>
+            <a:lvl6pPr marR="0" lvl="5" algn="ctr" rtl="0">
+              <a:lnSpc>
+                <a:spcPct val="100000"/>
+              </a:lnSpc>
+              <a:spcBef>
+                <a:spcPts val="0"/>
+              </a:spcBef>
+              <a:spcAft>
+                <a:spcPts val="0"/>
+              </a:spcAft>
+              <a:buClr>
+                <a:schemeClr val="dk1"/>
+              </a:buClr>
+              <a:buSzPts val="9000"/>
+              <a:buFont typeface="Arial"/>
+              <a:buNone/>
+              <a:defRPr sz="9000" b="0" i="1" u="none" strike="noStrike" cap="none">
+                <a:solidFill>
+                  <a:schemeClr val="dk1"/>
+                </a:solidFill>
+                <a:latin typeface="Arial"/>
+                <a:ea typeface="Arial"/>
+                <a:cs typeface="Arial"/>
+                <a:sym typeface="Arial"/>
+              </a:defRPr>
+            </a:lvl6pPr>
+            <a:lvl7pPr marR="0" lvl="6" algn="ctr" rtl="0">
+              <a:lnSpc>
+                <a:spcPct val="100000"/>
+              </a:lnSpc>
+              <a:spcBef>
+                <a:spcPts val="0"/>
+              </a:spcBef>
+              <a:spcAft>
+                <a:spcPts val="0"/>
+              </a:spcAft>
+              <a:buClr>
+                <a:schemeClr val="dk1"/>
+              </a:buClr>
+              <a:buSzPts val="9000"/>
+              <a:buFont typeface="Arial"/>
+              <a:buNone/>
+              <a:defRPr sz="9000" b="0" i="1" u="none" strike="noStrike" cap="none">
+                <a:solidFill>
+                  <a:schemeClr val="dk1"/>
+                </a:solidFill>
+                <a:latin typeface="Arial"/>
+                <a:ea typeface="Arial"/>
+                <a:cs typeface="Arial"/>
+                <a:sym typeface="Arial"/>
+              </a:defRPr>
+            </a:lvl7pPr>
+            <a:lvl8pPr marR="0" lvl="7" algn="ctr" rtl="0">
+              <a:lnSpc>
+                <a:spcPct val="100000"/>
+              </a:lnSpc>
+              <a:spcBef>
+                <a:spcPts val="0"/>
+              </a:spcBef>
+              <a:spcAft>
+                <a:spcPts val="0"/>
+              </a:spcAft>
+              <a:buClr>
+                <a:schemeClr val="dk1"/>
+              </a:buClr>
+              <a:buSzPts val="9000"/>
+              <a:buFont typeface="Arial"/>
+              <a:buNone/>
+              <a:defRPr sz="9000" b="0" i="1" u="none" strike="noStrike" cap="none">
+                <a:solidFill>
+                  <a:schemeClr val="dk1"/>
+                </a:solidFill>
+                <a:latin typeface="Arial"/>
+                <a:ea typeface="Arial"/>
+                <a:cs typeface="Arial"/>
+                <a:sym typeface="Arial"/>
+              </a:defRPr>
+            </a:lvl8pPr>
+            <a:lvl9pPr marR="0" lvl="8" algn="ctr" rtl="0">
+              <a:lnSpc>
+                <a:spcPct val="100000"/>
+              </a:lnSpc>
+              <a:spcBef>
+                <a:spcPts val="0"/>
+              </a:spcBef>
+              <a:spcAft>
+                <a:spcPts val="0"/>
+              </a:spcAft>
+              <a:buClr>
+                <a:schemeClr val="dk1"/>
+              </a:buClr>
+              <a:buSzPts val="9000"/>
+              <a:buFont typeface="Arial"/>
+              <a:buNone/>
+              <a:defRPr sz="9000" b="0" i="1" u="none" strike="noStrike" cap="none">
+                <a:solidFill>
+                  <a:schemeClr val="dk1"/>
+                </a:solidFill>
+                <a:latin typeface="Arial"/>
+                <a:ea typeface="Arial"/>
+                <a:cs typeface="Arial"/>
+                <a:sym typeface="Arial"/>
+              </a:defRPr>
+            </a:lvl9pPr>
+          </a:lstStyle>
+          <a:p>
+            <a:pPr indent="-330200">
+              <a:buSzPts val="1600"/>
+            </a:pPr>
+            <a:r>
+              <a:rPr lang="en-US" sz="2400" dirty="0">
+                <a:solidFill>
+                  <a:schemeClr val="hlink"/>
+                </a:solidFill>
+                <a:uFill>
+                  <a:noFill/>
+                </a:uFill>
+              </a:rPr>
+              <a:t>Sprint backlog</a:t>
+            </a:r>
+            <a:endParaRPr lang="en-US" dirty="0">
+              <a:solidFill>
+                <a:schemeClr val="hlink"/>
+              </a:solidFill>
+              <a:uFill>
+                <a:noFill/>
+              </a:uFill>
+            </a:endParaRPr>
+          </a:p>
+        </p:txBody>
+      </p:sp>
+      <p:sp>
+        <p:nvSpPr>
+          <p:cNvPr id="6" name="Google Shape;352;p47">
+            <a:extLst>
+              <a:ext uri="{FF2B5EF4-FFF2-40B4-BE49-F238E27FC236}">
+                <a16:creationId xmlns:a16="http://schemas.microsoft.com/office/drawing/2014/main" id="{4E7821FB-01B1-4DBE-965D-50D55120563D}"/>
+              </a:ext>
+            </a:extLst>
+          </p:cNvPr>
+          <p:cNvSpPr txBox="1"/>
+          <p:nvPr/>
+        </p:nvSpPr>
+        <p:spPr>
+          <a:xfrm>
+            <a:off x="2873856" y="3466426"/>
+            <a:ext cx="1212207" cy="268800"/>
+          </a:xfrm>
+          <a:prstGeom prst="rect">
+            <a:avLst/>
+          </a:prstGeom>
+          <a:noFill/>
+          <a:ln>
+            <a:noFill/>
+          </a:ln>
+        </p:spPr>
+        <p:txBody>
+          <a:bodyPr spcFirstLastPara="1" wrap="square" lIns="91425" tIns="91425" rIns="91425" bIns="91425" anchor="ctr" anchorCtr="0">
+            <a:noAutofit/>
+          </a:bodyPr>
+          <a:lstStyle/>
+          <a:p>
+            <a:pPr marL="0" lvl="0" indent="0" algn="l" rtl="0">
+              <a:spcBef>
+                <a:spcPts val="0"/>
+              </a:spcBef>
+              <a:spcAft>
+                <a:spcPts val="0"/>
+              </a:spcAft>
+              <a:buNone/>
+            </a:pPr>
+            <a:endParaRPr sz="2400" dirty="0">
+              <a:solidFill>
+                <a:schemeClr val="dk1"/>
+              </a:solidFill>
+              <a:latin typeface="Vidaloka"/>
+              <a:ea typeface="Vidaloka"/>
+              <a:cs typeface="Vidaloka"/>
+              <a:sym typeface="Vidaloka"/>
+            </a:endParaRPr>
+          </a:p>
+        </p:txBody>
+      </p:sp>
+      <p:sp>
+        <p:nvSpPr>
+          <p:cNvPr id="9" name="Google Shape;356;p47">
+            <a:extLst>
+              <a:ext uri="{FF2B5EF4-FFF2-40B4-BE49-F238E27FC236}">
+                <a16:creationId xmlns:a16="http://schemas.microsoft.com/office/drawing/2014/main" id="{8A6E1010-A053-4E81-B571-DE67D6658328}"/>
+              </a:ext>
+            </a:extLst>
+          </p:cNvPr>
+          <p:cNvSpPr txBox="1"/>
+          <p:nvPr/>
+        </p:nvSpPr>
+        <p:spPr>
+          <a:xfrm>
+            <a:off x="4505956" y="3588088"/>
+            <a:ext cx="900148" cy="268800"/>
+          </a:xfrm>
+          <a:prstGeom prst="rect">
+            <a:avLst/>
+          </a:prstGeom>
+          <a:noFill/>
+          <a:ln>
+            <a:noFill/>
+          </a:ln>
+        </p:spPr>
+        <p:txBody>
+          <a:bodyPr spcFirstLastPara="1" wrap="square" lIns="91425" tIns="91425" rIns="91425" bIns="91425" anchor="ctr" anchorCtr="0">
+            <a:noAutofit/>
+          </a:bodyPr>
+          <a:lstStyle/>
+          <a:p>
+            <a:pPr marL="0" lvl="0" indent="0" algn="ctr" rtl="0">
+              <a:spcBef>
+                <a:spcPts val="0"/>
+              </a:spcBef>
+              <a:spcAft>
+                <a:spcPts val="0"/>
+              </a:spcAft>
+              <a:buNone/>
+            </a:pPr>
+            <a:r>
+              <a:rPr lang="en" sz="2000" dirty="0">
+                <a:solidFill>
+                  <a:schemeClr val="accent2"/>
+                </a:solidFill>
+                <a:latin typeface="Vidaloka"/>
+                <a:ea typeface="Vidaloka"/>
+                <a:cs typeface="Vidaloka"/>
+                <a:sym typeface="Vidaloka"/>
+              </a:rPr>
+              <a:t>Start</a:t>
+            </a:r>
+            <a:endParaRPr sz="2000" dirty="0">
+              <a:solidFill>
+                <a:schemeClr val="accent2"/>
+              </a:solidFill>
+              <a:latin typeface="Vidaloka"/>
+              <a:ea typeface="Vidaloka"/>
+              <a:cs typeface="Vidaloka"/>
+              <a:sym typeface="Vidaloka"/>
+            </a:endParaRPr>
+          </a:p>
+        </p:txBody>
+      </p:sp>
+      <p:cxnSp>
+        <p:nvCxnSpPr>
+          <p:cNvPr id="10" name="Google Shape;360;p47">
+            <a:extLst>
+              <a:ext uri="{FF2B5EF4-FFF2-40B4-BE49-F238E27FC236}">
+                <a16:creationId xmlns:a16="http://schemas.microsoft.com/office/drawing/2014/main" id="{D382E410-9853-4B18-A308-A2BD9C910AE4}"/>
+              </a:ext>
+            </a:extLst>
+          </p:cNvPr>
+          <p:cNvCxnSpPr>
+            <a:cxnSpLocks/>
+          </p:cNvCxnSpPr>
+          <p:nvPr/>
+        </p:nvCxnSpPr>
+        <p:spPr>
+          <a:xfrm>
+            <a:off x="4345803" y="4149176"/>
+            <a:ext cx="3489227" cy="0"/>
+          </a:xfrm>
+          <a:prstGeom prst="straightConnector1">
+            <a:avLst/>
+          </a:prstGeom>
+          <a:noFill/>
+          <a:ln w="28575" cap="flat" cmpd="sng">
+            <a:solidFill>
+              <a:schemeClr val="accent1"/>
+            </a:solidFill>
+            <a:prstDash val="solid"/>
+            <a:round/>
+            <a:headEnd type="none" w="med" len="med"/>
+            <a:tailEnd type="none" w="med" len="med"/>
+          </a:ln>
+        </p:spPr>
+      </p:cxnSp>
+      <p:sp>
+        <p:nvSpPr>
+          <p:cNvPr id="11" name="Google Shape;364;p47">
+            <a:extLst>
+              <a:ext uri="{FF2B5EF4-FFF2-40B4-BE49-F238E27FC236}">
+                <a16:creationId xmlns:a16="http://schemas.microsoft.com/office/drawing/2014/main" id="{21E13B51-3DD7-4990-BEE9-B5EBA11111D2}"/>
+              </a:ext>
+            </a:extLst>
+          </p:cNvPr>
+          <p:cNvSpPr/>
+          <p:nvPr/>
+        </p:nvSpPr>
+        <p:spPr>
+          <a:xfrm>
+            <a:off x="4196362" y="3965525"/>
+            <a:ext cx="1519333" cy="359399"/>
+          </a:xfrm>
+          <a:prstGeom prst="rect">
+            <a:avLst/>
+          </a:prstGeom>
+          <a:solidFill>
+            <a:schemeClr val="accent2"/>
+          </a:solidFill>
+          <a:ln>
+            <a:noFill/>
+          </a:ln>
+        </p:spPr>
+        <p:txBody>
+          <a:bodyPr spcFirstLastPara="1" wrap="square" lIns="91425" tIns="91425" rIns="91425" bIns="91425" anchor="ctr" anchorCtr="0">
+            <a:noAutofit/>
+          </a:bodyPr>
+          <a:lstStyle/>
+          <a:p>
+            <a:pPr marL="0" lvl="0" indent="0" algn="l" rtl="0">
+              <a:spcBef>
+                <a:spcPts val="0"/>
+              </a:spcBef>
+              <a:spcAft>
+                <a:spcPts val="0"/>
+              </a:spcAft>
+              <a:buNone/>
+            </a:pPr>
+            <a:endParaRPr/>
+          </a:p>
+        </p:txBody>
+      </p:sp>
+      <p:sp>
+        <p:nvSpPr>
+          <p:cNvPr id="12" name="Google Shape;365;p47">
+            <a:extLst>
+              <a:ext uri="{FF2B5EF4-FFF2-40B4-BE49-F238E27FC236}">
+                <a16:creationId xmlns:a16="http://schemas.microsoft.com/office/drawing/2014/main" id="{EBB2CE8D-4C14-4C14-9E8F-28551158E1A3}"/>
+              </a:ext>
+            </a:extLst>
+          </p:cNvPr>
+          <p:cNvSpPr/>
+          <p:nvPr/>
+        </p:nvSpPr>
+        <p:spPr>
+          <a:xfrm>
+            <a:off x="6883084" y="3973028"/>
+            <a:ext cx="1519332" cy="351896"/>
+          </a:xfrm>
+          <a:prstGeom prst="rect">
+            <a:avLst/>
+          </a:prstGeom>
+          <a:solidFill>
+            <a:schemeClr val="accent2"/>
+          </a:solidFill>
+          <a:ln>
+            <a:noFill/>
+          </a:ln>
+        </p:spPr>
+        <p:txBody>
+          <a:bodyPr spcFirstLastPara="1" wrap="square" lIns="91425" tIns="91425" rIns="91425" bIns="91425" anchor="ctr" anchorCtr="0">
+            <a:noAutofit/>
+          </a:bodyPr>
+          <a:lstStyle/>
+          <a:p>
+            <a:pPr marL="0" lvl="0" indent="0" algn="ctr" rtl="0">
+              <a:spcBef>
+                <a:spcPts val="0"/>
+              </a:spcBef>
+              <a:spcAft>
+                <a:spcPts val="0"/>
+              </a:spcAft>
+              <a:buNone/>
+            </a:pPr>
+            <a:r>
+              <a:rPr lang="en" dirty="0">
+                <a:solidFill>
+                  <a:schemeClr val="bg1"/>
+                </a:solidFill>
+                <a:latin typeface="Montserrat"/>
+                <a:ea typeface="Montserrat"/>
+                <a:cs typeface="Montserrat"/>
+                <a:sym typeface="Montserrat"/>
+              </a:rPr>
+              <a:t>10/07/2022</a:t>
+            </a:r>
+          </a:p>
+        </p:txBody>
+      </p:sp>
+      <p:sp>
+        <p:nvSpPr>
+          <p:cNvPr id="13" name="Google Shape;349;p47">
+            <a:extLst>
+              <a:ext uri="{FF2B5EF4-FFF2-40B4-BE49-F238E27FC236}">
+                <a16:creationId xmlns:a16="http://schemas.microsoft.com/office/drawing/2014/main" id="{1B6CCBAD-A157-46ED-B3E5-2EA2D5C1578A}"/>
+              </a:ext>
+            </a:extLst>
+          </p:cNvPr>
+          <p:cNvSpPr txBox="1">
+            <a:spLocks/>
+          </p:cNvSpPr>
+          <p:nvPr/>
+        </p:nvSpPr>
+        <p:spPr>
+          <a:xfrm>
+            <a:off x="1887030" y="3836446"/>
+            <a:ext cx="6772290" cy="572700"/>
+          </a:xfrm>
+          <a:prstGeom prst="rect">
+            <a:avLst/>
+          </a:prstGeom>
+          <a:noFill/>
+          <a:ln>
+            <a:noFill/>
+          </a:ln>
+        </p:spPr>
+        <p:txBody>
+          <a:bodyPr spcFirstLastPara="1" wrap="square" lIns="91425" tIns="91425" rIns="91425" bIns="91425" anchor="t" anchorCtr="0">
+            <a:noAutofit/>
+          </a:bodyPr>
+          <a:lstStyle>
+            <a:defPPr marR="0" lvl="0" algn="l" rtl="0">
+              <a:lnSpc>
+                <a:spcPct val="100000"/>
+              </a:lnSpc>
+              <a:spcBef>
+                <a:spcPts val="0"/>
+              </a:spcBef>
+              <a:spcAft>
+                <a:spcPts val="0"/>
+              </a:spcAft>
+            </a:defPPr>
+            <a:lvl1pPr marR="0" lvl="0" algn="ctr" rtl="0">
+              <a:lnSpc>
+                <a:spcPct val="100000"/>
+              </a:lnSpc>
+              <a:spcBef>
+                <a:spcPts val="0"/>
+              </a:spcBef>
+              <a:spcAft>
+                <a:spcPts val="0"/>
+              </a:spcAft>
+              <a:buClr>
+                <a:schemeClr val="dk1"/>
+              </a:buClr>
+              <a:buSzPts val="9000"/>
+              <a:buFont typeface="Vidaloka"/>
+              <a:buNone/>
+              <a:defRPr sz="9000" b="0" i="0" u="none" strike="noStrike" cap="none">
+                <a:solidFill>
+                  <a:schemeClr val="dk1"/>
+                </a:solidFill>
+                <a:latin typeface="Vidaloka"/>
+                <a:ea typeface="Vidaloka"/>
+                <a:cs typeface="Vidaloka"/>
+                <a:sym typeface="Vidaloka"/>
+              </a:defRPr>
+            </a:lvl1pPr>
+            <a:lvl2pPr marR="0" lvl="1" algn="ctr" rtl="0">
+              <a:lnSpc>
+                <a:spcPct val="100000"/>
+              </a:lnSpc>
+              <a:spcBef>
+                <a:spcPts val="0"/>
+              </a:spcBef>
+              <a:spcAft>
+                <a:spcPts val="0"/>
+              </a:spcAft>
+              <a:buClr>
+                <a:schemeClr val="dk1"/>
+              </a:buClr>
+              <a:buSzPts val="9000"/>
+              <a:buFont typeface="Arial"/>
+              <a:buNone/>
+              <a:defRPr sz="9000" b="0" i="1" u="none" strike="noStrike" cap="none">
+                <a:solidFill>
+                  <a:schemeClr val="dk1"/>
+                </a:solidFill>
+                <a:latin typeface="Arial"/>
+                <a:ea typeface="Arial"/>
+                <a:cs typeface="Arial"/>
+                <a:sym typeface="Arial"/>
+              </a:defRPr>
+            </a:lvl2pPr>
+            <a:lvl3pPr marR="0" lvl="2" algn="ctr" rtl="0">
+              <a:lnSpc>
+                <a:spcPct val="100000"/>
+              </a:lnSpc>
+              <a:spcBef>
+                <a:spcPts val="0"/>
+              </a:spcBef>
+              <a:spcAft>
+                <a:spcPts val="0"/>
+              </a:spcAft>
+              <a:buClr>
+                <a:schemeClr val="dk1"/>
+              </a:buClr>
+              <a:buSzPts val="9000"/>
+              <a:buFont typeface="Arial"/>
+              <a:buNone/>
+              <a:defRPr sz="9000" b="0" i="1" u="none" strike="noStrike" cap="none">
+                <a:solidFill>
+                  <a:schemeClr val="dk1"/>
+                </a:solidFill>
+                <a:latin typeface="Arial"/>
+                <a:ea typeface="Arial"/>
+                <a:cs typeface="Arial"/>
+                <a:sym typeface="Arial"/>
+              </a:defRPr>
+            </a:lvl3pPr>
+            <a:lvl4pPr marR="0" lvl="3" algn="ctr" rtl="0">
+              <a:lnSpc>
+                <a:spcPct val="100000"/>
+              </a:lnSpc>
+              <a:spcBef>
+                <a:spcPts val="0"/>
+              </a:spcBef>
+              <a:spcAft>
+                <a:spcPts val="0"/>
+              </a:spcAft>
+              <a:buClr>
+                <a:schemeClr val="dk1"/>
+              </a:buClr>
+              <a:buSzPts val="9000"/>
+              <a:buFont typeface="Arial"/>
+              <a:buNone/>
+              <a:defRPr sz="9000" b="0" i="1" u="none" strike="noStrike" cap="none">
+                <a:solidFill>
+                  <a:schemeClr val="dk1"/>
+                </a:solidFill>
+                <a:latin typeface="Arial"/>
+                <a:ea typeface="Arial"/>
+                <a:cs typeface="Arial"/>
+                <a:sym typeface="Arial"/>
+              </a:defRPr>
+            </a:lvl4pPr>
+            <a:lvl5pPr marR="0" lvl="4" algn="ctr" rtl="0">
+              <a:lnSpc>
+                <a:spcPct val="100000"/>
+              </a:lnSpc>
+              <a:spcBef>
+                <a:spcPts val="0"/>
+              </a:spcBef>
+              <a:spcAft>
+                <a:spcPts val="0"/>
+              </a:spcAft>
+              <a:buClr>
+                <a:schemeClr val="dk1"/>
+              </a:buClr>
+              <a:buSzPts val="9000"/>
+              <a:buFont typeface="Arial"/>
+              <a:buNone/>
+              <a:defRPr sz="9000" b="0" i="1" u="none" strike="noStrike" cap="none">
+                <a:solidFill>
+                  <a:schemeClr val="dk1"/>
+                </a:solidFill>
+                <a:latin typeface="Arial"/>
+                <a:ea typeface="Arial"/>
+                <a:cs typeface="Arial"/>
+                <a:sym typeface="Arial"/>
+              </a:defRPr>
+            </a:lvl5pPr>
+            <a:lvl6pPr marR="0" lvl="5" algn="ctr" rtl="0">
+              <a:lnSpc>
+                <a:spcPct val="100000"/>
+              </a:lnSpc>
+              <a:spcBef>
+                <a:spcPts val="0"/>
+              </a:spcBef>
+              <a:spcAft>
+                <a:spcPts val="0"/>
+              </a:spcAft>
+              <a:buClr>
+                <a:schemeClr val="dk1"/>
+              </a:buClr>
+              <a:buSzPts val="9000"/>
+              <a:buFont typeface="Arial"/>
+              <a:buNone/>
+              <a:defRPr sz="9000" b="0" i="1" u="none" strike="noStrike" cap="none">
+                <a:solidFill>
+                  <a:schemeClr val="dk1"/>
+                </a:solidFill>
+                <a:latin typeface="Arial"/>
+                <a:ea typeface="Arial"/>
+                <a:cs typeface="Arial"/>
+                <a:sym typeface="Arial"/>
+              </a:defRPr>
+            </a:lvl6pPr>
+            <a:lvl7pPr marR="0" lvl="6" algn="ctr" rtl="0">
+              <a:lnSpc>
+                <a:spcPct val="100000"/>
+              </a:lnSpc>
+              <a:spcBef>
+                <a:spcPts val="0"/>
+              </a:spcBef>
+              <a:spcAft>
+                <a:spcPts val="0"/>
+              </a:spcAft>
+              <a:buClr>
+                <a:schemeClr val="dk1"/>
+              </a:buClr>
+              <a:buSzPts val="9000"/>
+              <a:buFont typeface="Arial"/>
+              <a:buNone/>
+              <a:defRPr sz="9000" b="0" i="1" u="none" strike="noStrike" cap="none">
+                <a:solidFill>
+                  <a:schemeClr val="dk1"/>
+                </a:solidFill>
+                <a:latin typeface="Arial"/>
+                <a:ea typeface="Arial"/>
+                <a:cs typeface="Arial"/>
+                <a:sym typeface="Arial"/>
+              </a:defRPr>
+            </a:lvl7pPr>
+            <a:lvl8pPr marR="0" lvl="7" algn="ctr" rtl="0">
+              <a:lnSpc>
+                <a:spcPct val="100000"/>
+              </a:lnSpc>
+              <a:spcBef>
+                <a:spcPts val="0"/>
+              </a:spcBef>
+              <a:spcAft>
+                <a:spcPts val="0"/>
+              </a:spcAft>
+              <a:buClr>
+                <a:schemeClr val="dk1"/>
+              </a:buClr>
+              <a:buSzPts val="9000"/>
+              <a:buFont typeface="Arial"/>
+              <a:buNone/>
+              <a:defRPr sz="9000" b="0" i="1" u="none" strike="noStrike" cap="none">
+                <a:solidFill>
+                  <a:schemeClr val="dk1"/>
+                </a:solidFill>
+                <a:latin typeface="Arial"/>
+                <a:ea typeface="Arial"/>
+                <a:cs typeface="Arial"/>
+                <a:sym typeface="Arial"/>
+              </a:defRPr>
+            </a:lvl8pPr>
+            <a:lvl9pPr marR="0" lvl="8" algn="ctr" rtl="0">
+              <a:lnSpc>
+                <a:spcPct val="100000"/>
+              </a:lnSpc>
+              <a:spcBef>
+                <a:spcPts val="0"/>
+              </a:spcBef>
+              <a:spcAft>
+                <a:spcPts val="0"/>
+              </a:spcAft>
+              <a:buClr>
+                <a:schemeClr val="dk1"/>
+              </a:buClr>
+              <a:buSzPts val="9000"/>
+              <a:buFont typeface="Arial"/>
+              <a:buNone/>
+              <a:defRPr sz="9000" b="0" i="1" u="none" strike="noStrike" cap="none">
+                <a:solidFill>
+                  <a:schemeClr val="dk1"/>
+                </a:solidFill>
+                <a:latin typeface="Arial"/>
+                <a:ea typeface="Arial"/>
+                <a:cs typeface="Arial"/>
+                <a:sym typeface="Arial"/>
+              </a:defRPr>
+            </a:lvl9pPr>
+          </a:lstStyle>
+          <a:p>
+            <a:pPr algn="l"/>
+            <a:r>
+              <a:rPr lang="en-US" sz="2800" dirty="0"/>
+              <a:t>Schedule</a:t>
+            </a:r>
+          </a:p>
+        </p:txBody>
+      </p:sp>
+      <p:sp>
+        <p:nvSpPr>
+          <p:cNvPr id="14" name="Google Shape;356;p47">
+            <a:extLst>
+              <a:ext uri="{FF2B5EF4-FFF2-40B4-BE49-F238E27FC236}">
+                <a16:creationId xmlns:a16="http://schemas.microsoft.com/office/drawing/2014/main" id="{815FB852-6EBF-4FEB-BFEC-D91F32699FA3}"/>
+              </a:ext>
+            </a:extLst>
+          </p:cNvPr>
+          <p:cNvSpPr txBox="1"/>
+          <p:nvPr/>
+        </p:nvSpPr>
+        <p:spPr>
+          <a:xfrm>
+            <a:off x="6675547" y="3600826"/>
+            <a:ext cx="1934406" cy="268800"/>
+          </a:xfrm>
+          <a:prstGeom prst="rect">
+            <a:avLst/>
+          </a:prstGeom>
+          <a:noFill/>
+          <a:ln>
+            <a:noFill/>
+          </a:ln>
+        </p:spPr>
+        <p:txBody>
+          <a:bodyPr spcFirstLastPara="1" wrap="square" lIns="91425" tIns="91425" rIns="91425" bIns="91425" anchor="ctr" anchorCtr="0">
+            <a:noAutofit/>
+          </a:bodyPr>
+          <a:lstStyle/>
+          <a:p>
+            <a:pPr marL="0" lvl="0" indent="0" algn="ctr" rtl="0">
+              <a:spcBef>
+                <a:spcPts val="0"/>
+              </a:spcBef>
+              <a:spcAft>
+                <a:spcPts val="0"/>
+              </a:spcAft>
+              <a:buNone/>
+            </a:pPr>
+            <a:r>
+              <a:rPr lang="en-US" sz="2000" dirty="0">
+                <a:solidFill>
+                  <a:schemeClr val="accent2"/>
+                </a:solidFill>
+                <a:latin typeface="Vidaloka"/>
+                <a:ea typeface="Vidaloka"/>
+                <a:cs typeface="Vidaloka"/>
+                <a:sym typeface="Vidaloka"/>
+              </a:rPr>
+              <a:t>End</a:t>
+            </a:r>
+            <a:endParaRPr sz="2000" dirty="0">
+              <a:solidFill>
+                <a:schemeClr val="accent2"/>
+              </a:solidFill>
+              <a:latin typeface="Vidaloka"/>
+              <a:ea typeface="Vidaloka"/>
+              <a:cs typeface="Vidaloka"/>
+              <a:sym typeface="Vidaloka"/>
+            </a:endParaRPr>
+          </a:p>
+        </p:txBody>
+      </p:sp>
+      <p:sp>
+        <p:nvSpPr>
+          <p:cNvPr id="15" name="Google Shape;350;p47">
+            <a:extLst>
+              <a:ext uri="{FF2B5EF4-FFF2-40B4-BE49-F238E27FC236}">
+                <a16:creationId xmlns:a16="http://schemas.microsoft.com/office/drawing/2014/main" id="{49B24187-696C-46D1-8391-CEA72A1DF0A1}"/>
+              </a:ext>
+            </a:extLst>
+          </p:cNvPr>
+          <p:cNvSpPr/>
+          <p:nvPr/>
+        </p:nvSpPr>
+        <p:spPr>
+          <a:xfrm>
+            <a:off x="2686336" y="3749311"/>
+            <a:ext cx="1206362" cy="359400"/>
+          </a:xfrm>
+          <a:prstGeom prst="rect">
+            <a:avLst/>
+          </a:prstGeom>
+          <a:noFill/>
+          <a:ln>
+            <a:noFill/>
+          </a:ln>
+        </p:spPr>
+        <p:txBody>
+          <a:bodyPr spcFirstLastPara="1" wrap="square" lIns="91425" tIns="91425" rIns="91425" bIns="91425" anchor="ctr" anchorCtr="0">
+            <a:noAutofit/>
+          </a:bodyPr>
+          <a:lstStyle/>
+          <a:p>
+            <a:pPr marL="0" lvl="0" indent="0" algn="ctr" rtl="0">
+              <a:spcBef>
+                <a:spcPts val="0"/>
+              </a:spcBef>
+              <a:spcAft>
+                <a:spcPts val="0"/>
+              </a:spcAft>
+              <a:buNone/>
+            </a:pPr>
+            <a:r>
+              <a:rPr lang="en" dirty="0">
+                <a:solidFill>
+                  <a:schemeClr val="bg1"/>
+                </a:solidFill>
+                <a:latin typeface="Montserrat"/>
+                <a:ea typeface="Montserrat"/>
+                <a:cs typeface="Montserrat"/>
+                <a:sym typeface="Montserrat"/>
+              </a:rPr>
+              <a:t>06/04/2022</a:t>
+            </a:r>
+            <a:endParaRPr dirty="0">
+              <a:solidFill>
+                <a:schemeClr val="bg1"/>
+              </a:solidFill>
+              <a:latin typeface="Montserrat"/>
+              <a:ea typeface="Montserrat"/>
+              <a:cs typeface="Montserrat"/>
+              <a:sym typeface="Montserrat"/>
+            </a:endParaRPr>
+          </a:p>
+        </p:txBody>
+      </p:sp>
+      <p:sp>
+        <p:nvSpPr>
+          <p:cNvPr id="16" name="Google Shape;350;p47">
+            <a:extLst>
+              <a:ext uri="{FF2B5EF4-FFF2-40B4-BE49-F238E27FC236}">
+                <a16:creationId xmlns:a16="http://schemas.microsoft.com/office/drawing/2014/main" id="{A9F78FA5-DF04-43DD-B413-8896C7809A2F}"/>
+              </a:ext>
+            </a:extLst>
+          </p:cNvPr>
+          <p:cNvSpPr/>
+          <p:nvPr/>
+        </p:nvSpPr>
+        <p:spPr>
+          <a:xfrm>
+            <a:off x="4352848" y="3991202"/>
+            <a:ext cx="1206362" cy="359400"/>
+          </a:xfrm>
+          <a:prstGeom prst="rect">
+            <a:avLst/>
+          </a:prstGeom>
+          <a:noFill/>
+          <a:ln>
+            <a:noFill/>
+          </a:ln>
+        </p:spPr>
+        <p:txBody>
+          <a:bodyPr spcFirstLastPara="1" wrap="square" lIns="91425" tIns="91425" rIns="91425" bIns="91425" anchor="ctr" anchorCtr="0">
+            <a:noAutofit/>
+          </a:bodyPr>
+          <a:lstStyle/>
+          <a:p>
+            <a:pPr marL="0" lvl="0" indent="0" algn="ctr" rtl="0">
+              <a:spcBef>
+                <a:spcPts val="0"/>
+              </a:spcBef>
+              <a:spcAft>
+                <a:spcPts val="0"/>
+              </a:spcAft>
+              <a:buNone/>
+            </a:pPr>
+            <a:r>
+              <a:rPr lang="en" dirty="0">
+                <a:solidFill>
+                  <a:schemeClr val="bg1"/>
+                </a:solidFill>
+                <a:latin typeface="Montserrat"/>
+                <a:ea typeface="Montserrat"/>
+                <a:cs typeface="Montserrat"/>
+                <a:sym typeface="Montserrat"/>
+              </a:rPr>
+              <a:t>21/06/2022</a:t>
+            </a:r>
+            <a:endParaRPr dirty="0">
+              <a:solidFill>
+                <a:schemeClr val="bg1"/>
+              </a:solidFill>
+              <a:latin typeface="Montserrat"/>
+              <a:ea typeface="Montserrat"/>
+              <a:cs typeface="Montserrat"/>
+              <a:sym typeface="Montserrat"/>
+            </a:endParaRPr>
+          </a:p>
+        </p:txBody>
+      </p:sp>
+      <p:sp>
+        <p:nvSpPr>
+          <p:cNvPr id="17" name="TextBox 16">
+            <a:extLst>
+              <a:ext uri="{FF2B5EF4-FFF2-40B4-BE49-F238E27FC236}">
+                <a16:creationId xmlns:a16="http://schemas.microsoft.com/office/drawing/2014/main" id="{3FD9F0D9-B1DE-442C-97BB-8EC9434FACEE}"/>
+              </a:ext>
+            </a:extLst>
+          </p:cNvPr>
+          <p:cNvSpPr txBox="1"/>
+          <p:nvPr/>
+        </p:nvSpPr>
+        <p:spPr>
+          <a:xfrm>
+            <a:off x="8752114" y="4601029"/>
+            <a:ext cx="391886" cy="307777"/>
+          </a:xfrm>
+          <a:prstGeom prst="rect">
+            <a:avLst/>
+          </a:prstGeom>
+          <a:noFill/>
+        </p:spPr>
+        <p:txBody>
+          <a:bodyPr wrap="square" rtlCol="0">
+            <a:spAutoFit/>
+          </a:bodyPr>
+          <a:lstStyle/>
+          <a:p>
+            <a:r>
+              <a:rPr lang="en-US" dirty="0"/>
+              <a:t>11</a:t>
+            </a:r>
+          </a:p>
+        </p:txBody>
+      </p:sp>
+    </p:spTree>
+    <p:extLst>
+      <p:ext uri="{BB962C8B-B14F-4D97-AF65-F5344CB8AC3E}">
+        <p14:creationId xmlns:p14="http://schemas.microsoft.com/office/powerpoint/2010/main" val="2478022065"/>
+      </p:ext>
+    </p:extLst>
+  </p:cSld>
+  <p:clrMapOvr>
+    <a:masterClrMapping/>
+  </p:clrMapOvr>
+</p:sld>
+</file>
+
+<file path=ppt/slides/slide13.xml><?xml version="1.0" encoding="utf-8"?>
+<p:sld xmlns:a="http://schemas.openxmlformats.org/drawingml/2006/main" xmlns:r="http://schemas.openxmlformats.org/officeDocument/2006/relationships" xmlns:p="http://schemas.openxmlformats.org/presentationml/2006/main">
+  <p:cSld>
+    <p:spTree>
+      <p:nvGrpSpPr>
         <p:cNvPr id="1" name="Shape 290"/>
         <p:cNvGrpSpPr/>
         <p:nvPr/>
@@ -10323,7 +13848,7 @@
           <a:p>
             <a:r>
               <a:rPr lang="en-US" dirty="0"/>
-              <a:t>10</a:t>
+              <a:t>12</a:t>
             </a:r>
           </a:p>
         </p:txBody>
@@ -10334,108 +13859,6 @@
         <p14:creationId xmlns:p14="http://schemas.microsoft.com/office/powerpoint/2010/main" val="3576200788"/>
       </p:ext>
     </p:extLst>
-  </p:cSld>
-  <p:clrMapOvr>
-    <a:masterClrMapping/>
-  </p:clrMapOvr>
-</p:sld>
-</file>
-
-<file path=ppt/slides/slide11.xml><?xml version="1.0" encoding="utf-8"?>
-<p:sld xmlns:a="http://schemas.openxmlformats.org/drawingml/2006/main" xmlns:r="http://schemas.openxmlformats.org/officeDocument/2006/relationships" xmlns:p="http://schemas.openxmlformats.org/presentationml/2006/main">
-  <p:cSld>
-    <p:spTree>
-      <p:nvGrpSpPr>
-        <p:cNvPr id="1" name="Shape 611"/>
-        <p:cNvGrpSpPr/>
-        <p:nvPr/>
-      </p:nvGrpSpPr>
-      <p:grpSpPr>
-        <a:xfrm>
-          <a:off x="0" y="0"/>
-          <a:ext cx="0" cy="0"/>
-          <a:chOff x="0" y="0"/>
-          <a:chExt cx="0" cy="0"/>
-        </a:xfrm>
-      </p:grpSpPr>
-      <p:sp>
-        <p:nvSpPr>
-          <p:cNvPr id="612" name="Google Shape;612;p57"/>
-          <p:cNvSpPr txBox="1">
-            <a:spLocks noGrp="1"/>
-          </p:cNvSpPr>
-          <p:nvPr>
-            <p:ph type="title"/>
-          </p:nvPr>
-        </p:nvSpPr>
-        <p:spPr>
-          <a:xfrm>
-            <a:off x="1122500" y="1225400"/>
-            <a:ext cx="6899100" cy="2692800"/>
-          </a:xfrm>
-          <a:prstGeom prst="rect">
-            <a:avLst/>
-          </a:prstGeom>
-        </p:spPr>
-        <p:txBody>
-          <a:bodyPr spcFirstLastPara="1" wrap="square" lIns="91425" tIns="91425" rIns="91425" bIns="91425" anchor="ctr" anchorCtr="0">
-            <a:noAutofit/>
-          </a:bodyPr>
-          <a:lstStyle/>
-          <a:p>
-            <a:pPr marL="0" lvl="0" indent="0" algn="ctr" rtl="0">
-              <a:spcBef>
-                <a:spcPts val="0"/>
-              </a:spcBef>
-              <a:spcAft>
-                <a:spcPts val="0"/>
-              </a:spcAft>
-              <a:buNone/>
-            </a:pPr>
-            <a:r>
-              <a:rPr lang="en" dirty="0"/>
-              <a:t>Thanks</a:t>
-            </a:r>
-            <a:endParaRPr dirty="0"/>
-          </a:p>
-        </p:txBody>
-      </p:sp>
-      <p:sp>
-        <p:nvSpPr>
-          <p:cNvPr id="3" name="TextBox 2">
-            <a:extLst>
-              <a:ext uri="{FF2B5EF4-FFF2-40B4-BE49-F238E27FC236}">
-                <a16:creationId xmlns:a16="http://schemas.microsoft.com/office/drawing/2014/main" id="{FC497820-31B6-451B-9942-FFC48A7A6EF2}"/>
-              </a:ext>
-            </a:extLst>
-          </p:cNvPr>
-          <p:cNvSpPr txBox="1"/>
-          <p:nvPr/>
-        </p:nvSpPr>
-        <p:spPr>
-          <a:xfrm>
-            <a:off x="8752114" y="4601029"/>
-            <a:ext cx="391886" cy="307777"/>
-          </a:xfrm>
-          <a:prstGeom prst="rect">
-            <a:avLst/>
-          </a:prstGeom>
-          <a:noFill/>
-        </p:spPr>
-        <p:txBody>
-          <a:bodyPr wrap="square" rtlCol="0">
-            <a:spAutoFit/>
-          </a:bodyPr>
-          <a:lstStyle/>
-          <a:p>
-            <a:r>
-              <a:rPr lang="en-US" dirty="0"/>
-              <a:t>11</a:t>
-            </a:r>
-          </a:p>
-        </p:txBody>
-      </p:sp>
-    </p:spTree>
   </p:cSld>
   <p:clrMapOvr>
     <a:masterClrMapping/>
@@ -10910,7 +14333,7 @@
         </p:nvSpPr>
         <p:spPr>
           <a:xfrm>
-            <a:off x="-210546" y="3680050"/>
+            <a:off x="-211013" y="3647275"/>
             <a:ext cx="2941800" cy="652200"/>
           </a:xfrm>
           <a:prstGeom prst="rect">
@@ -11078,7 +14501,7 @@
         </p:nvSpPr>
         <p:spPr>
           <a:xfrm>
-            <a:off x="-151928" y="3288604"/>
+            <a:off x="-151928" y="3323050"/>
             <a:ext cx="2942100" cy="357000"/>
           </a:xfrm>
           <a:prstGeom prst="rect">
@@ -12710,7 +16133,7 @@
                   <a:noFill/>
                 </a:uFill>
               </a:rPr>
-              <a:t>Connect to the sharing point.</a:t>
+              <a:t>Connect to the share point.</a:t>
             </a:r>
           </a:p>
           <a:p>
@@ -12728,7 +16151,7 @@
                   <a:noFill/>
                 </a:uFill>
               </a:rPr>
-              <a:t>Loop through the different files stored in the sharing point.</a:t>
+              <a:t>Loop through the different files stored in the share point.</a:t>
             </a:r>
           </a:p>
           <a:p>
@@ -12775,7 +16198,7 @@
         </p:nvSpPr>
         <p:spPr>
           <a:xfrm>
-            <a:off x="-1234579" y="1313003"/>
+            <a:off x="-1292636" y="1326609"/>
             <a:ext cx="5115925" cy="1125000"/>
           </a:xfrm>
           <a:prstGeom prst="rect">
@@ -13957,7 +17380,7 @@
             </a:r>
             <a:r>
               <a:rPr lang="en" dirty="0"/>
-              <a:t> can  work on the different yet most updated files on the sharing point</a:t>
+              <a:t> can  work on the different yet most updated files on the share point</a:t>
             </a:r>
             <a:endParaRPr dirty="0"/>
           </a:p>
@@ -14358,7 +17781,29 @@
                   <a:noFill/>
                 </a:uFill>
               </a:rPr>
-              <a:t>Display the file from the sharing point.</a:t>
+              <a:t>Display the file from the </a:t>
+            </a:r>
+            <a:r>
+              <a:rPr lang="en-US" dirty="0" err="1">
+                <a:solidFill>
+                  <a:schemeClr val="hlink"/>
+                </a:solidFill>
+                <a:uFill>
+                  <a:noFill/>
+                </a:uFill>
+              </a:rPr>
+              <a:t>sharepoint</a:t>
+            </a:r>
+            <a:r>
+              <a:rPr lang="en-US" dirty="0">
+                <a:solidFill>
+                  <a:schemeClr val="hlink"/>
+                </a:solidFill>
+                <a:uFill>
+                  <a:noFill/>
+                </a:uFill>
+              </a:rPr>
+              <a:t>.</a:t>
             </a:r>
           </a:p>
           <a:p>
@@ -14387,7 +17832,7 @@
         </p:nvSpPr>
         <p:spPr>
           <a:xfrm>
-            <a:off x="-1292636" y="1363813"/>
+            <a:off x="-1343436" y="1363813"/>
             <a:ext cx="5154300" cy="1125000"/>
           </a:xfrm>
           <a:prstGeom prst="rect">
@@ -14671,58 +18116,6 @@
               <a:uFill>
                 <a:noFill/>
               </a:uFill>
-            </a:endParaRPr>
-          </a:p>
-        </p:txBody>
-      </p:sp>
-      <p:sp>
-        <p:nvSpPr>
-          <p:cNvPr id="6" name="Google Shape;352;p47">
-            <a:extLst>
-              <a:ext uri="{FF2B5EF4-FFF2-40B4-BE49-F238E27FC236}">
-                <a16:creationId xmlns:a16="http://schemas.microsoft.com/office/drawing/2014/main" id="{3FED773C-57FD-415F-966A-CCA899CC86C6}"/>
-              </a:ext>
-            </a:extLst>
-          </p:cNvPr>
-          <p:cNvSpPr txBox="1"/>
-          <p:nvPr/>
-        </p:nvSpPr>
-        <p:spPr>
-          <a:xfrm>
-            <a:off x="2975456" y="3474940"/>
-            <a:ext cx="1212207" cy="268800"/>
-          </a:xfrm>
-          <a:prstGeom prst="rect">
-            <a:avLst/>
-          </a:prstGeom>
-          <a:noFill/>
-          <a:ln>
-            <a:noFill/>
-          </a:ln>
-        </p:spPr>
-        <p:txBody>
-          <a:bodyPr spcFirstLastPara="1" wrap="square" lIns="91425" tIns="91425" rIns="91425" bIns="91425" anchor="ctr" anchorCtr="0">
-            <a:noAutofit/>
-          </a:bodyPr>
-          <a:lstStyle/>
-          <a:p>
-            <a:pPr marL="0" lvl="0" indent="0" algn="l" rtl="0">
-              <a:spcBef>
-                <a:spcPts val="0"/>
-              </a:spcBef>
-              <a:spcAft>
-                <a:spcPts val="0"/>
-              </a:spcAft>
-              <a:buNone/>
-            </a:pPr>
-            <a:endParaRPr sz="2400" dirty="0">
-              <a:solidFill>
-                <a:schemeClr val="dk1"/>
-              </a:solidFill>
-              <a:latin typeface="Vidaloka"/>
-              <a:ea typeface="Vidaloka"/>
-              <a:cs typeface="Vidaloka"/>
-              <a:sym typeface="Vidaloka"/>
             </a:endParaRPr>
           </a:p>
         </p:txBody>
@@ -15484,7 +18877,7 @@
         </p:nvSpPr>
         <p:spPr>
           <a:xfrm>
-            <a:off x="-706683" y="125950"/>
+            <a:off x="-191426" y="63897"/>
             <a:ext cx="5154300" cy="1125000"/>
           </a:xfrm>
           <a:prstGeom prst="rect">
@@ -15509,7 +18902,7 @@
                   <a:noFill/>
                 </a:uFill>
               </a:rPr>
-              <a:t>Advanced search filters</a:t>
+              <a:t>Creation of a smart search engine</a:t>
             </a:r>
             <a:endParaRPr lang="en-US" dirty="0">
               <a:solidFill>
@@ -15524,1478 +18917,10 @@
       </p:sp>
       <p:sp>
         <p:nvSpPr>
-          <p:cNvPr id="292" name="Google Shape;292;p41"/>
-          <p:cNvSpPr txBox="1">
-            <a:spLocks noGrp="1"/>
-          </p:cNvSpPr>
-          <p:nvPr>
-            <p:ph type="subTitle" idx="1"/>
-          </p:nvPr>
-        </p:nvSpPr>
-        <p:spPr>
-          <a:xfrm>
-            <a:off x="113223" y="973750"/>
-            <a:ext cx="5431233" cy="554400"/>
-          </a:xfrm>
-          <a:prstGeom prst="rect">
-            <a:avLst/>
-          </a:prstGeom>
-        </p:spPr>
-        <p:txBody>
-          <a:bodyPr spcFirstLastPara="1" wrap="square" lIns="91425" tIns="91425" rIns="91425" bIns="91425" anchor="t" anchorCtr="0">
-            <a:noAutofit/>
-          </a:bodyPr>
-          <a:lstStyle/>
-          <a:p>
-            <a:pPr marL="0" lvl="0" indent="0" algn="ctr" rtl="0">
-              <a:spcBef>
-                <a:spcPts val="0"/>
-              </a:spcBef>
-              <a:spcAft>
-                <a:spcPts val="0"/>
-              </a:spcAft>
-              <a:buNone/>
-            </a:pPr>
-            <a:r>
-              <a:rPr lang="en" dirty="0"/>
-              <a:t>As a user </a:t>
-            </a:r>
-            <a:r>
-              <a:rPr lang="en-US" dirty="0"/>
-              <a:t>I</a:t>
-            </a:r>
-            <a:r>
-              <a:rPr lang="en" dirty="0"/>
-              <a:t> need  advanced filters so </a:t>
-            </a:r>
-            <a:r>
-              <a:rPr lang="en-US" dirty="0"/>
-              <a:t>I</a:t>
-            </a:r>
-            <a:r>
-              <a:rPr lang="en" dirty="0"/>
-              <a:t> can  filter the results.</a:t>
-            </a:r>
-            <a:endParaRPr dirty="0"/>
-          </a:p>
-        </p:txBody>
-      </p:sp>
-      <p:sp>
-        <p:nvSpPr>
-          <p:cNvPr id="7" name="Google Shape;850;p72">
-            <a:extLst>
-              <a:ext uri="{FF2B5EF4-FFF2-40B4-BE49-F238E27FC236}">
-                <a16:creationId xmlns:a16="http://schemas.microsoft.com/office/drawing/2014/main" id="{0C31F0BB-D86E-4273-9726-E88B21379F3C}"/>
-              </a:ext>
-            </a:extLst>
-          </p:cNvPr>
-          <p:cNvSpPr txBox="1">
-            <a:spLocks/>
-          </p:cNvSpPr>
-          <p:nvPr/>
-        </p:nvSpPr>
-        <p:spPr>
-          <a:xfrm>
-            <a:off x="248689" y="1363813"/>
-            <a:ext cx="5160300" cy="2402100"/>
-          </a:xfrm>
-          <a:prstGeom prst="rect">
-            <a:avLst/>
-          </a:prstGeom>
-        </p:spPr>
-        <p:txBody>
-          <a:bodyPr spcFirstLastPara="1" wrap="square" lIns="91425" tIns="91425" rIns="91425" bIns="91425" anchor="t" anchorCtr="0">
-            <a:noAutofit/>
-          </a:bodyPr>
-          <a:lstStyle>
-            <a:defPPr marR="0" lvl="0" algn="l" rtl="0">
-              <a:lnSpc>
-                <a:spcPct val="100000"/>
-              </a:lnSpc>
-              <a:spcBef>
-                <a:spcPts val="0"/>
-              </a:spcBef>
-              <a:spcAft>
-                <a:spcPts val="0"/>
-              </a:spcAft>
-            </a:defPPr>
-            <a:lvl1pPr marR="0" lvl="0" algn="l" rtl="0">
-              <a:lnSpc>
-                <a:spcPct val="100000"/>
-              </a:lnSpc>
-              <a:spcBef>
-                <a:spcPts val="0"/>
-              </a:spcBef>
-              <a:spcAft>
-                <a:spcPts val="0"/>
-              </a:spcAft>
-              <a:buClr>
-                <a:srgbClr val="000000"/>
-              </a:buClr>
-              <a:buFont typeface="Arial"/>
-              <a:defRPr sz="1400" b="0" i="0" u="none" strike="noStrike" cap="none">
-                <a:solidFill>
-                  <a:srgbClr val="000000"/>
-                </a:solidFill>
-                <a:latin typeface="Arial"/>
-                <a:ea typeface="Arial"/>
-                <a:cs typeface="Arial"/>
-                <a:sym typeface="Arial"/>
-              </a:defRPr>
-            </a:lvl1pPr>
-            <a:lvl2pPr marR="0" lvl="1" algn="l" rtl="0">
-              <a:lnSpc>
-                <a:spcPct val="100000"/>
-              </a:lnSpc>
-              <a:spcBef>
-                <a:spcPts val="0"/>
-              </a:spcBef>
-              <a:spcAft>
-                <a:spcPts val="0"/>
-              </a:spcAft>
-              <a:buClr>
-                <a:srgbClr val="000000"/>
-              </a:buClr>
-              <a:buFont typeface="Arial"/>
-              <a:defRPr sz="1400" b="0" i="0" u="none" strike="noStrike" cap="none">
-                <a:solidFill>
-                  <a:srgbClr val="000000"/>
-                </a:solidFill>
-                <a:latin typeface="Arial"/>
-                <a:ea typeface="Arial"/>
-                <a:cs typeface="Arial"/>
-                <a:sym typeface="Arial"/>
-              </a:defRPr>
-            </a:lvl2pPr>
-            <a:lvl3pPr marR="0" lvl="2" algn="l" rtl="0">
-              <a:lnSpc>
-                <a:spcPct val="100000"/>
-              </a:lnSpc>
-              <a:spcBef>
-                <a:spcPts val="0"/>
-              </a:spcBef>
-              <a:spcAft>
-                <a:spcPts val="0"/>
-              </a:spcAft>
-              <a:buClr>
-                <a:srgbClr val="000000"/>
-              </a:buClr>
-              <a:buFont typeface="Arial"/>
-              <a:defRPr sz="1400" b="0" i="0" u="none" strike="noStrike" cap="none">
-                <a:solidFill>
-                  <a:srgbClr val="000000"/>
-                </a:solidFill>
-                <a:latin typeface="Arial"/>
-                <a:ea typeface="Arial"/>
-                <a:cs typeface="Arial"/>
-                <a:sym typeface="Arial"/>
-              </a:defRPr>
-            </a:lvl3pPr>
-            <a:lvl4pPr marR="0" lvl="3" algn="l" rtl="0">
-              <a:lnSpc>
-                <a:spcPct val="100000"/>
-              </a:lnSpc>
-              <a:spcBef>
-                <a:spcPts val="0"/>
-              </a:spcBef>
-              <a:spcAft>
-                <a:spcPts val="0"/>
-              </a:spcAft>
-              <a:buClr>
-                <a:srgbClr val="000000"/>
-              </a:buClr>
-              <a:buFont typeface="Arial"/>
-              <a:defRPr sz="1400" b="0" i="0" u="none" strike="noStrike" cap="none">
-                <a:solidFill>
-                  <a:srgbClr val="000000"/>
-                </a:solidFill>
-                <a:latin typeface="Arial"/>
-                <a:ea typeface="Arial"/>
-                <a:cs typeface="Arial"/>
-                <a:sym typeface="Arial"/>
-              </a:defRPr>
-            </a:lvl4pPr>
-            <a:lvl5pPr marR="0" lvl="4" algn="l" rtl="0">
-              <a:lnSpc>
-                <a:spcPct val="100000"/>
-              </a:lnSpc>
-              <a:spcBef>
-                <a:spcPts val="0"/>
-              </a:spcBef>
-              <a:spcAft>
-                <a:spcPts val="0"/>
-              </a:spcAft>
-              <a:buClr>
-                <a:srgbClr val="000000"/>
-              </a:buClr>
-              <a:buFont typeface="Arial"/>
-              <a:defRPr sz="1400" b="0" i="0" u="none" strike="noStrike" cap="none">
-                <a:solidFill>
-                  <a:srgbClr val="000000"/>
-                </a:solidFill>
-                <a:latin typeface="Arial"/>
-                <a:ea typeface="Arial"/>
-                <a:cs typeface="Arial"/>
-                <a:sym typeface="Arial"/>
-              </a:defRPr>
-            </a:lvl5pPr>
-            <a:lvl6pPr marR="0" lvl="5" algn="l" rtl="0">
-              <a:lnSpc>
-                <a:spcPct val="100000"/>
-              </a:lnSpc>
-              <a:spcBef>
-                <a:spcPts val="0"/>
-              </a:spcBef>
-              <a:spcAft>
-                <a:spcPts val="0"/>
-              </a:spcAft>
-              <a:buClr>
-                <a:srgbClr val="000000"/>
-              </a:buClr>
-              <a:buFont typeface="Arial"/>
-              <a:defRPr sz="1400" b="0" i="0" u="none" strike="noStrike" cap="none">
-                <a:solidFill>
-                  <a:srgbClr val="000000"/>
-                </a:solidFill>
-                <a:latin typeface="Arial"/>
-                <a:ea typeface="Arial"/>
-                <a:cs typeface="Arial"/>
-                <a:sym typeface="Arial"/>
-              </a:defRPr>
-            </a:lvl6pPr>
-            <a:lvl7pPr marR="0" lvl="6" algn="l" rtl="0">
-              <a:lnSpc>
-                <a:spcPct val="100000"/>
-              </a:lnSpc>
-              <a:spcBef>
-                <a:spcPts val="0"/>
-              </a:spcBef>
-              <a:spcAft>
-                <a:spcPts val="0"/>
-              </a:spcAft>
-              <a:buClr>
-                <a:srgbClr val="000000"/>
-              </a:buClr>
-              <a:buFont typeface="Arial"/>
-              <a:defRPr sz="1400" b="0" i="0" u="none" strike="noStrike" cap="none">
-                <a:solidFill>
-                  <a:srgbClr val="000000"/>
-                </a:solidFill>
-                <a:latin typeface="Arial"/>
-                <a:ea typeface="Arial"/>
-                <a:cs typeface="Arial"/>
-                <a:sym typeface="Arial"/>
-              </a:defRPr>
-            </a:lvl7pPr>
-            <a:lvl8pPr marR="0" lvl="7" algn="l" rtl="0">
-              <a:lnSpc>
-                <a:spcPct val="100000"/>
-              </a:lnSpc>
-              <a:spcBef>
-                <a:spcPts val="0"/>
-              </a:spcBef>
-              <a:spcAft>
-                <a:spcPts val="0"/>
-              </a:spcAft>
-              <a:buClr>
-                <a:srgbClr val="000000"/>
-              </a:buClr>
-              <a:buFont typeface="Arial"/>
-              <a:defRPr sz="1400" b="0" i="0" u="none" strike="noStrike" cap="none">
-                <a:solidFill>
-                  <a:srgbClr val="000000"/>
-                </a:solidFill>
-                <a:latin typeface="Arial"/>
-                <a:ea typeface="Arial"/>
-                <a:cs typeface="Arial"/>
-                <a:sym typeface="Arial"/>
-              </a:defRPr>
-            </a:lvl8pPr>
-            <a:lvl9pPr marR="0" lvl="8" algn="l" rtl="0">
-              <a:lnSpc>
-                <a:spcPct val="100000"/>
-              </a:lnSpc>
-              <a:spcBef>
-                <a:spcPts val="0"/>
-              </a:spcBef>
-              <a:spcAft>
-                <a:spcPts val="0"/>
-              </a:spcAft>
-              <a:buClr>
-                <a:srgbClr val="000000"/>
-              </a:buClr>
-              <a:buFont typeface="Arial"/>
-              <a:defRPr sz="1400" b="0" i="0" u="none" strike="noStrike" cap="none">
-                <a:solidFill>
-                  <a:srgbClr val="000000"/>
-                </a:solidFill>
-                <a:latin typeface="Arial"/>
-                <a:ea typeface="Arial"/>
-                <a:cs typeface="Arial"/>
-                <a:sym typeface="Arial"/>
-              </a:defRPr>
-            </a:lvl9pPr>
-          </a:lstStyle>
-          <a:p>
-            <a:pPr indent="-330200">
-              <a:buSzPts val="1600"/>
-            </a:pPr>
-            <a:endParaRPr lang="en-US" dirty="0">
-              <a:solidFill>
-                <a:schemeClr val="hlink"/>
-              </a:solidFill>
-              <a:uFill>
-                <a:noFill/>
-              </a:uFill>
-            </a:endParaRPr>
-          </a:p>
-          <a:p>
-            <a:pPr indent="-330200">
-              <a:buSzPts val="1600"/>
-            </a:pPr>
-            <a:endParaRPr lang="en-US" dirty="0">
-              <a:solidFill>
-                <a:schemeClr val="hlink"/>
-              </a:solidFill>
-              <a:uFill>
-                <a:noFill/>
-              </a:uFill>
-            </a:endParaRPr>
-          </a:p>
-          <a:p>
-            <a:pPr indent="-330200">
-              <a:buSzPts val="1600"/>
-            </a:pPr>
-            <a:endParaRPr lang="en-US" dirty="0">
-              <a:solidFill>
-                <a:schemeClr val="hlink"/>
-              </a:solidFill>
-              <a:uFill>
-                <a:noFill/>
-              </a:uFill>
-            </a:endParaRPr>
-          </a:p>
-          <a:p>
-            <a:pPr indent="-330200">
-              <a:buSzPts val="1600"/>
-            </a:pPr>
-            <a:endParaRPr lang="en-US" dirty="0">
-              <a:solidFill>
-                <a:schemeClr val="hlink"/>
-              </a:solidFill>
-              <a:uFill>
-                <a:noFill/>
-              </a:uFill>
-            </a:endParaRPr>
-          </a:p>
-          <a:p>
-            <a:pPr marL="457200" indent="-330200">
-              <a:buSzPts val="1600"/>
-              <a:buFont typeface="Arial"/>
-              <a:buChar char="●"/>
-            </a:pPr>
-            <a:r>
-              <a:rPr lang="en-US" dirty="0">
-                <a:solidFill>
-                  <a:schemeClr val="hlink"/>
-                </a:solidFill>
-                <a:uFill>
-                  <a:noFill/>
-                </a:uFill>
-              </a:rPr>
-              <a:t>Choose file format(PDF, Word, Excel).</a:t>
-            </a:r>
-          </a:p>
-          <a:p>
-            <a:pPr marL="457200" indent="-330200">
-              <a:buSzPts val="1600"/>
-              <a:buFont typeface="Arial"/>
-              <a:buChar char="●"/>
-            </a:pPr>
-            <a:r>
-              <a:rPr lang="en-US" dirty="0">
-                <a:solidFill>
-                  <a:schemeClr val="hlink"/>
-                </a:solidFill>
-                <a:uFill>
-                  <a:noFill/>
-                </a:uFill>
-              </a:rPr>
-              <a:t>Chose the type of norms ( </a:t>
-            </a:r>
-            <a:r>
-              <a:rPr lang="en-US" dirty="0" err="1">
-                <a:solidFill>
-                  <a:schemeClr val="hlink"/>
-                </a:solidFill>
-                <a:uFill>
-                  <a:noFill/>
-                </a:uFill>
-              </a:rPr>
-              <a:t>ISOxx</a:t>
-            </a:r>
-            <a:r>
-              <a:rPr lang="en-US" dirty="0">
-                <a:solidFill>
-                  <a:schemeClr val="hlink"/>
-                </a:solidFill>
-                <a:uFill>
-                  <a:noFill/>
-                </a:uFill>
-              </a:rPr>
-              <a:t>).</a:t>
-            </a:r>
-          </a:p>
-          <a:p>
-            <a:pPr marL="139700">
-              <a:buSzPts val="1400"/>
-            </a:pPr>
-            <a:endParaRPr lang="en-US" dirty="0"/>
-          </a:p>
-        </p:txBody>
-      </p:sp>
-      <p:sp>
-        <p:nvSpPr>
-          <p:cNvPr id="8" name="Google Shape;291;p41">
-            <a:extLst>
-              <a:ext uri="{FF2B5EF4-FFF2-40B4-BE49-F238E27FC236}">
-                <a16:creationId xmlns:a16="http://schemas.microsoft.com/office/drawing/2014/main" id="{D264A355-A468-45DD-BE14-8A2DFB94153C}"/>
-              </a:ext>
-            </a:extLst>
-          </p:cNvPr>
-          <p:cNvSpPr txBox="1">
-            <a:spLocks/>
-          </p:cNvSpPr>
-          <p:nvPr/>
-        </p:nvSpPr>
-        <p:spPr>
-          <a:xfrm>
-            <a:off x="-1292636" y="1363813"/>
-            <a:ext cx="5154300" cy="1125000"/>
-          </a:xfrm>
-          <a:prstGeom prst="rect">
-            <a:avLst/>
-          </a:prstGeom>
-          <a:noFill/>
-          <a:ln>
-            <a:noFill/>
-          </a:ln>
-        </p:spPr>
-        <p:txBody>
-          <a:bodyPr spcFirstLastPara="1" wrap="square" lIns="91425" tIns="91425" rIns="91425" bIns="91425" anchor="ctr" anchorCtr="0">
-            <a:noAutofit/>
-          </a:bodyPr>
-          <a:lstStyle>
-            <a:defPPr marR="0" lvl="0" algn="l" rtl="0">
-              <a:lnSpc>
-                <a:spcPct val="100000"/>
-              </a:lnSpc>
-              <a:spcBef>
-                <a:spcPts val="0"/>
-              </a:spcBef>
-              <a:spcAft>
-                <a:spcPts val="0"/>
-              </a:spcAft>
-            </a:defPPr>
-            <a:lvl1pPr marR="0" lvl="0" algn="ctr" rtl="0">
-              <a:lnSpc>
-                <a:spcPct val="100000"/>
-              </a:lnSpc>
-              <a:spcBef>
-                <a:spcPts val="0"/>
-              </a:spcBef>
-              <a:spcAft>
-                <a:spcPts val="0"/>
-              </a:spcAft>
-              <a:buClr>
-                <a:schemeClr val="dk1"/>
-              </a:buClr>
-              <a:buSzPts val="9000"/>
-              <a:buFont typeface="Vidaloka"/>
-              <a:buNone/>
-              <a:defRPr sz="9000" b="0" i="0" u="none" strike="noStrike" cap="none">
-                <a:solidFill>
-                  <a:schemeClr val="dk1"/>
-                </a:solidFill>
-                <a:latin typeface="Vidaloka"/>
-                <a:ea typeface="Vidaloka"/>
-                <a:cs typeface="Vidaloka"/>
-                <a:sym typeface="Vidaloka"/>
-              </a:defRPr>
-            </a:lvl1pPr>
-            <a:lvl2pPr marR="0" lvl="1" algn="ctr" rtl="0">
-              <a:lnSpc>
-                <a:spcPct val="100000"/>
-              </a:lnSpc>
-              <a:spcBef>
-                <a:spcPts val="0"/>
-              </a:spcBef>
-              <a:spcAft>
-                <a:spcPts val="0"/>
-              </a:spcAft>
-              <a:buClr>
-                <a:schemeClr val="dk1"/>
-              </a:buClr>
-              <a:buSzPts val="9000"/>
-              <a:buFont typeface="Arial"/>
-              <a:buNone/>
-              <a:defRPr sz="9000" b="0" i="1" u="none" strike="noStrike" cap="none">
-                <a:solidFill>
-                  <a:schemeClr val="dk1"/>
-                </a:solidFill>
-                <a:latin typeface="Arial"/>
-                <a:ea typeface="Arial"/>
-                <a:cs typeface="Arial"/>
-                <a:sym typeface="Arial"/>
-              </a:defRPr>
-            </a:lvl2pPr>
-            <a:lvl3pPr marR="0" lvl="2" algn="ctr" rtl="0">
-              <a:lnSpc>
-                <a:spcPct val="100000"/>
-              </a:lnSpc>
-              <a:spcBef>
-                <a:spcPts val="0"/>
-              </a:spcBef>
-              <a:spcAft>
-                <a:spcPts val="0"/>
-              </a:spcAft>
-              <a:buClr>
-                <a:schemeClr val="dk1"/>
-              </a:buClr>
-              <a:buSzPts val="9000"/>
-              <a:buFont typeface="Arial"/>
-              <a:buNone/>
-              <a:defRPr sz="9000" b="0" i="1" u="none" strike="noStrike" cap="none">
-                <a:solidFill>
-                  <a:schemeClr val="dk1"/>
-                </a:solidFill>
-                <a:latin typeface="Arial"/>
-                <a:ea typeface="Arial"/>
-                <a:cs typeface="Arial"/>
-                <a:sym typeface="Arial"/>
-              </a:defRPr>
-            </a:lvl3pPr>
-            <a:lvl4pPr marR="0" lvl="3" algn="ctr" rtl="0">
-              <a:lnSpc>
-                <a:spcPct val="100000"/>
-              </a:lnSpc>
-              <a:spcBef>
-                <a:spcPts val="0"/>
-              </a:spcBef>
-              <a:spcAft>
-                <a:spcPts val="0"/>
-              </a:spcAft>
-              <a:buClr>
-                <a:schemeClr val="dk1"/>
-              </a:buClr>
-              <a:buSzPts val="9000"/>
-              <a:buFont typeface="Arial"/>
-              <a:buNone/>
-              <a:defRPr sz="9000" b="0" i="1" u="none" strike="noStrike" cap="none">
-                <a:solidFill>
-                  <a:schemeClr val="dk1"/>
-                </a:solidFill>
-                <a:latin typeface="Arial"/>
-                <a:ea typeface="Arial"/>
-                <a:cs typeface="Arial"/>
-                <a:sym typeface="Arial"/>
-              </a:defRPr>
-            </a:lvl4pPr>
-            <a:lvl5pPr marR="0" lvl="4" algn="ctr" rtl="0">
-              <a:lnSpc>
-                <a:spcPct val="100000"/>
-              </a:lnSpc>
-              <a:spcBef>
-                <a:spcPts val="0"/>
-              </a:spcBef>
-              <a:spcAft>
-                <a:spcPts val="0"/>
-              </a:spcAft>
-              <a:buClr>
-                <a:schemeClr val="dk1"/>
-              </a:buClr>
-              <a:buSzPts val="9000"/>
-              <a:buFont typeface="Arial"/>
-              <a:buNone/>
-              <a:defRPr sz="9000" b="0" i="1" u="none" strike="noStrike" cap="none">
-                <a:solidFill>
-                  <a:schemeClr val="dk1"/>
-                </a:solidFill>
-                <a:latin typeface="Arial"/>
-                <a:ea typeface="Arial"/>
-                <a:cs typeface="Arial"/>
-                <a:sym typeface="Arial"/>
-              </a:defRPr>
-            </a:lvl5pPr>
-            <a:lvl6pPr marR="0" lvl="5" algn="ctr" rtl="0">
-              <a:lnSpc>
-                <a:spcPct val="100000"/>
-              </a:lnSpc>
-              <a:spcBef>
-                <a:spcPts val="0"/>
-              </a:spcBef>
-              <a:spcAft>
-                <a:spcPts val="0"/>
-              </a:spcAft>
-              <a:buClr>
-                <a:schemeClr val="dk1"/>
-              </a:buClr>
-              <a:buSzPts val="9000"/>
-              <a:buFont typeface="Arial"/>
-              <a:buNone/>
-              <a:defRPr sz="9000" b="0" i="1" u="none" strike="noStrike" cap="none">
-                <a:solidFill>
-                  <a:schemeClr val="dk1"/>
-                </a:solidFill>
-                <a:latin typeface="Arial"/>
-                <a:ea typeface="Arial"/>
-                <a:cs typeface="Arial"/>
-                <a:sym typeface="Arial"/>
-              </a:defRPr>
-            </a:lvl6pPr>
-            <a:lvl7pPr marR="0" lvl="6" algn="ctr" rtl="0">
-              <a:lnSpc>
-                <a:spcPct val="100000"/>
-              </a:lnSpc>
-              <a:spcBef>
-                <a:spcPts val="0"/>
-              </a:spcBef>
-              <a:spcAft>
-                <a:spcPts val="0"/>
-              </a:spcAft>
-              <a:buClr>
-                <a:schemeClr val="dk1"/>
-              </a:buClr>
-              <a:buSzPts val="9000"/>
-              <a:buFont typeface="Arial"/>
-              <a:buNone/>
-              <a:defRPr sz="9000" b="0" i="1" u="none" strike="noStrike" cap="none">
-                <a:solidFill>
-                  <a:schemeClr val="dk1"/>
-                </a:solidFill>
-                <a:latin typeface="Arial"/>
-                <a:ea typeface="Arial"/>
-                <a:cs typeface="Arial"/>
-                <a:sym typeface="Arial"/>
-              </a:defRPr>
-            </a:lvl7pPr>
-            <a:lvl8pPr marR="0" lvl="7" algn="ctr" rtl="0">
-              <a:lnSpc>
-                <a:spcPct val="100000"/>
-              </a:lnSpc>
-              <a:spcBef>
-                <a:spcPts val="0"/>
-              </a:spcBef>
-              <a:spcAft>
-                <a:spcPts val="0"/>
-              </a:spcAft>
-              <a:buClr>
-                <a:schemeClr val="dk1"/>
-              </a:buClr>
-              <a:buSzPts val="9000"/>
-              <a:buFont typeface="Arial"/>
-              <a:buNone/>
-              <a:defRPr sz="9000" b="0" i="1" u="none" strike="noStrike" cap="none">
-                <a:solidFill>
-                  <a:schemeClr val="dk1"/>
-                </a:solidFill>
-                <a:latin typeface="Arial"/>
-                <a:ea typeface="Arial"/>
-                <a:cs typeface="Arial"/>
-                <a:sym typeface="Arial"/>
-              </a:defRPr>
-            </a:lvl8pPr>
-            <a:lvl9pPr marR="0" lvl="8" algn="ctr" rtl="0">
-              <a:lnSpc>
-                <a:spcPct val="100000"/>
-              </a:lnSpc>
-              <a:spcBef>
-                <a:spcPts val="0"/>
-              </a:spcBef>
-              <a:spcAft>
-                <a:spcPts val="0"/>
-              </a:spcAft>
-              <a:buClr>
-                <a:schemeClr val="dk1"/>
-              </a:buClr>
-              <a:buSzPts val="9000"/>
-              <a:buFont typeface="Arial"/>
-              <a:buNone/>
-              <a:defRPr sz="9000" b="0" i="1" u="none" strike="noStrike" cap="none">
-                <a:solidFill>
-                  <a:schemeClr val="dk1"/>
-                </a:solidFill>
-                <a:latin typeface="Arial"/>
-                <a:ea typeface="Arial"/>
-                <a:cs typeface="Arial"/>
-                <a:sym typeface="Arial"/>
-              </a:defRPr>
-            </a:lvl9pPr>
-          </a:lstStyle>
-          <a:p>
-            <a:pPr indent="-330200">
-              <a:buSzPts val="1600"/>
-            </a:pPr>
-            <a:r>
-              <a:rPr lang="en-US" sz="2400" dirty="0">
-                <a:solidFill>
-                  <a:schemeClr val="hlink"/>
-                </a:solidFill>
-                <a:uFill>
-                  <a:noFill/>
-                </a:uFill>
-              </a:rPr>
-              <a:t>Sprint backlog</a:t>
-            </a:r>
-            <a:endParaRPr lang="en-US" dirty="0">
-              <a:solidFill>
-                <a:schemeClr val="hlink"/>
-              </a:solidFill>
-              <a:uFill>
-                <a:noFill/>
-              </a:uFill>
-            </a:endParaRPr>
-          </a:p>
-        </p:txBody>
-      </p:sp>
-      <p:sp>
-        <p:nvSpPr>
-          <p:cNvPr id="6" name="Google Shape;352;p47">
-            <a:extLst>
-              <a:ext uri="{FF2B5EF4-FFF2-40B4-BE49-F238E27FC236}">
-                <a16:creationId xmlns:a16="http://schemas.microsoft.com/office/drawing/2014/main" id="{2EE53912-15F2-412E-B784-EC516C3C2E8D}"/>
-              </a:ext>
-            </a:extLst>
-          </p:cNvPr>
-          <p:cNvSpPr txBox="1"/>
-          <p:nvPr/>
-        </p:nvSpPr>
-        <p:spPr>
-          <a:xfrm>
-            <a:off x="3091570" y="3226963"/>
-            <a:ext cx="1212207" cy="268800"/>
-          </a:xfrm>
-          <a:prstGeom prst="rect">
-            <a:avLst/>
-          </a:prstGeom>
-          <a:noFill/>
-          <a:ln>
-            <a:noFill/>
-          </a:ln>
-        </p:spPr>
-        <p:txBody>
-          <a:bodyPr spcFirstLastPara="1" wrap="square" lIns="91425" tIns="91425" rIns="91425" bIns="91425" anchor="ctr" anchorCtr="0">
-            <a:noAutofit/>
-          </a:bodyPr>
-          <a:lstStyle/>
-          <a:p>
-            <a:pPr marL="0" lvl="0" indent="0" algn="l" rtl="0">
-              <a:spcBef>
-                <a:spcPts val="0"/>
-              </a:spcBef>
-              <a:spcAft>
-                <a:spcPts val="0"/>
-              </a:spcAft>
-              <a:buNone/>
-            </a:pPr>
-            <a:endParaRPr sz="2400" dirty="0">
-              <a:solidFill>
-                <a:schemeClr val="dk1"/>
-              </a:solidFill>
-              <a:latin typeface="Vidaloka"/>
-              <a:ea typeface="Vidaloka"/>
-              <a:cs typeface="Vidaloka"/>
-              <a:sym typeface="Vidaloka"/>
-            </a:endParaRPr>
-          </a:p>
-        </p:txBody>
-      </p:sp>
-      <p:sp>
-        <p:nvSpPr>
-          <p:cNvPr id="9" name="Google Shape;356;p47">
-            <a:extLst>
-              <a:ext uri="{FF2B5EF4-FFF2-40B4-BE49-F238E27FC236}">
-                <a16:creationId xmlns:a16="http://schemas.microsoft.com/office/drawing/2014/main" id="{F0B58DC6-1E6D-43F1-947D-5206CB794B91}"/>
-              </a:ext>
-            </a:extLst>
-          </p:cNvPr>
-          <p:cNvSpPr txBox="1"/>
-          <p:nvPr/>
-        </p:nvSpPr>
-        <p:spPr>
-          <a:xfrm>
-            <a:off x="4723670" y="3348625"/>
-            <a:ext cx="900148" cy="268800"/>
-          </a:xfrm>
-          <a:prstGeom prst="rect">
-            <a:avLst/>
-          </a:prstGeom>
-          <a:noFill/>
-          <a:ln>
-            <a:noFill/>
-          </a:ln>
-        </p:spPr>
-        <p:txBody>
-          <a:bodyPr spcFirstLastPara="1" wrap="square" lIns="91425" tIns="91425" rIns="91425" bIns="91425" anchor="ctr" anchorCtr="0">
-            <a:noAutofit/>
-          </a:bodyPr>
-          <a:lstStyle/>
-          <a:p>
-            <a:pPr marL="0" lvl="0" indent="0" algn="ctr" rtl="0">
-              <a:spcBef>
-                <a:spcPts val="0"/>
-              </a:spcBef>
-              <a:spcAft>
-                <a:spcPts val="0"/>
-              </a:spcAft>
-              <a:buNone/>
-            </a:pPr>
-            <a:r>
-              <a:rPr lang="en" sz="2000" dirty="0">
-                <a:solidFill>
-                  <a:schemeClr val="accent2"/>
-                </a:solidFill>
-                <a:latin typeface="Vidaloka"/>
-                <a:ea typeface="Vidaloka"/>
-                <a:cs typeface="Vidaloka"/>
-                <a:sym typeface="Vidaloka"/>
-              </a:rPr>
-              <a:t>Start</a:t>
-            </a:r>
-            <a:endParaRPr sz="2000" dirty="0">
-              <a:solidFill>
-                <a:schemeClr val="accent2"/>
-              </a:solidFill>
-              <a:latin typeface="Vidaloka"/>
-              <a:ea typeface="Vidaloka"/>
-              <a:cs typeface="Vidaloka"/>
-              <a:sym typeface="Vidaloka"/>
-            </a:endParaRPr>
-          </a:p>
-        </p:txBody>
-      </p:sp>
-      <p:cxnSp>
-        <p:nvCxnSpPr>
-          <p:cNvPr id="10" name="Google Shape;360;p47">
-            <a:extLst>
-              <a:ext uri="{FF2B5EF4-FFF2-40B4-BE49-F238E27FC236}">
-                <a16:creationId xmlns:a16="http://schemas.microsoft.com/office/drawing/2014/main" id="{A1CEB36A-6026-415F-AF4C-F3F0EB197F60}"/>
-              </a:ext>
-            </a:extLst>
-          </p:cNvPr>
-          <p:cNvCxnSpPr>
-            <a:cxnSpLocks/>
-          </p:cNvCxnSpPr>
-          <p:nvPr/>
-        </p:nvCxnSpPr>
-        <p:spPr>
-          <a:xfrm>
-            <a:off x="4563517" y="3909713"/>
-            <a:ext cx="3489227" cy="0"/>
-          </a:xfrm>
-          <a:prstGeom prst="straightConnector1">
-            <a:avLst/>
-          </a:prstGeom>
-          <a:noFill/>
-          <a:ln w="28575" cap="flat" cmpd="sng">
-            <a:solidFill>
-              <a:schemeClr val="accent1"/>
-            </a:solidFill>
-            <a:prstDash val="solid"/>
-            <a:round/>
-            <a:headEnd type="none" w="med" len="med"/>
-            <a:tailEnd type="none" w="med" len="med"/>
-          </a:ln>
-        </p:spPr>
-      </p:cxnSp>
-      <p:sp>
-        <p:nvSpPr>
-          <p:cNvPr id="11" name="Google Shape;364;p47">
-            <a:extLst>
-              <a:ext uri="{FF2B5EF4-FFF2-40B4-BE49-F238E27FC236}">
-                <a16:creationId xmlns:a16="http://schemas.microsoft.com/office/drawing/2014/main" id="{0747946D-34C0-45E4-B081-E2B266E3CF68}"/>
-              </a:ext>
-            </a:extLst>
-          </p:cNvPr>
-          <p:cNvSpPr/>
-          <p:nvPr/>
-        </p:nvSpPr>
-        <p:spPr>
-          <a:xfrm>
-            <a:off x="4414076" y="3726062"/>
-            <a:ext cx="1519333" cy="359399"/>
-          </a:xfrm>
-          <a:prstGeom prst="rect">
-            <a:avLst/>
-          </a:prstGeom>
-          <a:solidFill>
-            <a:schemeClr val="accent2"/>
-          </a:solidFill>
-          <a:ln>
-            <a:noFill/>
-          </a:ln>
-        </p:spPr>
-        <p:txBody>
-          <a:bodyPr spcFirstLastPara="1" wrap="square" lIns="91425" tIns="91425" rIns="91425" bIns="91425" anchor="ctr" anchorCtr="0">
-            <a:noAutofit/>
-          </a:bodyPr>
-          <a:lstStyle/>
-          <a:p>
-            <a:pPr marL="0" lvl="0" indent="0" algn="l" rtl="0">
-              <a:spcBef>
-                <a:spcPts val="0"/>
-              </a:spcBef>
-              <a:spcAft>
-                <a:spcPts val="0"/>
-              </a:spcAft>
-              <a:buNone/>
-            </a:pPr>
-            <a:endParaRPr/>
-          </a:p>
-        </p:txBody>
-      </p:sp>
-      <p:sp>
-        <p:nvSpPr>
-          <p:cNvPr id="12" name="Google Shape;365;p47">
-            <a:extLst>
-              <a:ext uri="{FF2B5EF4-FFF2-40B4-BE49-F238E27FC236}">
-                <a16:creationId xmlns:a16="http://schemas.microsoft.com/office/drawing/2014/main" id="{5507421B-5540-4D85-9BA9-FBB2D1E9DCB1}"/>
-              </a:ext>
-            </a:extLst>
-          </p:cNvPr>
-          <p:cNvSpPr/>
-          <p:nvPr/>
-        </p:nvSpPr>
-        <p:spPr>
-          <a:xfrm>
-            <a:off x="7100798" y="3733565"/>
-            <a:ext cx="1519332" cy="351896"/>
-          </a:xfrm>
-          <a:prstGeom prst="rect">
-            <a:avLst/>
-          </a:prstGeom>
-          <a:solidFill>
-            <a:schemeClr val="accent2"/>
-          </a:solidFill>
-          <a:ln>
-            <a:noFill/>
-          </a:ln>
-        </p:spPr>
-        <p:txBody>
-          <a:bodyPr spcFirstLastPara="1" wrap="square" lIns="91425" tIns="91425" rIns="91425" bIns="91425" anchor="ctr" anchorCtr="0">
-            <a:noAutofit/>
-          </a:bodyPr>
-          <a:lstStyle/>
-          <a:p>
-            <a:pPr marL="0" lvl="0" indent="0" algn="ctr" rtl="0">
-              <a:spcBef>
-                <a:spcPts val="0"/>
-              </a:spcBef>
-              <a:spcAft>
-                <a:spcPts val="0"/>
-              </a:spcAft>
-              <a:buNone/>
-            </a:pPr>
-            <a:r>
-              <a:rPr lang="en" dirty="0">
-                <a:solidFill>
-                  <a:schemeClr val="bg1"/>
-                </a:solidFill>
-                <a:latin typeface="Montserrat"/>
-                <a:ea typeface="Montserrat"/>
-                <a:cs typeface="Montserrat"/>
-                <a:sym typeface="Montserrat"/>
-              </a:rPr>
-              <a:t>21/06/2022</a:t>
-            </a:r>
-          </a:p>
-        </p:txBody>
-      </p:sp>
-      <p:sp>
-        <p:nvSpPr>
-          <p:cNvPr id="13" name="Google Shape;349;p47">
-            <a:extLst>
-              <a:ext uri="{FF2B5EF4-FFF2-40B4-BE49-F238E27FC236}">
-                <a16:creationId xmlns:a16="http://schemas.microsoft.com/office/drawing/2014/main" id="{9EC1FAED-FD65-411E-8742-F9EABD853942}"/>
-              </a:ext>
-            </a:extLst>
-          </p:cNvPr>
-          <p:cNvSpPr txBox="1">
-            <a:spLocks/>
-          </p:cNvSpPr>
-          <p:nvPr/>
-        </p:nvSpPr>
-        <p:spPr>
-          <a:xfrm>
-            <a:off x="1787597" y="3614638"/>
-            <a:ext cx="6772290" cy="572700"/>
-          </a:xfrm>
-          <a:prstGeom prst="rect">
-            <a:avLst/>
-          </a:prstGeom>
-          <a:noFill/>
-          <a:ln>
-            <a:noFill/>
-          </a:ln>
-        </p:spPr>
-        <p:txBody>
-          <a:bodyPr spcFirstLastPara="1" wrap="square" lIns="91425" tIns="91425" rIns="91425" bIns="91425" anchor="t" anchorCtr="0">
-            <a:noAutofit/>
-          </a:bodyPr>
-          <a:lstStyle>
-            <a:defPPr marR="0" lvl="0" algn="l" rtl="0">
-              <a:lnSpc>
-                <a:spcPct val="100000"/>
-              </a:lnSpc>
-              <a:spcBef>
-                <a:spcPts val="0"/>
-              </a:spcBef>
-              <a:spcAft>
-                <a:spcPts val="0"/>
-              </a:spcAft>
-            </a:defPPr>
-            <a:lvl1pPr marR="0" lvl="0" algn="ctr" rtl="0">
-              <a:lnSpc>
-                <a:spcPct val="100000"/>
-              </a:lnSpc>
-              <a:spcBef>
-                <a:spcPts val="0"/>
-              </a:spcBef>
-              <a:spcAft>
-                <a:spcPts val="0"/>
-              </a:spcAft>
-              <a:buClr>
-                <a:schemeClr val="dk1"/>
-              </a:buClr>
-              <a:buSzPts val="9000"/>
-              <a:buFont typeface="Vidaloka"/>
-              <a:buNone/>
-              <a:defRPr sz="9000" b="0" i="0" u="none" strike="noStrike" cap="none">
-                <a:solidFill>
-                  <a:schemeClr val="dk1"/>
-                </a:solidFill>
-                <a:latin typeface="Vidaloka"/>
-                <a:ea typeface="Vidaloka"/>
-                <a:cs typeface="Vidaloka"/>
-                <a:sym typeface="Vidaloka"/>
-              </a:defRPr>
-            </a:lvl1pPr>
-            <a:lvl2pPr marR="0" lvl="1" algn="ctr" rtl="0">
-              <a:lnSpc>
-                <a:spcPct val="100000"/>
-              </a:lnSpc>
-              <a:spcBef>
-                <a:spcPts val="0"/>
-              </a:spcBef>
-              <a:spcAft>
-                <a:spcPts val="0"/>
-              </a:spcAft>
-              <a:buClr>
-                <a:schemeClr val="dk1"/>
-              </a:buClr>
-              <a:buSzPts val="9000"/>
-              <a:buFont typeface="Arial"/>
-              <a:buNone/>
-              <a:defRPr sz="9000" b="0" i="1" u="none" strike="noStrike" cap="none">
-                <a:solidFill>
-                  <a:schemeClr val="dk1"/>
-                </a:solidFill>
-                <a:latin typeface="Arial"/>
-                <a:ea typeface="Arial"/>
-                <a:cs typeface="Arial"/>
-                <a:sym typeface="Arial"/>
-              </a:defRPr>
-            </a:lvl2pPr>
-            <a:lvl3pPr marR="0" lvl="2" algn="ctr" rtl="0">
-              <a:lnSpc>
-                <a:spcPct val="100000"/>
-              </a:lnSpc>
-              <a:spcBef>
-                <a:spcPts val="0"/>
-              </a:spcBef>
-              <a:spcAft>
-                <a:spcPts val="0"/>
-              </a:spcAft>
-              <a:buClr>
-                <a:schemeClr val="dk1"/>
-              </a:buClr>
-              <a:buSzPts val="9000"/>
-              <a:buFont typeface="Arial"/>
-              <a:buNone/>
-              <a:defRPr sz="9000" b="0" i="1" u="none" strike="noStrike" cap="none">
-                <a:solidFill>
-                  <a:schemeClr val="dk1"/>
-                </a:solidFill>
-                <a:latin typeface="Arial"/>
-                <a:ea typeface="Arial"/>
-                <a:cs typeface="Arial"/>
-                <a:sym typeface="Arial"/>
-              </a:defRPr>
-            </a:lvl3pPr>
-            <a:lvl4pPr marR="0" lvl="3" algn="ctr" rtl="0">
-              <a:lnSpc>
-                <a:spcPct val="100000"/>
-              </a:lnSpc>
-              <a:spcBef>
-                <a:spcPts val="0"/>
-              </a:spcBef>
-              <a:spcAft>
-                <a:spcPts val="0"/>
-              </a:spcAft>
-              <a:buClr>
-                <a:schemeClr val="dk1"/>
-              </a:buClr>
-              <a:buSzPts val="9000"/>
-              <a:buFont typeface="Arial"/>
-              <a:buNone/>
-              <a:defRPr sz="9000" b="0" i="1" u="none" strike="noStrike" cap="none">
-                <a:solidFill>
-                  <a:schemeClr val="dk1"/>
-                </a:solidFill>
-                <a:latin typeface="Arial"/>
-                <a:ea typeface="Arial"/>
-                <a:cs typeface="Arial"/>
-                <a:sym typeface="Arial"/>
-              </a:defRPr>
-            </a:lvl4pPr>
-            <a:lvl5pPr marR="0" lvl="4" algn="ctr" rtl="0">
-              <a:lnSpc>
-                <a:spcPct val="100000"/>
-              </a:lnSpc>
-              <a:spcBef>
-                <a:spcPts val="0"/>
-              </a:spcBef>
-              <a:spcAft>
-                <a:spcPts val="0"/>
-              </a:spcAft>
-              <a:buClr>
-                <a:schemeClr val="dk1"/>
-              </a:buClr>
-              <a:buSzPts val="9000"/>
-              <a:buFont typeface="Arial"/>
-              <a:buNone/>
-              <a:defRPr sz="9000" b="0" i="1" u="none" strike="noStrike" cap="none">
-                <a:solidFill>
-                  <a:schemeClr val="dk1"/>
-                </a:solidFill>
-                <a:latin typeface="Arial"/>
-                <a:ea typeface="Arial"/>
-                <a:cs typeface="Arial"/>
-                <a:sym typeface="Arial"/>
-              </a:defRPr>
-            </a:lvl5pPr>
-            <a:lvl6pPr marR="0" lvl="5" algn="ctr" rtl="0">
-              <a:lnSpc>
-                <a:spcPct val="100000"/>
-              </a:lnSpc>
-              <a:spcBef>
-                <a:spcPts val="0"/>
-              </a:spcBef>
-              <a:spcAft>
-                <a:spcPts val="0"/>
-              </a:spcAft>
-              <a:buClr>
-                <a:schemeClr val="dk1"/>
-              </a:buClr>
-              <a:buSzPts val="9000"/>
-              <a:buFont typeface="Arial"/>
-              <a:buNone/>
-              <a:defRPr sz="9000" b="0" i="1" u="none" strike="noStrike" cap="none">
-                <a:solidFill>
-                  <a:schemeClr val="dk1"/>
-                </a:solidFill>
-                <a:latin typeface="Arial"/>
-                <a:ea typeface="Arial"/>
-                <a:cs typeface="Arial"/>
-                <a:sym typeface="Arial"/>
-              </a:defRPr>
-            </a:lvl6pPr>
-            <a:lvl7pPr marR="0" lvl="6" algn="ctr" rtl="0">
-              <a:lnSpc>
-                <a:spcPct val="100000"/>
-              </a:lnSpc>
-              <a:spcBef>
-                <a:spcPts val="0"/>
-              </a:spcBef>
-              <a:spcAft>
-                <a:spcPts val="0"/>
-              </a:spcAft>
-              <a:buClr>
-                <a:schemeClr val="dk1"/>
-              </a:buClr>
-              <a:buSzPts val="9000"/>
-              <a:buFont typeface="Arial"/>
-              <a:buNone/>
-              <a:defRPr sz="9000" b="0" i="1" u="none" strike="noStrike" cap="none">
-                <a:solidFill>
-                  <a:schemeClr val="dk1"/>
-                </a:solidFill>
-                <a:latin typeface="Arial"/>
-                <a:ea typeface="Arial"/>
-                <a:cs typeface="Arial"/>
-                <a:sym typeface="Arial"/>
-              </a:defRPr>
-            </a:lvl7pPr>
-            <a:lvl8pPr marR="0" lvl="7" algn="ctr" rtl="0">
-              <a:lnSpc>
-                <a:spcPct val="100000"/>
-              </a:lnSpc>
-              <a:spcBef>
-                <a:spcPts val="0"/>
-              </a:spcBef>
-              <a:spcAft>
-                <a:spcPts val="0"/>
-              </a:spcAft>
-              <a:buClr>
-                <a:schemeClr val="dk1"/>
-              </a:buClr>
-              <a:buSzPts val="9000"/>
-              <a:buFont typeface="Arial"/>
-              <a:buNone/>
-              <a:defRPr sz="9000" b="0" i="1" u="none" strike="noStrike" cap="none">
-                <a:solidFill>
-                  <a:schemeClr val="dk1"/>
-                </a:solidFill>
-                <a:latin typeface="Arial"/>
-                <a:ea typeface="Arial"/>
-                <a:cs typeface="Arial"/>
-                <a:sym typeface="Arial"/>
-              </a:defRPr>
-            </a:lvl8pPr>
-            <a:lvl9pPr marR="0" lvl="8" algn="ctr" rtl="0">
-              <a:lnSpc>
-                <a:spcPct val="100000"/>
-              </a:lnSpc>
-              <a:spcBef>
-                <a:spcPts val="0"/>
-              </a:spcBef>
-              <a:spcAft>
-                <a:spcPts val="0"/>
-              </a:spcAft>
-              <a:buClr>
-                <a:schemeClr val="dk1"/>
-              </a:buClr>
-              <a:buSzPts val="9000"/>
-              <a:buFont typeface="Arial"/>
-              <a:buNone/>
-              <a:defRPr sz="9000" b="0" i="1" u="none" strike="noStrike" cap="none">
-                <a:solidFill>
-                  <a:schemeClr val="dk1"/>
-                </a:solidFill>
-                <a:latin typeface="Arial"/>
-                <a:ea typeface="Arial"/>
-                <a:cs typeface="Arial"/>
-                <a:sym typeface="Arial"/>
-              </a:defRPr>
-            </a:lvl9pPr>
-          </a:lstStyle>
-          <a:p>
-            <a:pPr algn="l"/>
-            <a:r>
-              <a:rPr lang="en-US" sz="2800" dirty="0"/>
-              <a:t>Schedule</a:t>
-            </a:r>
-          </a:p>
-        </p:txBody>
-      </p:sp>
-      <p:sp>
-        <p:nvSpPr>
-          <p:cNvPr id="14" name="Google Shape;356;p47">
-            <a:extLst>
-              <a:ext uri="{FF2B5EF4-FFF2-40B4-BE49-F238E27FC236}">
-                <a16:creationId xmlns:a16="http://schemas.microsoft.com/office/drawing/2014/main" id="{89BC3A6B-44C8-4C46-9C5B-243F0B2666B8}"/>
-              </a:ext>
-            </a:extLst>
-          </p:cNvPr>
-          <p:cNvSpPr txBox="1"/>
-          <p:nvPr/>
-        </p:nvSpPr>
-        <p:spPr>
-          <a:xfrm>
-            <a:off x="6893261" y="3361363"/>
-            <a:ext cx="1934406" cy="268800"/>
-          </a:xfrm>
-          <a:prstGeom prst="rect">
-            <a:avLst/>
-          </a:prstGeom>
-          <a:noFill/>
-          <a:ln>
-            <a:noFill/>
-          </a:ln>
-        </p:spPr>
-        <p:txBody>
-          <a:bodyPr spcFirstLastPara="1" wrap="square" lIns="91425" tIns="91425" rIns="91425" bIns="91425" anchor="ctr" anchorCtr="0">
-            <a:noAutofit/>
-          </a:bodyPr>
-          <a:lstStyle/>
-          <a:p>
-            <a:pPr marL="0" lvl="0" indent="0" algn="ctr" rtl="0">
-              <a:spcBef>
-                <a:spcPts val="0"/>
-              </a:spcBef>
-              <a:spcAft>
-                <a:spcPts val="0"/>
-              </a:spcAft>
-              <a:buNone/>
-            </a:pPr>
-            <a:r>
-              <a:rPr lang="en-US" sz="2000" dirty="0">
-                <a:solidFill>
-                  <a:schemeClr val="accent2"/>
-                </a:solidFill>
-                <a:latin typeface="Vidaloka"/>
-                <a:ea typeface="Vidaloka"/>
-                <a:cs typeface="Vidaloka"/>
-                <a:sym typeface="Vidaloka"/>
-              </a:rPr>
-              <a:t>End</a:t>
-            </a:r>
-            <a:endParaRPr sz="2000" dirty="0">
-              <a:solidFill>
-                <a:schemeClr val="accent2"/>
-              </a:solidFill>
-              <a:latin typeface="Vidaloka"/>
-              <a:ea typeface="Vidaloka"/>
-              <a:cs typeface="Vidaloka"/>
-              <a:sym typeface="Vidaloka"/>
-            </a:endParaRPr>
-          </a:p>
-        </p:txBody>
-      </p:sp>
-      <p:sp>
-        <p:nvSpPr>
-          <p:cNvPr id="15" name="Google Shape;350;p47">
-            <a:extLst>
-              <a:ext uri="{FF2B5EF4-FFF2-40B4-BE49-F238E27FC236}">
-                <a16:creationId xmlns:a16="http://schemas.microsoft.com/office/drawing/2014/main" id="{D7C95A0F-819F-436B-B058-7743BF2191BE}"/>
-              </a:ext>
-            </a:extLst>
-          </p:cNvPr>
-          <p:cNvSpPr/>
-          <p:nvPr/>
-        </p:nvSpPr>
-        <p:spPr>
-          <a:xfrm>
-            <a:off x="2904050" y="3509848"/>
-            <a:ext cx="1206362" cy="359400"/>
-          </a:xfrm>
-          <a:prstGeom prst="rect">
-            <a:avLst/>
-          </a:prstGeom>
-          <a:noFill/>
-          <a:ln>
-            <a:noFill/>
-          </a:ln>
-        </p:spPr>
-        <p:txBody>
-          <a:bodyPr spcFirstLastPara="1" wrap="square" lIns="91425" tIns="91425" rIns="91425" bIns="91425" anchor="ctr" anchorCtr="0">
-            <a:noAutofit/>
-          </a:bodyPr>
-          <a:lstStyle/>
-          <a:p>
-            <a:pPr marL="0" lvl="0" indent="0" algn="ctr" rtl="0">
-              <a:spcBef>
-                <a:spcPts val="0"/>
-              </a:spcBef>
-              <a:spcAft>
-                <a:spcPts val="0"/>
-              </a:spcAft>
-              <a:buNone/>
-            </a:pPr>
-            <a:r>
-              <a:rPr lang="en" dirty="0">
-                <a:solidFill>
-                  <a:schemeClr val="bg1"/>
-                </a:solidFill>
-                <a:latin typeface="Montserrat"/>
-                <a:ea typeface="Montserrat"/>
-                <a:cs typeface="Montserrat"/>
-                <a:sym typeface="Montserrat"/>
-              </a:rPr>
-              <a:t>06/04/2022</a:t>
-            </a:r>
-            <a:endParaRPr dirty="0">
-              <a:solidFill>
-                <a:schemeClr val="bg1"/>
-              </a:solidFill>
-              <a:latin typeface="Montserrat"/>
-              <a:ea typeface="Montserrat"/>
-              <a:cs typeface="Montserrat"/>
-              <a:sym typeface="Montserrat"/>
-            </a:endParaRPr>
-          </a:p>
-        </p:txBody>
-      </p:sp>
-      <p:sp>
-        <p:nvSpPr>
-          <p:cNvPr id="16" name="Google Shape;350;p47">
-            <a:extLst>
-              <a:ext uri="{FF2B5EF4-FFF2-40B4-BE49-F238E27FC236}">
-                <a16:creationId xmlns:a16="http://schemas.microsoft.com/office/drawing/2014/main" id="{6F36C7D1-AFED-4BC7-9A6A-CF8996842DFA}"/>
-              </a:ext>
-            </a:extLst>
-          </p:cNvPr>
-          <p:cNvSpPr/>
-          <p:nvPr/>
-        </p:nvSpPr>
-        <p:spPr>
-          <a:xfrm>
-            <a:off x="4570562" y="3751739"/>
-            <a:ext cx="1206362" cy="359400"/>
-          </a:xfrm>
-          <a:prstGeom prst="rect">
-            <a:avLst/>
-          </a:prstGeom>
-          <a:noFill/>
-          <a:ln>
-            <a:noFill/>
-          </a:ln>
-        </p:spPr>
-        <p:txBody>
-          <a:bodyPr spcFirstLastPara="1" wrap="square" lIns="91425" tIns="91425" rIns="91425" bIns="91425" anchor="ctr" anchorCtr="0">
-            <a:noAutofit/>
-          </a:bodyPr>
-          <a:lstStyle/>
-          <a:p>
-            <a:pPr marL="0" lvl="0" indent="0" algn="ctr" rtl="0">
-              <a:spcBef>
-                <a:spcPts val="0"/>
-              </a:spcBef>
-              <a:spcAft>
-                <a:spcPts val="0"/>
-              </a:spcAft>
-              <a:buNone/>
-            </a:pPr>
-            <a:r>
-              <a:rPr lang="en" dirty="0">
-                <a:solidFill>
-                  <a:schemeClr val="bg1"/>
-                </a:solidFill>
-                <a:latin typeface="Montserrat"/>
-                <a:ea typeface="Montserrat"/>
-                <a:cs typeface="Montserrat"/>
-                <a:sym typeface="Montserrat"/>
-              </a:rPr>
-              <a:t>03/06/2022</a:t>
-            </a:r>
-            <a:endParaRPr dirty="0">
-              <a:solidFill>
-                <a:schemeClr val="bg1"/>
-              </a:solidFill>
-              <a:latin typeface="Montserrat"/>
-              <a:ea typeface="Montserrat"/>
-              <a:cs typeface="Montserrat"/>
-              <a:sym typeface="Montserrat"/>
-            </a:endParaRPr>
-          </a:p>
-        </p:txBody>
-      </p:sp>
-      <p:sp>
-        <p:nvSpPr>
           <p:cNvPr id="17" name="TextBox 16">
             <a:extLst>
               <a:ext uri="{FF2B5EF4-FFF2-40B4-BE49-F238E27FC236}">
-                <a16:creationId xmlns:a16="http://schemas.microsoft.com/office/drawing/2014/main" id="{D9566D30-0456-4D05-B455-52EE68833EBE}"/>
+                <a16:creationId xmlns:a16="http://schemas.microsoft.com/office/drawing/2014/main" id="{8B96F628-3C0A-4D4F-9B59-3A756D9E0037}"/>
               </a:ext>
             </a:extLst>
           </p:cNvPr>
@@ -17005,7 +18930,7 @@
         <p:spPr>
           <a:xfrm>
             <a:off x="8752114" y="4601029"/>
-            <a:ext cx="261257" cy="307777"/>
+            <a:ext cx="261257" cy="523220"/>
           </a:xfrm>
           <a:prstGeom prst="rect">
             <a:avLst/>
@@ -17023,12 +18948,93 @@
               <a:t>8</a:t>
             </a:r>
           </a:p>
+          <a:p>
+            <a:endParaRPr lang="en-US" dirty="0"/>
+          </a:p>
+        </p:txBody>
+      </p:sp>
+      <p:pic>
+        <p:nvPicPr>
+          <p:cNvPr id="5" name="Picture 4" descr="Graphical user interface, text, application&#10;&#10;Description automatically generated">
+            <a:extLst>
+              <a:ext uri="{FF2B5EF4-FFF2-40B4-BE49-F238E27FC236}">
+                <a16:creationId xmlns:a16="http://schemas.microsoft.com/office/drawing/2014/main" id="{3542B8D8-2549-B2FB-556B-AAF0A84ED39C}"/>
+              </a:ext>
+            </a:extLst>
+          </p:cNvPr>
+          <p:cNvPicPr>
+            <a:picLocks noChangeAspect="1"/>
+          </p:cNvPicPr>
+          <p:nvPr/>
+        </p:nvPicPr>
+        <p:blipFill>
+          <a:blip r:embed="rId3"/>
+          <a:stretch>
+            <a:fillRect/>
+          </a:stretch>
+        </p:blipFill>
+        <p:spPr>
+          <a:xfrm>
+            <a:off x="237520" y="1188897"/>
+            <a:ext cx="8668960" cy="3218587"/>
+          </a:xfrm>
+          <a:prstGeom prst="rect">
+            <a:avLst/>
+          </a:prstGeom>
+        </p:spPr>
+      </p:pic>
+      <p:sp>
+        <p:nvSpPr>
+          <p:cNvPr id="20" name="Google Shape;292;p41">
+            <a:extLst>
+              <a:ext uri="{FF2B5EF4-FFF2-40B4-BE49-F238E27FC236}">
+                <a16:creationId xmlns:a16="http://schemas.microsoft.com/office/drawing/2014/main" id="{B9931FB4-99DB-7BBC-5E7F-D4B1F9B5248D}"/>
+              </a:ext>
+            </a:extLst>
+          </p:cNvPr>
+          <p:cNvSpPr txBox="1">
+            <a:spLocks noGrp="1"/>
+          </p:cNvSpPr>
+          <p:nvPr>
+            <p:ph type="subTitle" idx="1"/>
+          </p:nvPr>
+        </p:nvSpPr>
+        <p:spPr>
+          <a:xfrm>
+            <a:off x="1644480" y="4354406"/>
+            <a:ext cx="5431233" cy="554400"/>
+          </a:xfrm>
+          <a:prstGeom prst="rect">
+            <a:avLst/>
+          </a:prstGeom>
+        </p:spPr>
+        <p:txBody>
+          <a:bodyPr spcFirstLastPara="1" wrap="square" lIns="91425" tIns="91425" rIns="91425" bIns="91425" anchor="t" anchorCtr="0">
+            <a:noAutofit/>
+          </a:bodyPr>
+          <a:lstStyle/>
+          <a:p>
+            <a:pPr marL="0" lvl="0" indent="0" algn="ctr" rtl="0">
+              <a:spcBef>
+                <a:spcPts val="0"/>
+              </a:spcBef>
+              <a:spcAft>
+                <a:spcPts val="0"/>
+              </a:spcAft>
+              <a:buNone/>
+            </a:pPr>
+            <a:r>
+              <a:rPr lang="en-US" dirty="0"/>
+              <a:t>Searching within pdf Sample</a:t>
+            </a:r>
+            <a:endParaRPr dirty="0"/>
+          </a:p>
         </p:txBody>
       </p:sp>
     </p:spTree>
     <p:extLst>
       <p:ext uri="{BB962C8B-B14F-4D97-AF65-F5344CB8AC3E}">
-        <p14:creationId xmlns:p14="http://schemas.microsoft.com/office/powerpoint/2010/main" val="1711423419"/>
+        <p14:creationId xmlns:p14="http://schemas.microsoft.com/office/powerpoint/2010/main" val="241329211"/>
       </p:ext>
     </p:extLst>
   </p:cSld>
@@ -17067,7 +19073,7 @@
         </p:nvSpPr>
         <p:spPr>
           <a:xfrm>
-            <a:off x="-706683" y="125950"/>
+            <a:off x="-191426" y="63897"/>
             <a:ext cx="5154300" cy="1125000"/>
           </a:xfrm>
           <a:prstGeom prst="rect">
@@ -17092,7 +19098,7 @@
                   <a:noFill/>
                 </a:uFill>
               </a:rPr>
-              <a:t>User access management</a:t>
+              <a:t>Creation of a smart search engine</a:t>
             </a:r>
             <a:endParaRPr lang="en-US" dirty="0">
               <a:solidFill>
@@ -17107,1510 +19113,10 @@
       </p:sp>
       <p:sp>
         <p:nvSpPr>
-          <p:cNvPr id="292" name="Google Shape;292;p41"/>
-          <p:cNvSpPr txBox="1">
-            <a:spLocks noGrp="1"/>
-          </p:cNvSpPr>
-          <p:nvPr>
-            <p:ph type="subTitle" idx="1"/>
-          </p:nvPr>
-        </p:nvSpPr>
-        <p:spPr>
-          <a:xfrm>
-            <a:off x="113223" y="973750"/>
-            <a:ext cx="8496730" cy="554400"/>
-          </a:xfrm>
-          <a:prstGeom prst="rect">
-            <a:avLst/>
-          </a:prstGeom>
-        </p:spPr>
-        <p:txBody>
-          <a:bodyPr spcFirstLastPara="1" wrap="square" lIns="91425" tIns="91425" rIns="91425" bIns="91425" anchor="t" anchorCtr="0">
-            <a:noAutofit/>
-          </a:bodyPr>
-          <a:lstStyle/>
-          <a:p>
-            <a:pPr marL="0" lvl="0" indent="0" algn="l" rtl="0">
-              <a:spcBef>
-                <a:spcPts val="0"/>
-              </a:spcBef>
-              <a:spcAft>
-                <a:spcPts val="0"/>
-              </a:spcAft>
-              <a:buNone/>
-            </a:pPr>
-            <a:r>
-              <a:rPr lang="en" dirty="0"/>
-              <a:t>As a user </a:t>
-            </a:r>
-            <a:r>
-              <a:rPr lang="en-US" dirty="0"/>
-              <a:t>I</a:t>
-            </a:r>
-            <a:r>
-              <a:rPr lang="en" dirty="0"/>
-              <a:t> need  to login or Sign-up so </a:t>
-            </a:r>
-            <a:r>
-              <a:rPr lang="en-US" dirty="0"/>
-              <a:t>I</a:t>
-            </a:r>
-            <a:r>
-              <a:rPr lang="en" dirty="0"/>
-              <a:t> access the application</a:t>
-            </a:r>
-            <a:endParaRPr dirty="0"/>
-          </a:p>
-        </p:txBody>
-      </p:sp>
-      <p:sp>
-        <p:nvSpPr>
-          <p:cNvPr id="7" name="Google Shape;850;p72">
-            <a:extLst>
-              <a:ext uri="{FF2B5EF4-FFF2-40B4-BE49-F238E27FC236}">
-                <a16:creationId xmlns:a16="http://schemas.microsoft.com/office/drawing/2014/main" id="{0C31F0BB-D86E-4273-9726-E88B21379F3C}"/>
-              </a:ext>
-            </a:extLst>
-          </p:cNvPr>
-          <p:cNvSpPr txBox="1">
-            <a:spLocks/>
-          </p:cNvSpPr>
-          <p:nvPr/>
-        </p:nvSpPr>
-        <p:spPr>
-          <a:xfrm>
-            <a:off x="509649" y="1198726"/>
-            <a:ext cx="7325381" cy="2402100"/>
-          </a:xfrm>
-          <a:prstGeom prst="rect">
-            <a:avLst/>
-          </a:prstGeom>
-        </p:spPr>
-        <p:txBody>
-          <a:bodyPr spcFirstLastPara="1" wrap="square" lIns="91425" tIns="91425" rIns="91425" bIns="91425" anchor="t" anchorCtr="0">
-            <a:noAutofit/>
-          </a:bodyPr>
-          <a:lstStyle>
-            <a:defPPr marR="0" lvl="0" algn="l" rtl="0">
-              <a:lnSpc>
-                <a:spcPct val="100000"/>
-              </a:lnSpc>
-              <a:spcBef>
-                <a:spcPts val="0"/>
-              </a:spcBef>
-              <a:spcAft>
-                <a:spcPts val="0"/>
-              </a:spcAft>
-            </a:defPPr>
-            <a:lvl1pPr marR="0" lvl="0" algn="l" rtl="0">
-              <a:lnSpc>
-                <a:spcPct val="100000"/>
-              </a:lnSpc>
-              <a:spcBef>
-                <a:spcPts val="0"/>
-              </a:spcBef>
-              <a:spcAft>
-                <a:spcPts val="0"/>
-              </a:spcAft>
-              <a:buClr>
-                <a:srgbClr val="000000"/>
-              </a:buClr>
-              <a:buFont typeface="Arial"/>
-              <a:defRPr sz="1400" b="0" i="0" u="none" strike="noStrike" cap="none">
-                <a:solidFill>
-                  <a:srgbClr val="000000"/>
-                </a:solidFill>
-                <a:latin typeface="Arial"/>
-                <a:ea typeface="Arial"/>
-                <a:cs typeface="Arial"/>
-                <a:sym typeface="Arial"/>
-              </a:defRPr>
-            </a:lvl1pPr>
-            <a:lvl2pPr marR="0" lvl="1" algn="l" rtl="0">
-              <a:lnSpc>
-                <a:spcPct val="100000"/>
-              </a:lnSpc>
-              <a:spcBef>
-                <a:spcPts val="0"/>
-              </a:spcBef>
-              <a:spcAft>
-                <a:spcPts val="0"/>
-              </a:spcAft>
-              <a:buClr>
-                <a:srgbClr val="000000"/>
-              </a:buClr>
-              <a:buFont typeface="Arial"/>
-              <a:defRPr sz="1400" b="0" i="0" u="none" strike="noStrike" cap="none">
-                <a:solidFill>
-                  <a:srgbClr val="000000"/>
-                </a:solidFill>
-                <a:latin typeface="Arial"/>
-                <a:ea typeface="Arial"/>
-                <a:cs typeface="Arial"/>
-                <a:sym typeface="Arial"/>
-              </a:defRPr>
-            </a:lvl2pPr>
-            <a:lvl3pPr marR="0" lvl="2" algn="l" rtl="0">
-              <a:lnSpc>
-                <a:spcPct val="100000"/>
-              </a:lnSpc>
-              <a:spcBef>
-                <a:spcPts val="0"/>
-              </a:spcBef>
-              <a:spcAft>
-                <a:spcPts val="0"/>
-              </a:spcAft>
-              <a:buClr>
-                <a:srgbClr val="000000"/>
-              </a:buClr>
-              <a:buFont typeface="Arial"/>
-              <a:defRPr sz="1400" b="0" i="0" u="none" strike="noStrike" cap="none">
-                <a:solidFill>
-                  <a:srgbClr val="000000"/>
-                </a:solidFill>
-                <a:latin typeface="Arial"/>
-                <a:ea typeface="Arial"/>
-                <a:cs typeface="Arial"/>
-                <a:sym typeface="Arial"/>
-              </a:defRPr>
-            </a:lvl3pPr>
-            <a:lvl4pPr marR="0" lvl="3" algn="l" rtl="0">
-              <a:lnSpc>
-                <a:spcPct val="100000"/>
-              </a:lnSpc>
-              <a:spcBef>
-                <a:spcPts val="0"/>
-              </a:spcBef>
-              <a:spcAft>
-                <a:spcPts val="0"/>
-              </a:spcAft>
-              <a:buClr>
-                <a:srgbClr val="000000"/>
-              </a:buClr>
-              <a:buFont typeface="Arial"/>
-              <a:defRPr sz="1400" b="0" i="0" u="none" strike="noStrike" cap="none">
-                <a:solidFill>
-                  <a:srgbClr val="000000"/>
-                </a:solidFill>
-                <a:latin typeface="Arial"/>
-                <a:ea typeface="Arial"/>
-                <a:cs typeface="Arial"/>
-                <a:sym typeface="Arial"/>
-              </a:defRPr>
-            </a:lvl4pPr>
-            <a:lvl5pPr marR="0" lvl="4" algn="l" rtl="0">
-              <a:lnSpc>
-                <a:spcPct val="100000"/>
-              </a:lnSpc>
-              <a:spcBef>
-                <a:spcPts val="0"/>
-              </a:spcBef>
-              <a:spcAft>
-                <a:spcPts val="0"/>
-              </a:spcAft>
-              <a:buClr>
-                <a:srgbClr val="000000"/>
-              </a:buClr>
-              <a:buFont typeface="Arial"/>
-              <a:defRPr sz="1400" b="0" i="0" u="none" strike="noStrike" cap="none">
-                <a:solidFill>
-                  <a:srgbClr val="000000"/>
-                </a:solidFill>
-                <a:latin typeface="Arial"/>
-                <a:ea typeface="Arial"/>
-                <a:cs typeface="Arial"/>
-                <a:sym typeface="Arial"/>
-              </a:defRPr>
-            </a:lvl5pPr>
-            <a:lvl6pPr marR="0" lvl="5" algn="l" rtl="0">
-              <a:lnSpc>
-                <a:spcPct val="100000"/>
-              </a:lnSpc>
-              <a:spcBef>
-                <a:spcPts val="0"/>
-              </a:spcBef>
-              <a:spcAft>
-                <a:spcPts val="0"/>
-              </a:spcAft>
-              <a:buClr>
-                <a:srgbClr val="000000"/>
-              </a:buClr>
-              <a:buFont typeface="Arial"/>
-              <a:defRPr sz="1400" b="0" i="0" u="none" strike="noStrike" cap="none">
-                <a:solidFill>
-                  <a:srgbClr val="000000"/>
-                </a:solidFill>
-                <a:latin typeface="Arial"/>
-                <a:ea typeface="Arial"/>
-                <a:cs typeface="Arial"/>
-                <a:sym typeface="Arial"/>
-              </a:defRPr>
-            </a:lvl6pPr>
-            <a:lvl7pPr marR="0" lvl="6" algn="l" rtl="0">
-              <a:lnSpc>
-                <a:spcPct val="100000"/>
-              </a:lnSpc>
-              <a:spcBef>
-                <a:spcPts val="0"/>
-              </a:spcBef>
-              <a:spcAft>
-                <a:spcPts val="0"/>
-              </a:spcAft>
-              <a:buClr>
-                <a:srgbClr val="000000"/>
-              </a:buClr>
-              <a:buFont typeface="Arial"/>
-              <a:defRPr sz="1400" b="0" i="0" u="none" strike="noStrike" cap="none">
-                <a:solidFill>
-                  <a:srgbClr val="000000"/>
-                </a:solidFill>
-                <a:latin typeface="Arial"/>
-                <a:ea typeface="Arial"/>
-                <a:cs typeface="Arial"/>
-                <a:sym typeface="Arial"/>
-              </a:defRPr>
-            </a:lvl7pPr>
-            <a:lvl8pPr marR="0" lvl="7" algn="l" rtl="0">
-              <a:lnSpc>
-                <a:spcPct val="100000"/>
-              </a:lnSpc>
-              <a:spcBef>
-                <a:spcPts val="0"/>
-              </a:spcBef>
-              <a:spcAft>
-                <a:spcPts val="0"/>
-              </a:spcAft>
-              <a:buClr>
-                <a:srgbClr val="000000"/>
-              </a:buClr>
-              <a:buFont typeface="Arial"/>
-              <a:defRPr sz="1400" b="0" i="0" u="none" strike="noStrike" cap="none">
-                <a:solidFill>
-                  <a:srgbClr val="000000"/>
-                </a:solidFill>
-                <a:latin typeface="Arial"/>
-                <a:ea typeface="Arial"/>
-                <a:cs typeface="Arial"/>
-                <a:sym typeface="Arial"/>
-              </a:defRPr>
-            </a:lvl8pPr>
-            <a:lvl9pPr marR="0" lvl="8" algn="l" rtl="0">
-              <a:lnSpc>
-                <a:spcPct val="100000"/>
-              </a:lnSpc>
-              <a:spcBef>
-                <a:spcPts val="0"/>
-              </a:spcBef>
-              <a:spcAft>
-                <a:spcPts val="0"/>
-              </a:spcAft>
-              <a:buClr>
-                <a:srgbClr val="000000"/>
-              </a:buClr>
-              <a:buFont typeface="Arial"/>
-              <a:defRPr sz="1400" b="0" i="0" u="none" strike="noStrike" cap="none">
-                <a:solidFill>
-                  <a:srgbClr val="000000"/>
-                </a:solidFill>
-                <a:latin typeface="Arial"/>
-                <a:ea typeface="Arial"/>
-                <a:cs typeface="Arial"/>
-                <a:sym typeface="Arial"/>
-              </a:defRPr>
-            </a:lvl9pPr>
-          </a:lstStyle>
-          <a:p>
-            <a:pPr indent="-330200">
-              <a:buSzPts val="1600"/>
-            </a:pPr>
-            <a:endParaRPr lang="en-US" dirty="0">
-              <a:solidFill>
-                <a:schemeClr val="hlink"/>
-              </a:solidFill>
-              <a:uFill>
-                <a:noFill/>
-              </a:uFill>
-            </a:endParaRPr>
-          </a:p>
-          <a:p>
-            <a:pPr indent="-330200">
-              <a:buSzPts val="1600"/>
-            </a:pPr>
-            <a:endParaRPr lang="en-US" dirty="0">
-              <a:solidFill>
-                <a:schemeClr val="hlink"/>
-              </a:solidFill>
-              <a:uFill>
-                <a:noFill/>
-              </a:uFill>
-            </a:endParaRPr>
-          </a:p>
-          <a:p>
-            <a:pPr indent="-330200">
-              <a:buSzPts val="1600"/>
-            </a:pPr>
-            <a:endParaRPr lang="en-US" dirty="0">
-              <a:solidFill>
-                <a:schemeClr val="hlink"/>
-              </a:solidFill>
-              <a:uFill>
-                <a:noFill/>
-              </a:uFill>
-            </a:endParaRPr>
-          </a:p>
-          <a:p>
-            <a:pPr indent="-330200">
-              <a:buSzPts val="1600"/>
-            </a:pPr>
-            <a:endParaRPr lang="en-US" dirty="0">
-              <a:solidFill>
-                <a:schemeClr val="hlink"/>
-              </a:solidFill>
-              <a:uFill>
-                <a:noFill/>
-              </a:uFill>
-            </a:endParaRPr>
-          </a:p>
-          <a:p>
-            <a:pPr marL="457200" indent="-330200">
-              <a:buSzPts val="1600"/>
-              <a:buFont typeface="Arial"/>
-              <a:buChar char="●"/>
-            </a:pPr>
-            <a:r>
-              <a:rPr lang="en-US" dirty="0">
-                <a:solidFill>
-                  <a:schemeClr val="hlink"/>
-                </a:solidFill>
-                <a:uFill>
-                  <a:noFill/>
-                </a:uFill>
-              </a:rPr>
-              <a:t>Create a sign in GUI.</a:t>
-            </a:r>
-          </a:p>
-          <a:p>
-            <a:pPr marL="457200" indent="-330200">
-              <a:buSzPts val="1600"/>
-              <a:buFont typeface="Arial"/>
-              <a:buChar char="●"/>
-            </a:pPr>
-            <a:r>
-              <a:rPr lang="en-US" dirty="0">
-                <a:solidFill>
-                  <a:schemeClr val="hlink"/>
-                </a:solidFill>
-                <a:uFill>
-                  <a:noFill/>
-                </a:uFill>
-              </a:rPr>
-              <a:t>Create a sign-up GUI.</a:t>
-            </a:r>
-          </a:p>
-          <a:p>
-            <a:pPr marL="457200" indent="-330200">
-              <a:buSzPts val="1600"/>
-              <a:buFont typeface="Arial"/>
-              <a:buChar char="●"/>
-            </a:pPr>
-            <a:r>
-              <a:rPr lang="en-US" dirty="0">
-                <a:solidFill>
-                  <a:schemeClr val="hlink"/>
-                </a:solidFill>
-                <a:uFill>
-                  <a:noFill/>
-                </a:uFill>
-              </a:rPr>
-              <a:t>Create a reset password GUI.</a:t>
-            </a:r>
-          </a:p>
-          <a:p>
-            <a:pPr marL="457200" indent="-330200">
-              <a:buSzPts val="1600"/>
-              <a:buFont typeface="Arial"/>
-              <a:buChar char="●"/>
-            </a:pPr>
-            <a:r>
-              <a:rPr lang="en-US" dirty="0">
-                <a:solidFill>
-                  <a:schemeClr val="hlink"/>
-                </a:solidFill>
-                <a:uFill>
-                  <a:noFill/>
-                </a:uFill>
-              </a:rPr>
-              <a:t>Create an approval system managed by the administrator for the signed-up users.</a:t>
-            </a:r>
-          </a:p>
-          <a:p>
-            <a:pPr marL="457200" indent="-330200">
-              <a:buSzPts val="1600"/>
-              <a:buFont typeface="Arial"/>
-              <a:buChar char="●"/>
-            </a:pPr>
-            <a:r>
-              <a:rPr lang="en-US" dirty="0">
-                <a:solidFill>
-                  <a:schemeClr val="hlink"/>
-                </a:solidFill>
-                <a:uFill>
-                  <a:noFill/>
-                </a:uFill>
-              </a:rPr>
-              <a:t>Create the rest of the GUI and link it to the program.</a:t>
-            </a:r>
-          </a:p>
-          <a:p>
-            <a:pPr marL="139700">
-              <a:buSzPts val="1400"/>
-            </a:pPr>
-            <a:endParaRPr lang="en-US" dirty="0"/>
-          </a:p>
-        </p:txBody>
-      </p:sp>
-      <p:sp>
-        <p:nvSpPr>
-          <p:cNvPr id="8" name="Google Shape;291;p41">
-            <a:extLst>
-              <a:ext uri="{FF2B5EF4-FFF2-40B4-BE49-F238E27FC236}">
-                <a16:creationId xmlns:a16="http://schemas.microsoft.com/office/drawing/2014/main" id="{D264A355-A468-45DD-BE14-8A2DFB94153C}"/>
-              </a:ext>
-            </a:extLst>
-          </p:cNvPr>
-          <p:cNvSpPr txBox="1">
-            <a:spLocks/>
-          </p:cNvSpPr>
-          <p:nvPr/>
-        </p:nvSpPr>
-        <p:spPr>
-          <a:xfrm>
-            <a:off x="-1153493" y="1250950"/>
-            <a:ext cx="5154300" cy="1125000"/>
-          </a:xfrm>
-          <a:prstGeom prst="rect">
-            <a:avLst/>
-          </a:prstGeom>
-          <a:noFill/>
-          <a:ln>
-            <a:noFill/>
-          </a:ln>
-        </p:spPr>
-        <p:txBody>
-          <a:bodyPr spcFirstLastPara="1" wrap="square" lIns="91425" tIns="91425" rIns="91425" bIns="91425" anchor="ctr" anchorCtr="0">
-            <a:noAutofit/>
-          </a:bodyPr>
-          <a:lstStyle>
-            <a:defPPr marR="0" lvl="0" algn="l" rtl="0">
-              <a:lnSpc>
-                <a:spcPct val="100000"/>
-              </a:lnSpc>
-              <a:spcBef>
-                <a:spcPts val="0"/>
-              </a:spcBef>
-              <a:spcAft>
-                <a:spcPts val="0"/>
-              </a:spcAft>
-            </a:defPPr>
-            <a:lvl1pPr marR="0" lvl="0" algn="ctr" rtl="0">
-              <a:lnSpc>
-                <a:spcPct val="100000"/>
-              </a:lnSpc>
-              <a:spcBef>
-                <a:spcPts val="0"/>
-              </a:spcBef>
-              <a:spcAft>
-                <a:spcPts val="0"/>
-              </a:spcAft>
-              <a:buClr>
-                <a:schemeClr val="dk1"/>
-              </a:buClr>
-              <a:buSzPts val="9000"/>
-              <a:buFont typeface="Vidaloka"/>
-              <a:buNone/>
-              <a:defRPr sz="9000" b="0" i="0" u="none" strike="noStrike" cap="none">
-                <a:solidFill>
-                  <a:schemeClr val="dk1"/>
-                </a:solidFill>
-                <a:latin typeface="Vidaloka"/>
-                <a:ea typeface="Vidaloka"/>
-                <a:cs typeface="Vidaloka"/>
-                <a:sym typeface="Vidaloka"/>
-              </a:defRPr>
-            </a:lvl1pPr>
-            <a:lvl2pPr marR="0" lvl="1" algn="ctr" rtl="0">
-              <a:lnSpc>
-                <a:spcPct val="100000"/>
-              </a:lnSpc>
-              <a:spcBef>
-                <a:spcPts val="0"/>
-              </a:spcBef>
-              <a:spcAft>
-                <a:spcPts val="0"/>
-              </a:spcAft>
-              <a:buClr>
-                <a:schemeClr val="dk1"/>
-              </a:buClr>
-              <a:buSzPts val="9000"/>
-              <a:buFont typeface="Arial"/>
-              <a:buNone/>
-              <a:defRPr sz="9000" b="0" i="1" u="none" strike="noStrike" cap="none">
-                <a:solidFill>
-                  <a:schemeClr val="dk1"/>
-                </a:solidFill>
-                <a:latin typeface="Arial"/>
-                <a:ea typeface="Arial"/>
-                <a:cs typeface="Arial"/>
-                <a:sym typeface="Arial"/>
-              </a:defRPr>
-            </a:lvl2pPr>
-            <a:lvl3pPr marR="0" lvl="2" algn="ctr" rtl="0">
-              <a:lnSpc>
-                <a:spcPct val="100000"/>
-              </a:lnSpc>
-              <a:spcBef>
-                <a:spcPts val="0"/>
-              </a:spcBef>
-              <a:spcAft>
-                <a:spcPts val="0"/>
-              </a:spcAft>
-              <a:buClr>
-                <a:schemeClr val="dk1"/>
-              </a:buClr>
-              <a:buSzPts val="9000"/>
-              <a:buFont typeface="Arial"/>
-              <a:buNone/>
-              <a:defRPr sz="9000" b="0" i="1" u="none" strike="noStrike" cap="none">
-                <a:solidFill>
-                  <a:schemeClr val="dk1"/>
-                </a:solidFill>
-                <a:latin typeface="Arial"/>
-                <a:ea typeface="Arial"/>
-                <a:cs typeface="Arial"/>
-                <a:sym typeface="Arial"/>
-              </a:defRPr>
-            </a:lvl3pPr>
-            <a:lvl4pPr marR="0" lvl="3" algn="ctr" rtl="0">
-              <a:lnSpc>
-                <a:spcPct val="100000"/>
-              </a:lnSpc>
-              <a:spcBef>
-                <a:spcPts val="0"/>
-              </a:spcBef>
-              <a:spcAft>
-                <a:spcPts val="0"/>
-              </a:spcAft>
-              <a:buClr>
-                <a:schemeClr val="dk1"/>
-              </a:buClr>
-              <a:buSzPts val="9000"/>
-              <a:buFont typeface="Arial"/>
-              <a:buNone/>
-              <a:defRPr sz="9000" b="0" i="1" u="none" strike="noStrike" cap="none">
-                <a:solidFill>
-                  <a:schemeClr val="dk1"/>
-                </a:solidFill>
-                <a:latin typeface="Arial"/>
-                <a:ea typeface="Arial"/>
-                <a:cs typeface="Arial"/>
-                <a:sym typeface="Arial"/>
-              </a:defRPr>
-            </a:lvl4pPr>
-            <a:lvl5pPr marR="0" lvl="4" algn="ctr" rtl="0">
-              <a:lnSpc>
-                <a:spcPct val="100000"/>
-              </a:lnSpc>
-              <a:spcBef>
-                <a:spcPts val="0"/>
-              </a:spcBef>
-              <a:spcAft>
-                <a:spcPts val="0"/>
-              </a:spcAft>
-              <a:buClr>
-                <a:schemeClr val="dk1"/>
-              </a:buClr>
-              <a:buSzPts val="9000"/>
-              <a:buFont typeface="Arial"/>
-              <a:buNone/>
-              <a:defRPr sz="9000" b="0" i="1" u="none" strike="noStrike" cap="none">
-                <a:solidFill>
-                  <a:schemeClr val="dk1"/>
-                </a:solidFill>
-                <a:latin typeface="Arial"/>
-                <a:ea typeface="Arial"/>
-                <a:cs typeface="Arial"/>
-                <a:sym typeface="Arial"/>
-              </a:defRPr>
-            </a:lvl5pPr>
-            <a:lvl6pPr marR="0" lvl="5" algn="ctr" rtl="0">
-              <a:lnSpc>
-                <a:spcPct val="100000"/>
-              </a:lnSpc>
-              <a:spcBef>
-                <a:spcPts val="0"/>
-              </a:spcBef>
-              <a:spcAft>
-                <a:spcPts val="0"/>
-              </a:spcAft>
-              <a:buClr>
-                <a:schemeClr val="dk1"/>
-              </a:buClr>
-              <a:buSzPts val="9000"/>
-              <a:buFont typeface="Arial"/>
-              <a:buNone/>
-              <a:defRPr sz="9000" b="0" i="1" u="none" strike="noStrike" cap="none">
-                <a:solidFill>
-                  <a:schemeClr val="dk1"/>
-                </a:solidFill>
-                <a:latin typeface="Arial"/>
-                <a:ea typeface="Arial"/>
-                <a:cs typeface="Arial"/>
-                <a:sym typeface="Arial"/>
-              </a:defRPr>
-            </a:lvl6pPr>
-            <a:lvl7pPr marR="0" lvl="6" algn="ctr" rtl="0">
-              <a:lnSpc>
-                <a:spcPct val="100000"/>
-              </a:lnSpc>
-              <a:spcBef>
-                <a:spcPts val="0"/>
-              </a:spcBef>
-              <a:spcAft>
-                <a:spcPts val="0"/>
-              </a:spcAft>
-              <a:buClr>
-                <a:schemeClr val="dk1"/>
-              </a:buClr>
-              <a:buSzPts val="9000"/>
-              <a:buFont typeface="Arial"/>
-              <a:buNone/>
-              <a:defRPr sz="9000" b="0" i="1" u="none" strike="noStrike" cap="none">
-                <a:solidFill>
-                  <a:schemeClr val="dk1"/>
-                </a:solidFill>
-                <a:latin typeface="Arial"/>
-                <a:ea typeface="Arial"/>
-                <a:cs typeface="Arial"/>
-                <a:sym typeface="Arial"/>
-              </a:defRPr>
-            </a:lvl7pPr>
-            <a:lvl8pPr marR="0" lvl="7" algn="ctr" rtl="0">
-              <a:lnSpc>
-                <a:spcPct val="100000"/>
-              </a:lnSpc>
-              <a:spcBef>
-                <a:spcPts val="0"/>
-              </a:spcBef>
-              <a:spcAft>
-                <a:spcPts val="0"/>
-              </a:spcAft>
-              <a:buClr>
-                <a:schemeClr val="dk1"/>
-              </a:buClr>
-              <a:buSzPts val="9000"/>
-              <a:buFont typeface="Arial"/>
-              <a:buNone/>
-              <a:defRPr sz="9000" b="0" i="1" u="none" strike="noStrike" cap="none">
-                <a:solidFill>
-                  <a:schemeClr val="dk1"/>
-                </a:solidFill>
-                <a:latin typeface="Arial"/>
-                <a:ea typeface="Arial"/>
-                <a:cs typeface="Arial"/>
-                <a:sym typeface="Arial"/>
-              </a:defRPr>
-            </a:lvl8pPr>
-            <a:lvl9pPr marR="0" lvl="8" algn="ctr" rtl="0">
-              <a:lnSpc>
-                <a:spcPct val="100000"/>
-              </a:lnSpc>
-              <a:spcBef>
-                <a:spcPts val="0"/>
-              </a:spcBef>
-              <a:spcAft>
-                <a:spcPts val="0"/>
-              </a:spcAft>
-              <a:buClr>
-                <a:schemeClr val="dk1"/>
-              </a:buClr>
-              <a:buSzPts val="9000"/>
-              <a:buFont typeface="Arial"/>
-              <a:buNone/>
-              <a:defRPr sz="9000" b="0" i="1" u="none" strike="noStrike" cap="none">
-                <a:solidFill>
-                  <a:schemeClr val="dk1"/>
-                </a:solidFill>
-                <a:latin typeface="Arial"/>
-                <a:ea typeface="Arial"/>
-                <a:cs typeface="Arial"/>
-                <a:sym typeface="Arial"/>
-              </a:defRPr>
-            </a:lvl9pPr>
-          </a:lstStyle>
-          <a:p>
-            <a:pPr indent="-330200">
-              <a:buSzPts val="1600"/>
-            </a:pPr>
-            <a:r>
-              <a:rPr lang="en-US" sz="2400" dirty="0">
-                <a:solidFill>
-                  <a:schemeClr val="hlink"/>
-                </a:solidFill>
-                <a:uFill>
-                  <a:noFill/>
-                </a:uFill>
-              </a:rPr>
-              <a:t>Sprint backlog</a:t>
-            </a:r>
-            <a:endParaRPr lang="en-US" dirty="0">
-              <a:solidFill>
-                <a:schemeClr val="hlink"/>
-              </a:solidFill>
-              <a:uFill>
-                <a:noFill/>
-              </a:uFill>
-            </a:endParaRPr>
-          </a:p>
-        </p:txBody>
-      </p:sp>
-      <p:sp>
-        <p:nvSpPr>
-          <p:cNvPr id="6" name="Google Shape;352;p47">
-            <a:extLst>
-              <a:ext uri="{FF2B5EF4-FFF2-40B4-BE49-F238E27FC236}">
-                <a16:creationId xmlns:a16="http://schemas.microsoft.com/office/drawing/2014/main" id="{4E7821FB-01B1-4DBE-965D-50D55120563D}"/>
-              </a:ext>
-            </a:extLst>
-          </p:cNvPr>
-          <p:cNvSpPr txBox="1"/>
-          <p:nvPr/>
-        </p:nvSpPr>
-        <p:spPr>
-          <a:xfrm>
-            <a:off x="2873856" y="3466426"/>
-            <a:ext cx="1212207" cy="268800"/>
-          </a:xfrm>
-          <a:prstGeom prst="rect">
-            <a:avLst/>
-          </a:prstGeom>
-          <a:noFill/>
-          <a:ln>
-            <a:noFill/>
-          </a:ln>
-        </p:spPr>
-        <p:txBody>
-          <a:bodyPr spcFirstLastPara="1" wrap="square" lIns="91425" tIns="91425" rIns="91425" bIns="91425" anchor="ctr" anchorCtr="0">
-            <a:noAutofit/>
-          </a:bodyPr>
-          <a:lstStyle/>
-          <a:p>
-            <a:pPr marL="0" lvl="0" indent="0" algn="l" rtl="0">
-              <a:spcBef>
-                <a:spcPts val="0"/>
-              </a:spcBef>
-              <a:spcAft>
-                <a:spcPts val="0"/>
-              </a:spcAft>
-              <a:buNone/>
-            </a:pPr>
-            <a:endParaRPr sz="2400" dirty="0">
-              <a:solidFill>
-                <a:schemeClr val="dk1"/>
-              </a:solidFill>
-              <a:latin typeface="Vidaloka"/>
-              <a:ea typeface="Vidaloka"/>
-              <a:cs typeface="Vidaloka"/>
-              <a:sym typeface="Vidaloka"/>
-            </a:endParaRPr>
-          </a:p>
-        </p:txBody>
-      </p:sp>
-      <p:sp>
-        <p:nvSpPr>
-          <p:cNvPr id="9" name="Google Shape;356;p47">
-            <a:extLst>
-              <a:ext uri="{FF2B5EF4-FFF2-40B4-BE49-F238E27FC236}">
-                <a16:creationId xmlns:a16="http://schemas.microsoft.com/office/drawing/2014/main" id="{8A6E1010-A053-4E81-B571-DE67D6658328}"/>
-              </a:ext>
-            </a:extLst>
-          </p:cNvPr>
-          <p:cNvSpPr txBox="1"/>
-          <p:nvPr/>
-        </p:nvSpPr>
-        <p:spPr>
-          <a:xfrm>
-            <a:off x="4505956" y="3588088"/>
-            <a:ext cx="900148" cy="268800"/>
-          </a:xfrm>
-          <a:prstGeom prst="rect">
-            <a:avLst/>
-          </a:prstGeom>
-          <a:noFill/>
-          <a:ln>
-            <a:noFill/>
-          </a:ln>
-        </p:spPr>
-        <p:txBody>
-          <a:bodyPr spcFirstLastPara="1" wrap="square" lIns="91425" tIns="91425" rIns="91425" bIns="91425" anchor="ctr" anchorCtr="0">
-            <a:noAutofit/>
-          </a:bodyPr>
-          <a:lstStyle/>
-          <a:p>
-            <a:pPr marL="0" lvl="0" indent="0" algn="ctr" rtl="0">
-              <a:spcBef>
-                <a:spcPts val="0"/>
-              </a:spcBef>
-              <a:spcAft>
-                <a:spcPts val="0"/>
-              </a:spcAft>
-              <a:buNone/>
-            </a:pPr>
-            <a:r>
-              <a:rPr lang="en" sz="2000" dirty="0">
-                <a:solidFill>
-                  <a:schemeClr val="accent2"/>
-                </a:solidFill>
-                <a:latin typeface="Vidaloka"/>
-                <a:ea typeface="Vidaloka"/>
-                <a:cs typeface="Vidaloka"/>
-                <a:sym typeface="Vidaloka"/>
-              </a:rPr>
-              <a:t>Start</a:t>
-            </a:r>
-            <a:endParaRPr sz="2000" dirty="0">
-              <a:solidFill>
-                <a:schemeClr val="accent2"/>
-              </a:solidFill>
-              <a:latin typeface="Vidaloka"/>
-              <a:ea typeface="Vidaloka"/>
-              <a:cs typeface="Vidaloka"/>
-              <a:sym typeface="Vidaloka"/>
-            </a:endParaRPr>
-          </a:p>
-        </p:txBody>
-      </p:sp>
-      <p:cxnSp>
-        <p:nvCxnSpPr>
-          <p:cNvPr id="10" name="Google Shape;360;p47">
-            <a:extLst>
-              <a:ext uri="{FF2B5EF4-FFF2-40B4-BE49-F238E27FC236}">
-                <a16:creationId xmlns:a16="http://schemas.microsoft.com/office/drawing/2014/main" id="{D382E410-9853-4B18-A308-A2BD9C910AE4}"/>
-              </a:ext>
-            </a:extLst>
-          </p:cNvPr>
-          <p:cNvCxnSpPr>
-            <a:cxnSpLocks/>
-          </p:cNvCxnSpPr>
-          <p:nvPr/>
-        </p:nvCxnSpPr>
-        <p:spPr>
-          <a:xfrm>
-            <a:off x="4345803" y="4149176"/>
-            <a:ext cx="3489227" cy="0"/>
-          </a:xfrm>
-          <a:prstGeom prst="straightConnector1">
-            <a:avLst/>
-          </a:prstGeom>
-          <a:noFill/>
-          <a:ln w="28575" cap="flat" cmpd="sng">
-            <a:solidFill>
-              <a:schemeClr val="accent1"/>
-            </a:solidFill>
-            <a:prstDash val="solid"/>
-            <a:round/>
-            <a:headEnd type="none" w="med" len="med"/>
-            <a:tailEnd type="none" w="med" len="med"/>
-          </a:ln>
-        </p:spPr>
-      </p:cxnSp>
-      <p:sp>
-        <p:nvSpPr>
-          <p:cNvPr id="11" name="Google Shape;364;p47">
-            <a:extLst>
-              <a:ext uri="{FF2B5EF4-FFF2-40B4-BE49-F238E27FC236}">
-                <a16:creationId xmlns:a16="http://schemas.microsoft.com/office/drawing/2014/main" id="{21E13B51-3DD7-4990-BEE9-B5EBA11111D2}"/>
-              </a:ext>
-            </a:extLst>
-          </p:cNvPr>
-          <p:cNvSpPr/>
-          <p:nvPr/>
-        </p:nvSpPr>
-        <p:spPr>
-          <a:xfrm>
-            <a:off x="4196362" y="3965525"/>
-            <a:ext cx="1519333" cy="359399"/>
-          </a:xfrm>
-          <a:prstGeom prst="rect">
-            <a:avLst/>
-          </a:prstGeom>
-          <a:solidFill>
-            <a:schemeClr val="accent2"/>
-          </a:solidFill>
-          <a:ln>
-            <a:noFill/>
-          </a:ln>
-        </p:spPr>
-        <p:txBody>
-          <a:bodyPr spcFirstLastPara="1" wrap="square" lIns="91425" tIns="91425" rIns="91425" bIns="91425" anchor="ctr" anchorCtr="0">
-            <a:noAutofit/>
-          </a:bodyPr>
-          <a:lstStyle/>
-          <a:p>
-            <a:pPr marL="0" lvl="0" indent="0" algn="l" rtl="0">
-              <a:spcBef>
-                <a:spcPts val="0"/>
-              </a:spcBef>
-              <a:spcAft>
-                <a:spcPts val="0"/>
-              </a:spcAft>
-              <a:buNone/>
-            </a:pPr>
-            <a:endParaRPr/>
-          </a:p>
-        </p:txBody>
-      </p:sp>
-      <p:sp>
-        <p:nvSpPr>
-          <p:cNvPr id="12" name="Google Shape;365;p47">
-            <a:extLst>
-              <a:ext uri="{FF2B5EF4-FFF2-40B4-BE49-F238E27FC236}">
-                <a16:creationId xmlns:a16="http://schemas.microsoft.com/office/drawing/2014/main" id="{EBB2CE8D-4C14-4C14-9E8F-28551158E1A3}"/>
-              </a:ext>
-            </a:extLst>
-          </p:cNvPr>
-          <p:cNvSpPr/>
-          <p:nvPr/>
-        </p:nvSpPr>
-        <p:spPr>
-          <a:xfrm>
-            <a:off x="6883084" y="3973028"/>
-            <a:ext cx="1519332" cy="351896"/>
-          </a:xfrm>
-          <a:prstGeom prst="rect">
-            <a:avLst/>
-          </a:prstGeom>
-          <a:solidFill>
-            <a:schemeClr val="accent2"/>
-          </a:solidFill>
-          <a:ln>
-            <a:noFill/>
-          </a:ln>
-        </p:spPr>
-        <p:txBody>
-          <a:bodyPr spcFirstLastPara="1" wrap="square" lIns="91425" tIns="91425" rIns="91425" bIns="91425" anchor="ctr" anchorCtr="0">
-            <a:noAutofit/>
-          </a:bodyPr>
-          <a:lstStyle/>
-          <a:p>
-            <a:pPr marL="0" lvl="0" indent="0" algn="ctr" rtl="0">
-              <a:spcBef>
-                <a:spcPts val="0"/>
-              </a:spcBef>
-              <a:spcAft>
-                <a:spcPts val="0"/>
-              </a:spcAft>
-              <a:buNone/>
-            </a:pPr>
-            <a:r>
-              <a:rPr lang="en" dirty="0">
-                <a:solidFill>
-                  <a:schemeClr val="bg1"/>
-                </a:solidFill>
-                <a:latin typeface="Montserrat"/>
-                <a:ea typeface="Montserrat"/>
-                <a:cs typeface="Montserrat"/>
-                <a:sym typeface="Montserrat"/>
-              </a:rPr>
-              <a:t>10/07/2022</a:t>
-            </a:r>
-          </a:p>
-        </p:txBody>
-      </p:sp>
-      <p:sp>
-        <p:nvSpPr>
-          <p:cNvPr id="13" name="Google Shape;349;p47">
-            <a:extLst>
-              <a:ext uri="{FF2B5EF4-FFF2-40B4-BE49-F238E27FC236}">
-                <a16:creationId xmlns:a16="http://schemas.microsoft.com/office/drawing/2014/main" id="{1B6CCBAD-A157-46ED-B3E5-2EA2D5C1578A}"/>
-              </a:ext>
-            </a:extLst>
-          </p:cNvPr>
-          <p:cNvSpPr txBox="1">
-            <a:spLocks/>
-          </p:cNvSpPr>
-          <p:nvPr/>
-        </p:nvSpPr>
-        <p:spPr>
-          <a:xfrm>
-            <a:off x="1887030" y="3836446"/>
-            <a:ext cx="6772290" cy="572700"/>
-          </a:xfrm>
-          <a:prstGeom prst="rect">
-            <a:avLst/>
-          </a:prstGeom>
-          <a:noFill/>
-          <a:ln>
-            <a:noFill/>
-          </a:ln>
-        </p:spPr>
-        <p:txBody>
-          <a:bodyPr spcFirstLastPara="1" wrap="square" lIns="91425" tIns="91425" rIns="91425" bIns="91425" anchor="t" anchorCtr="0">
-            <a:noAutofit/>
-          </a:bodyPr>
-          <a:lstStyle>
-            <a:defPPr marR="0" lvl="0" algn="l" rtl="0">
-              <a:lnSpc>
-                <a:spcPct val="100000"/>
-              </a:lnSpc>
-              <a:spcBef>
-                <a:spcPts val="0"/>
-              </a:spcBef>
-              <a:spcAft>
-                <a:spcPts val="0"/>
-              </a:spcAft>
-            </a:defPPr>
-            <a:lvl1pPr marR="0" lvl="0" algn="ctr" rtl="0">
-              <a:lnSpc>
-                <a:spcPct val="100000"/>
-              </a:lnSpc>
-              <a:spcBef>
-                <a:spcPts val="0"/>
-              </a:spcBef>
-              <a:spcAft>
-                <a:spcPts val="0"/>
-              </a:spcAft>
-              <a:buClr>
-                <a:schemeClr val="dk1"/>
-              </a:buClr>
-              <a:buSzPts val="9000"/>
-              <a:buFont typeface="Vidaloka"/>
-              <a:buNone/>
-              <a:defRPr sz="9000" b="0" i="0" u="none" strike="noStrike" cap="none">
-                <a:solidFill>
-                  <a:schemeClr val="dk1"/>
-                </a:solidFill>
-                <a:latin typeface="Vidaloka"/>
-                <a:ea typeface="Vidaloka"/>
-                <a:cs typeface="Vidaloka"/>
-                <a:sym typeface="Vidaloka"/>
-              </a:defRPr>
-            </a:lvl1pPr>
-            <a:lvl2pPr marR="0" lvl="1" algn="ctr" rtl="0">
-              <a:lnSpc>
-                <a:spcPct val="100000"/>
-              </a:lnSpc>
-              <a:spcBef>
-                <a:spcPts val="0"/>
-              </a:spcBef>
-              <a:spcAft>
-                <a:spcPts val="0"/>
-              </a:spcAft>
-              <a:buClr>
-                <a:schemeClr val="dk1"/>
-              </a:buClr>
-              <a:buSzPts val="9000"/>
-              <a:buFont typeface="Arial"/>
-              <a:buNone/>
-              <a:defRPr sz="9000" b="0" i="1" u="none" strike="noStrike" cap="none">
-                <a:solidFill>
-                  <a:schemeClr val="dk1"/>
-                </a:solidFill>
-                <a:latin typeface="Arial"/>
-                <a:ea typeface="Arial"/>
-                <a:cs typeface="Arial"/>
-                <a:sym typeface="Arial"/>
-              </a:defRPr>
-            </a:lvl2pPr>
-            <a:lvl3pPr marR="0" lvl="2" algn="ctr" rtl="0">
-              <a:lnSpc>
-                <a:spcPct val="100000"/>
-              </a:lnSpc>
-              <a:spcBef>
-                <a:spcPts val="0"/>
-              </a:spcBef>
-              <a:spcAft>
-                <a:spcPts val="0"/>
-              </a:spcAft>
-              <a:buClr>
-                <a:schemeClr val="dk1"/>
-              </a:buClr>
-              <a:buSzPts val="9000"/>
-              <a:buFont typeface="Arial"/>
-              <a:buNone/>
-              <a:defRPr sz="9000" b="0" i="1" u="none" strike="noStrike" cap="none">
-                <a:solidFill>
-                  <a:schemeClr val="dk1"/>
-                </a:solidFill>
-                <a:latin typeface="Arial"/>
-                <a:ea typeface="Arial"/>
-                <a:cs typeface="Arial"/>
-                <a:sym typeface="Arial"/>
-              </a:defRPr>
-            </a:lvl3pPr>
-            <a:lvl4pPr marR="0" lvl="3" algn="ctr" rtl="0">
-              <a:lnSpc>
-                <a:spcPct val="100000"/>
-              </a:lnSpc>
-              <a:spcBef>
-                <a:spcPts val="0"/>
-              </a:spcBef>
-              <a:spcAft>
-                <a:spcPts val="0"/>
-              </a:spcAft>
-              <a:buClr>
-                <a:schemeClr val="dk1"/>
-              </a:buClr>
-              <a:buSzPts val="9000"/>
-              <a:buFont typeface="Arial"/>
-              <a:buNone/>
-              <a:defRPr sz="9000" b="0" i="1" u="none" strike="noStrike" cap="none">
-                <a:solidFill>
-                  <a:schemeClr val="dk1"/>
-                </a:solidFill>
-                <a:latin typeface="Arial"/>
-                <a:ea typeface="Arial"/>
-                <a:cs typeface="Arial"/>
-                <a:sym typeface="Arial"/>
-              </a:defRPr>
-            </a:lvl4pPr>
-            <a:lvl5pPr marR="0" lvl="4" algn="ctr" rtl="0">
-              <a:lnSpc>
-                <a:spcPct val="100000"/>
-              </a:lnSpc>
-              <a:spcBef>
-                <a:spcPts val="0"/>
-              </a:spcBef>
-              <a:spcAft>
-                <a:spcPts val="0"/>
-              </a:spcAft>
-              <a:buClr>
-                <a:schemeClr val="dk1"/>
-              </a:buClr>
-              <a:buSzPts val="9000"/>
-              <a:buFont typeface="Arial"/>
-              <a:buNone/>
-              <a:defRPr sz="9000" b="0" i="1" u="none" strike="noStrike" cap="none">
-                <a:solidFill>
-                  <a:schemeClr val="dk1"/>
-                </a:solidFill>
-                <a:latin typeface="Arial"/>
-                <a:ea typeface="Arial"/>
-                <a:cs typeface="Arial"/>
-                <a:sym typeface="Arial"/>
-              </a:defRPr>
-            </a:lvl5pPr>
-            <a:lvl6pPr marR="0" lvl="5" algn="ctr" rtl="0">
-              <a:lnSpc>
-                <a:spcPct val="100000"/>
-              </a:lnSpc>
-              <a:spcBef>
-                <a:spcPts val="0"/>
-              </a:spcBef>
-              <a:spcAft>
-                <a:spcPts val="0"/>
-              </a:spcAft>
-              <a:buClr>
-                <a:schemeClr val="dk1"/>
-              </a:buClr>
-              <a:buSzPts val="9000"/>
-              <a:buFont typeface="Arial"/>
-              <a:buNone/>
-              <a:defRPr sz="9000" b="0" i="1" u="none" strike="noStrike" cap="none">
-                <a:solidFill>
-                  <a:schemeClr val="dk1"/>
-                </a:solidFill>
-                <a:latin typeface="Arial"/>
-                <a:ea typeface="Arial"/>
-                <a:cs typeface="Arial"/>
-                <a:sym typeface="Arial"/>
-              </a:defRPr>
-            </a:lvl6pPr>
-            <a:lvl7pPr marR="0" lvl="6" algn="ctr" rtl="0">
-              <a:lnSpc>
-                <a:spcPct val="100000"/>
-              </a:lnSpc>
-              <a:spcBef>
-                <a:spcPts val="0"/>
-              </a:spcBef>
-              <a:spcAft>
-                <a:spcPts val="0"/>
-              </a:spcAft>
-              <a:buClr>
-                <a:schemeClr val="dk1"/>
-              </a:buClr>
-              <a:buSzPts val="9000"/>
-              <a:buFont typeface="Arial"/>
-              <a:buNone/>
-              <a:defRPr sz="9000" b="0" i="1" u="none" strike="noStrike" cap="none">
-                <a:solidFill>
-                  <a:schemeClr val="dk1"/>
-                </a:solidFill>
-                <a:latin typeface="Arial"/>
-                <a:ea typeface="Arial"/>
-                <a:cs typeface="Arial"/>
-                <a:sym typeface="Arial"/>
-              </a:defRPr>
-            </a:lvl7pPr>
-            <a:lvl8pPr marR="0" lvl="7" algn="ctr" rtl="0">
-              <a:lnSpc>
-                <a:spcPct val="100000"/>
-              </a:lnSpc>
-              <a:spcBef>
-                <a:spcPts val="0"/>
-              </a:spcBef>
-              <a:spcAft>
-                <a:spcPts val="0"/>
-              </a:spcAft>
-              <a:buClr>
-                <a:schemeClr val="dk1"/>
-              </a:buClr>
-              <a:buSzPts val="9000"/>
-              <a:buFont typeface="Arial"/>
-              <a:buNone/>
-              <a:defRPr sz="9000" b="0" i="1" u="none" strike="noStrike" cap="none">
-                <a:solidFill>
-                  <a:schemeClr val="dk1"/>
-                </a:solidFill>
-                <a:latin typeface="Arial"/>
-                <a:ea typeface="Arial"/>
-                <a:cs typeface="Arial"/>
-                <a:sym typeface="Arial"/>
-              </a:defRPr>
-            </a:lvl8pPr>
-            <a:lvl9pPr marR="0" lvl="8" algn="ctr" rtl="0">
-              <a:lnSpc>
-                <a:spcPct val="100000"/>
-              </a:lnSpc>
-              <a:spcBef>
-                <a:spcPts val="0"/>
-              </a:spcBef>
-              <a:spcAft>
-                <a:spcPts val="0"/>
-              </a:spcAft>
-              <a:buClr>
-                <a:schemeClr val="dk1"/>
-              </a:buClr>
-              <a:buSzPts val="9000"/>
-              <a:buFont typeface="Arial"/>
-              <a:buNone/>
-              <a:defRPr sz="9000" b="0" i="1" u="none" strike="noStrike" cap="none">
-                <a:solidFill>
-                  <a:schemeClr val="dk1"/>
-                </a:solidFill>
-                <a:latin typeface="Arial"/>
-                <a:ea typeface="Arial"/>
-                <a:cs typeface="Arial"/>
-                <a:sym typeface="Arial"/>
-              </a:defRPr>
-            </a:lvl9pPr>
-          </a:lstStyle>
-          <a:p>
-            <a:pPr algn="l"/>
-            <a:r>
-              <a:rPr lang="en-US" sz="2800" dirty="0"/>
-              <a:t>Schedule</a:t>
-            </a:r>
-          </a:p>
-        </p:txBody>
-      </p:sp>
-      <p:sp>
-        <p:nvSpPr>
-          <p:cNvPr id="14" name="Google Shape;356;p47">
-            <a:extLst>
-              <a:ext uri="{FF2B5EF4-FFF2-40B4-BE49-F238E27FC236}">
-                <a16:creationId xmlns:a16="http://schemas.microsoft.com/office/drawing/2014/main" id="{815FB852-6EBF-4FEB-BFEC-D91F32699FA3}"/>
-              </a:ext>
-            </a:extLst>
-          </p:cNvPr>
-          <p:cNvSpPr txBox="1"/>
-          <p:nvPr/>
-        </p:nvSpPr>
-        <p:spPr>
-          <a:xfrm>
-            <a:off x="6675547" y="3600826"/>
-            <a:ext cx="1934406" cy="268800"/>
-          </a:xfrm>
-          <a:prstGeom prst="rect">
-            <a:avLst/>
-          </a:prstGeom>
-          <a:noFill/>
-          <a:ln>
-            <a:noFill/>
-          </a:ln>
-        </p:spPr>
-        <p:txBody>
-          <a:bodyPr spcFirstLastPara="1" wrap="square" lIns="91425" tIns="91425" rIns="91425" bIns="91425" anchor="ctr" anchorCtr="0">
-            <a:noAutofit/>
-          </a:bodyPr>
-          <a:lstStyle/>
-          <a:p>
-            <a:pPr marL="0" lvl="0" indent="0" algn="ctr" rtl="0">
-              <a:spcBef>
-                <a:spcPts val="0"/>
-              </a:spcBef>
-              <a:spcAft>
-                <a:spcPts val="0"/>
-              </a:spcAft>
-              <a:buNone/>
-            </a:pPr>
-            <a:r>
-              <a:rPr lang="en-US" sz="2000" dirty="0">
-                <a:solidFill>
-                  <a:schemeClr val="accent2"/>
-                </a:solidFill>
-                <a:latin typeface="Vidaloka"/>
-                <a:ea typeface="Vidaloka"/>
-                <a:cs typeface="Vidaloka"/>
-                <a:sym typeface="Vidaloka"/>
-              </a:rPr>
-              <a:t>End</a:t>
-            </a:r>
-            <a:endParaRPr sz="2000" dirty="0">
-              <a:solidFill>
-                <a:schemeClr val="accent2"/>
-              </a:solidFill>
-              <a:latin typeface="Vidaloka"/>
-              <a:ea typeface="Vidaloka"/>
-              <a:cs typeface="Vidaloka"/>
-              <a:sym typeface="Vidaloka"/>
-            </a:endParaRPr>
-          </a:p>
-        </p:txBody>
-      </p:sp>
-      <p:sp>
-        <p:nvSpPr>
-          <p:cNvPr id="15" name="Google Shape;350;p47">
-            <a:extLst>
-              <a:ext uri="{FF2B5EF4-FFF2-40B4-BE49-F238E27FC236}">
-                <a16:creationId xmlns:a16="http://schemas.microsoft.com/office/drawing/2014/main" id="{49B24187-696C-46D1-8391-CEA72A1DF0A1}"/>
-              </a:ext>
-            </a:extLst>
-          </p:cNvPr>
-          <p:cNvSpPr/>
-          <p:nvPr/>
-        </p:nvSpPr>
-        <p:spPr>
-          <a:xfrm>
-            <a:off x="2686336" y="3749311"/>
-            <a:ext cx="1206362" cy="359400"/>
-          </a:xfrm>
-          <a:prstGeom prst="rect">
-            <a:avLst/>
-          </a:prstGeom>
-          <a:noFill/>
-          <a:ln>
-            <a:noFill/>
-          </a:ln>
-        </p:spPr>
-        <p:txBody>
-          <a:bodyPr spcFirstLastPara="1" wrap="square" lIns="91425" tIns="91425" rIns="91425" bIns="91425" anchor="ctr" anchorCtr="0">
-            <a:noAutofit/>
-          </a:bodyPr>
-          <a:lstStyle/>
-          <a:p>
-            <a:pPr marL="0" lvl="0" indent="0" algn="ctr" rtl="0">
-              <a:spcBef>
-                <a:spcPts val="0"/>
-              </a:spcBef>
-              <a:spcAft>
-                <a:spcPts val="0"/>
-              </a:spcAft>
-              <a:buNone/>
-            </a:pPr>
-            <a:r>
-              <a:rPr lang="en" dirty="0">
-                <a:solidFill>
-                  <a:schemeClr val="bg1"/>
-                </a:solidFill>
-                <a:latin typeface="Montserrat"/>
-                <a:ea typeface="Montserrat"/>
-                <a:cs typeface="Montserrat"/>
-                <a:sym typeface="Montserrat"/>
-              </a:rPr>
-              <a:t>06/04/2022</a:t>
-            </a:r>
-            <a:endParaRPr dirty="0">
-              <a:solidFill>
-                <a:schemeClr val="bg1"/>
-              </a:solidFill>
-              <a:latin typeface="Montserrat"/>
-              <a:ea typeface="Montserrat"/>
-              <a:cs typeface="Montserrat"/>
-              <a:sym typeface="Montserrat"/>
-            </a:endParaRPr>
-          </a:p>
-        </p:txBody>
-      </p:sp>
-      <p:sp>
-        <p:nvSpPr>
-          <p:cNvPr id="16" name="Google Shape;350;p47">
-            <a:extLst>
-              <a:ext uri="{FF2B5EF4-FFF2-40B4-BE49-F238E27FC236}">
-                <a16:creationId xmlns:a16="http://schemas.microsoft.com/office/drawing/2014/main" id="{A9F78FA5-DF04-43DD-B413-8896C7809A2F}"/>
-              </a:ext>
-            </a:extLst>
-          </p:cNvPr>
-          <p:cNvSpPr/>
-          <p:nvPr/>
-        </p:nvSpPr>
-        <p:spPr>
-          <a:xfrm>
-            <a:off x="4352848" y="3991202"/>
-            <a:ext cx="1206362" cy="359400"/>
-          </a:xfrm>
-          <a:prstGeom prst="rect">
-            <a:avLst/>
-          </a:prstGeom>
-          <a:noFill/>
-          <a:ln>
-            <a:noFill/>
-          </a:ln>
-        </p:spPr>
-        <p:txBody>
-          <a:bodyPr spcFirstLastPara="1" wrap="square" lIns="91425" tIns="91425" rIns="91425" bIns="91425" anchor="ctr" anchorCtr="0">
-            <a:noAutofit/>
-          </a:bodyPr>
-          <a:lstStyle/>
-          <a:p>
-            <a:pPr marL="0" lvl="0" indent="0" algn="ctr" rtl="0">
-              <a:spcBef>
-                <a:spcPts val="0"/>
-              </a:spcBef>
-              <a:spcAft>
-                <a:spcPts val="0"/>
-              </a:spcAft>
-              <a:buNone/>
-            </a:pPr>
-            <a:r>
-              <a:rPr lang="en" dirty="0">
-                <a:solidFill>
-                  <a:schemeClr val="bg1"/>
-                </a:solidFill>
-                <a:latin typeface="Montserrat"/>
-                <a:ea typeface="Montserrat"/>
-                <a:cs typeface="Montserrat"/>
-                <a:sym typeface="Montserrat"/>
-              </a:rPr>
-              <a:t>21/06/2022</a:t>
-            </a:r>
-            <a:endParaRPr dirty="0">
-              <a:solidFill>
-                <a:schemeClr val="bg1"/>
-              </a:solidFill>
-              <a:latin typeface="Montserrat"/>
-              <a:ea typeface="Montserrat"/>
-              <a:cs typeface="Montserrat"/>
-              <a:sym typeface="Montserrat"/>
-            </a:endParaRPr>
-          </a:p>
-        </p:txBody>
-      </p:sp>
-      <p:sp>
-        <p:nvSpPr>
           <p:cNvPr id="17" name="TextBox 16">
             <a:extLst>
               <a:ext uri="{FF2B5EF4-FFF2-40B4-BE49-F238E27FC236}">
-                <a16:creationId xmlns:a16="http://schemas.microsoft.com/office/drawing/2014/main" id="{3FD9F0D9-B1DE-442C-97BB-8EC9434FACEE}"/>
+                <a16:creationId xmlns:a16="http://schemas.microsoft.com/office/drawing/2014/main" id="{8B96F628-3C0A-4D4F-9B59-3A756D9E0037}"/>
               </a:ext>
             </a:extLst>
           </p:cNvPr>
@@ -18640,10 +19146,88 @@
           </a:p>
         </p:txBody>
       </p:sp>
+      <p:pic>
+        <p:nvPicPr>
+          <p:cNvPr id="6" name="Picture 5" descr="Text&#10;&#10;Description automatically generated">
+            <a:extLst>
+              <a:ext uri="{FF2B5EF4-FFF2-40B4-BE49-F238E27FC236}">
+                <a16:creationId xmlns:a16="http://schemas.microsoft.com/office/drawing/2014/main" id="{4F356625-C905-FA05-B828-F712D956425A}"/>
+              </a:ext>
+            </a:extLst>
+          </p:cNvPr>
+          <p:cNvPicPr>
+            <a:picLocks noChangeAspect="1"/>
+          </p:cNvPicPr>
+          <p:nvPr/>
+        </p:nvPicPr>
+        <p:blipFill>
+          <a:blip r:embed="rId3"/>
+          <a:stretch>
+            <a:fillRect/>
+          </a:stretch>
+        </p:blipFill>
+        <p:spPr>
+          <a:xfrm>
+            <a:off x="384627" y="928914"/>
+            <a:ext cx="8367487" cy="3084285"/>
+          </a:xfrm>
+          <a:prstGeom prst="rect">
+            <a:avLst/>
+          </a:prstGeom>
+        </p:spPr>
+      </p:pic>
+      <p:sp>
+        <p:nvSpPr>
+          <p:cNvPr id="9" name="Google Shape;292;p41">
+            <a:extLst>
+              <a:ext uri="{FF2B5EF4-FFF2-40B4-BE49-F238E27FC236}">
+                <a16:creationId xmlns:a16="http://schemas.microsoft.com/office/drawing/2014/main" id="{A310B369-F957-C787-C3BE-413C5C2E22E3}"/>
+              </a:ext>
+            </a:extLst>
+          </p:cNvPr>
+          <p:cNvSpPr txBox="1">
+            <a:spLocks noGrp="1"/>
+          </p:cNvSpPr>
+          <p:nvPr>
+            <p:ph type="subTitle" idx="1"/>
+          </p:nvPr>
+        </p:nvSpPr>
+        <p:spPr>
+          <a:xfrm>
+            <a:off x="1796881" y="4046629"/>
+            <a:ext cx="5431233" cy="554400"/>
+          </a:xfrm>
+          <a:prstGeom prst="rect">
+            <a:avLst/>
+          </a:prstGeom>
+        </p:spPr>
+        <p:txBody>
+          <a:bodyPr spcFirstLastPara="1" wrap="square" lIns="91425" tIns="91425" rIns="91425" bIns="91425" anchor="t" anchorCtr="0">
+            <a:noAutofit/>
+          </a:bodyPr>
+          <a:lstStyle/>
+          <a:p>
+            <a:pPr marL="0" lvl="0" indent="0" algn="ctr" rtl="0">
+              <a:spcBef>
+                <a:spcPts val="0"/>
+              </a:spcBef>
+              <a:spcAft>
+                <a:spcPts val="0"/>
+              </a:spcAft>
+              <a:buNone/>
+            </a:pPr>
+            <a:r>
+              <a:rPr lang="en-US" dirty="0"/>
+              <a:t>PDF Table extraction</a:t>
+            </a:r>
+            <a:endParaRPr dirty="0"/>
+          </a:p>
+        </p:txBody>
+      </p:sp>
     </p:spTree>
     <p:extLst>
       <p:ext uri="{BB962C8B-B14F-4D97-AF65-F5344CB8AC3E}">
-        <p14:creationId xmlns:p14="http://schemas.microsoft.com/office/powerpoint/2010/main" val="2478022065"/>
+        <p14:creationId xmlns:p14="http://schemas.microsoft.com/office/powerpoint/2010/main" val="3534892752"/>
       </p:ext>
     </p:extLst>
   </p:cSld>
